--- a/results.pptx
+++ b/results.pptx
@@ -200,7 +200,7 @@
           <a:p>
             <a:fld id="{E26721A9-E13E-4D8E-9506-40BF805E8D88}" type="datetimeFigureOut">
               <a:rPr lang="en-US" smtClean="0"/>
-              <a:t>9/10/2019</a:t>
+              <a:t>9/19/2019</a:t>
             </a:fld>
             <a:endParaRPr lang="en-US"/>
           </a:p>
@@ -1274,7 +1274,7 @@
           <p:cNvPr id="3" name="Retângulo 43">
             <a:extLst>
               <a:ext uri="{FF2B5EF4-FFF2-40B4-BE49-F238E27FC236}">
-                <a16:creationId xmlns="" xmlns:a16="http://schemas.microsoft.com/office/drawing/2014/main" id="{25FC8637-25BD-4C09-AF25-56B4243DAB3D}"/>
+                <a16:creationId xmlns:a16="http://schemas.microsoft.com/office/drawing/2014/main" xmlns="" id="{25FC8637-25BD-4C09-AF25-56B4243DAB3D}"/>
               </a:ext>
             </a:extLst>
           </p:cNvPr>
@@ -1326,7 +1326,7 @@
           <p:cNvPr id="7" name="Conector reto 49">
             <a:extLst>
               <a:ext uri="{FF2B5EF4-FFF2-40B4-BE49-F238E27FC236}">
-                <a16:creationId xmlns="" xmlns:a16="http://schemas.microsoft.com/office/drawing/2014/main" id="{6B6D7F6B-C184-4C2B-8EB7-067E0C1E8DF2}"/>
+                <a16:creationId xmlns:a16="http://schemas.microsoft.com/office/drawing/2014/main" xmlns="" id="{6B6D7F6B-C184-4C2B-8EB7-067E0C1E8DF2}"/>
               </a:ext>
             </a:extLst>
           </p:cNvPr>
@@ -1374,7 +1374,7 @@
             <a:hlinkClick r:id="rId2"/>
             <a:extLst>
               <a:ext uri="{FF2B5EF4-FFF2-40B4-BE49-F238E27FC236}">
-                <a16:creationId xmlns="" xmlns:a16="http://schemas.microsoft.com/office/drawing/2014/main" id="{F376ABD1-4930-42EB-9A73-9A9C7C6BF2D3}"/>
+                <a16:creationId xmlns:a16="http://schemas.microsoft.com/office/drawing/2014/main" xmlns="" id="{F376ABD1-4930-42EB-9A73-9A9C7C6BF2D3}"/>
               </a:ext>
             </a:extLst>
           </p:cNvPr>
@@ -1420,7 +1420,7 @@
           <p:cNvPr id="9" name="Retângulo 43">
             <a:extLst>
               <a:ext uri="{FF2B5EF4-FFF2-40B4-BE49-F238E27FC236}">
-                <a16:creationId xmlns="" xmlns:a16="http://schemas.microsoft.com/office/drawing/2014/main" id="{834ADCB4-BFB1-450D-8F6D-64217F4CD92C}"/>
+                <a16:creationId xmlns:a16="http://schemas.microsoft.com/office/drawing/2014/main" xmlns="" id="{834ADCB4-BFB1-450D-8F6D-64217F4CD92C}"/>
               </a:ext>
             </a:extLst>
           </p:cNvPr>
@@ -1497,7 +1497,7 @@
           <p:cNvPr id="8" name="Graphic 7">
             <a:extLst>
               <a:ext uri="{FF2B5EF4-FFF2-40B4-BE49-F238E27FC236}">
-                <a16:creationId xmlns="" xmlns:a16="http://schemas.microsoft.com/office/drawing/2014/main" id="{E94103CC-22C5-4F38-9B77-3524E8A553F9}"/>
+                <a16:creationId xmlns:a16="http://schemas.microsoft.com/office/drawing/2014/main" xmlns="" id="{E94103CC-22C5-4F38-9B77-3524E8A553F9}"/>
               </a:ext>
             </a:extLst>
           </p:cNvPr>
@@ -1510,7 +1510,7 @@
           <a:blip r:embed="rId2">
             <a:extLst>
               <a:ext uri="{96DAC541-7B7A-43D3-8B79-37D633B846F1}">
-                <asvg:svgBlip xmlns="" xmlns:asvg="http://schemas.microsoft.com/office/drawing/2016/SVG/main" r:embed="rId3"/>
+                <asvg:svgBlip xmlns:asvg="http://schemas.microsoft.com/office/drawing/2016/SVG/main" xmlns="" r:embed="rId3"/>
               </a:ext>
             </a:extLst>
           </a:blip>
@@ -1532,7 +1532,7 @@
           <p:cNvPr id="50" name="Text Placeholder 7">
             <a:extLst>
               <a:ext uri="{FF2B5EF4-FFF2-40B4-BE49-F238E27FC236}">
-                <a16:creationId xmlns="" xmlns:a16="http://schemas.microsoft.com/office/drawing/2014/main" id="{4E956B68-B273-4648-AC4B-C9A05A745160}"/>
+                <a16:creationId xmlns:a16="http://schemas.microsoft.com/office/drawing/2014/main" xmlns="" id="{4E956B68-B273-4648-AC4B-C9A05A745160}"/>
               </a:ext>
             </a:extLst>
           </p:cNvPr>
@@ -1629,7 +1629,7 @@
           <p:cNvPr id="51" name="Text Placeholder 7">
             <a:extLst>
               <a:ext uri="{FF2B5EF4-FFF2-40B4-BE49-F238E27FC236}">
-                <a16:creationId xmlns="" xmlns:a16="http://schemas.microsoft.com/office/drawing/2014/main" id="{F12D7C74-E8A0-4A7D-95DA-A14111669514}"/>
+                <a16:creationId xmlns:a16="http://schemas.microsoft.com/office/drawing/2014/main" xmlns="" id="{F12D7C74-E8A0-4A7D-95DA-A14111669514}"/>
               </a:ext>
             </a:extLst>
           </p:cNvPr>
@@ -1726,7 +1726,7 @@
           <p:cNvPr id="49" name="Picture Placeholder 48">
             <a:extLst>
               <a:ext uri="{FF2B5EF4-FFF2-40B4-BE49-F238E27FC236}">
-                <a16:creationId xmlns="" xmlns:a16="http://schemas.microsoft.com/office/drawing/2014/main" id="{4212BD44-DEDF-4B08-8824-204652F9616E}"/>
+                <a16:creationId xmlns:a16="http://schemas.microsoft.com/office/drawing/2014/main" xmlns="" id="{4212BD44-DEDF-4B08-8824-204652F9616E}"/>
               </a:ext>
             </a:extLst>
           </p:cNvPr>
@@ -1763,7 +1763,7 @@
           <p:cNvPr id="52" name="Text Placeholder 7">
             <a:extLst>
               <a:ext uri="{FF2B5EF4-FFF2-40B4-BE49-F238E27FC236}">
-                <a16:creationId xmlns="" xmlns:a16="http://schemas.microsoft.com/office/drawing/2014/main" id="{92D6AE9D-467E-46C0-B32B-79A9B07CDD13}"/>
+                <a16:creationId xmlns:a16="http://schemas.microsoft.com/office/drawing/2014/main" xmlns="" id="{92D6AE9D-467E-46C0-B32B-79A9B07CDD13}"/>
               </a:ext>
             </a:extLst>
           </p:cNvPr>
@@ -1860,7 +1860,7 @@
           <p:cNvPr id="7" name="Title Placeholder 1">
             <a:extLst>
               <a:ext uri="{FF2B5EF4-FFF2-40B4-BE49-F238E27FC236}">
-                <a16:creationId xmlns="" xmlns:a16="http://schemas.microsoft.com/office/drawing/2014/main" id="{552BBB0A-405D-419D-8BD5-EC8D9F84B795}"/>
+                <a16:creationId xmlns:a16="http://schemas.microsoft.com/office/drawing/2014/main" xmlns="" id="{552BBB0A-405D-419D-8BD5-EC8D9F84B795}"/>
               </a:ext>
             </a:extLst>
           </p:cNvPr>
@@ -1908,7 +1908,7 @@
           <p:cNvPr id="9" name="Graphic 4">
             <a:extLst>
               <a:ext uri="{FF2B5EF4-FFF2-40B4-BE49-F238E27FC236}">
-                <a16:creationId xmlns="" xmlns:a16="http://schemas.microsoft.com/office/drawing/2014/main" id="{D67A1EFD-D78D-4138-B2FE-E0A098B59C34}"/>
+                <a16:creationId xmlns:a16="http://schemas.microsoft.com/office/drawing/2014/main" xmlns="" id="{D67A1EFD-D78D-4138-B2FE-E0A098B59C34}"/>
               </a:ext>
             </a:extLst>
           </p:cNvPr>
@@ -1921,7 +1921,7 @@
           <a:blip r:embed="rId4">
             <a:extLst>
               <a:ext uri="{96DAC541-7B7A-43D3-8B79-37D633B846F1}">
-                <asvg:svgBlip xmlns="" xmlns:asvg="http://schemas.microsoft.com/office/drawing/2016/SVG/main" r:embed="rId5"/>
+                <asvg:svgBlip xmlns:asvg="http://schemas.microsoft.com/office/drawing/2016/SVG/main" xmlns="" r:embed="rId5"/>
               </a:ext>
             </a:extLst>
           </a:blip>
@@ -1943,7 +1943,7 @@
           <p:cNvPr id="11" name="Conector reto 49">
             <a:extLst>
               <a:ext uri="{FF2B5EF4-FFF2-40B4-BE49-F238E27FC236}">
-                <a16:creationId xmlns="" xmlns:a16="http://schemas.microsoft.com/office/drawing/2014/main" id="{6B6D7F6B-C184-4C2B-8EB7-067E0C1E8DF2}"/>
+                <a16:creationId xmlns:a16="http://schemas.microsoft.com/office/drawing/2014/main" xmlns="" id="{6B6D7F6B-C184-4C2B-8EB7-067E0C1E8DF2}"/>
               </a:ext>
             </a:extLst>
           </p:cNvPr>
@@ -1991,7 +1991,7 @@
             <a:hlinkClick r:id="rId6"/>
             <a:extLst>
               <a:ext uri="{FF2B5EF4-FFF2-40B4-BE49-F238E27FC236}">
-                <a16:creationId xmlns="" xmlns:a16="http://schemas.microsoft.com/office/drawing/2014/main" id="{F376ABD1-4930-42EB-9A73-9A9C7C6BF2D3}"/>
+                <a16:creationId xmlns:a16="http://schemas.microsoft.com/office/drawing/2014/main" xmlns="" id="{F376ABD1-4930-42EB-9A73-9A9C7C6BF2D3}"/>
               </a:ext>
             </a:extLst>
           </p:cNvPr>
@@ -2036,7 +2036,7 @@
           <p:cNvPr id="13" name="Retângulo 43">
             <a:extLst>
               <a:ext uri="{FF2B5EF4-FFF2-40B4-BE49-F238E27FC236}">
-                <a16:creationId xmlns="" xmlns:a16="http://schemas.microsoft.com/office/drawing/2014/main" id="{25FC8637-25BD-4C09-AF25-56B4243DAB3D}"/>
+                <a16:creationId xmlns:a16="http://schemas.microsoft.com/office/drawing/2014/main" xmlns="" id="{25FC8637-25BD-4C09-AF25-56B4243DAB3D}"/>
               </a:ext>
             </a:extLst>
           </p:cNvPr>
@@ -2083,7 +2083,7 @@
           <p:cNvPr id="14" name="Retângulo 43">
             <a:extLst>
               <a:ext uri="{FF2B5EF4-FFF2-40B4-BE49-F238E27FC236}">
-                <a16:creationId xmlns="" xmlns:a16="http://schemas.microsoft.com/office/drawing/2014/main" id="{834ADCB4-BFB1-450D-8F6D-64217F4CD92C}"/>
+                <a16:creationId xmlns:a16="http://schemas.microsoft.com/office/drawing/2014/main" xmlns="" id="{834ADCB4-BFB1-450D-8F6D-64217F4CD92C}"/>
               </a:ext>
             </a:extLst>
           </p:cNvPr>
@@ -2162,7 +2162,7 @@
           <p:cNvPr id="10" name="Text Placeholder 13">
             <a:extLst>
               <a:ext uri="{FF2B5EF4-FFF2-40B4-BE49-F238E27FC236}">
-                <a16:creationId xmlns="" xmlns:a16="http://schemas.microsoft.com/office/drawing/2014/main" id="{7D1DC75A-C7A4-44A4-B19C-D445335545B0}"/>
+                <a16:creationId xmlns:a16="http://schemas.microsoft.com/office/drawing/2014/main" xmlns="" id="{7D1DC75A-C7A4-44A4-B19C-D445335545B0}"/>
               </a:ext>
             </a:extLst>
           </p:cNvPr>
@@ -2223,7 +2223,7 @@
           <p:cNvPr id="11" name="Text Placeholder 13">
             <a:extLst>
               <a:ext uri="{FF2B5EF4-FFF2-40B4-BE49-F238E27FC236}">
-                <a16:creationId xmlns="" xmlns:a16="http://schemas.microsoft.com/office/drawing/2014/main" id="{563879A0-0979-491A-8758-371BB7AD935B}"/>
+                <a16:creationId xmlns:a16="http://schemas.microsoft.com/office/drawing/2014/main" xmlns="" id="{563879A0-0979-491A-8758-371BB7AD935B}"/>
               </a:ext>
             </a:extLst>
           </p:cNvPr>
@@ -2281,7 +2281,7 @@
           <p:cNvPr id="9" name="Group 8">
             <a:extLst>
               <a:ext uri="{FF2B5EF4-FFF2-40B4-BE49-F238E27FC236}">
-                <a16:creationId xmlns="" xmlns:a16="http://schemas.microsoft.com/office/drawing/2014/main" id="{A76958A6-8FB1-445D-BB17-D619DC39E089}"/>
+                <a16:creationId xmlns:a16="http://schemas.microsoft.com/office/drawing/2014/main" xmlns="" id="{A76958A6-8FB1-445D-BB17-D619DC39E089}"/>
               </a:ext>
             </a:extLst>
           </p:cNvPr>
@@ -2301,7 +2301,7 @@
             <p:cNvPr id="12" name="Freeform: Shape 11">
               <a:extLst>
                 <a:ext uri="{FF2B5EF4-FFF2-40B4-BE49-F238E27FC236}">
-                  <a16:creationId xmlns="" xmlns:a16="http://schemas.microsoft.com/office/drawing/2014/main" id="{3C37792F-39D6-4A1F-BE84-103229E3E4C7}"/>
+                  <a16:creationId xmlns:a16="http://schemas.microsoft.com/office/drawing/2014/main" xmlns="" id="{3C37792F-39D6-4A1F-BE84-103229E3E4C7}"/>
                 </a:ext>
               </a:extLst>
             </p:cNvPr>
@@ -2596,7 +2596,7 @@
             <p:cNvPr id="13" name="Freeform 10">
               <a:extLst>
                 <a:ext uri="{FF2B5EF4-FFF2-40B4-BE49-F238E27FC236}">
-                  <a16:creationId xmlns="" xmlns:a16="http://schemas.microsoft.com/office/drawing/2014/main" id="{D9D750E2-E6DE-4123-9001-1391D1C49BBA}"/>
+                  <a16:creationId xmlns:a16="http://schemas.microsoft.com/office/drawing/2014/main" xmlns="" id="{D9D750E2-E6DE-4123-9001-1391D1C49BBA}"/>
                 </a:ext>
               </a:extLst>
             </p:cNvPr>
@@ -2719,7 +2719,7 @@
             </a:ln>
             <a:extLst>
               <a:ext uri="{91240B29-F687-4f45-9708-019B960494DF}">
-                <a14:hiddenLine xmlns="" xmlns:a14="http://schemas.microsoft.com/office/drawing/2010/main" w="9525">
+                <a14:hiddenLine xmlns:a14="http://schemas.microsoft.com/office/drawing/2010/main" xmlns="" w="9525">
                   <a:solidFill>
                     <a:srgbClr val="000000"/>
                   </a:solidFill>
@@ -2751,7 +2751,7 @@
             <p:cNvPr id="14" name="Freeform 11">
               <a:extLst>
                 <a:ext uri="{FF2B5EF4-FFF2-40B4-BE49-F238E27FC236}">
-                  <a16:creationId xmlns="" xmlns:a16="http://schemas.microsoft.com/office/drawing/2014/main" id="{53936070-5445-4D5B-B6F0-A72D3CC87FBE}"/>
+                  <a16:creationId xmlns:a16="http://schemas.microsoft.com/office/drawing/2014/main" xmlns="" id="{53936070-5445-4D5B-B6F0-A72D3CC87FBE}"/>
                 </a:ext>
               </a:extLst>
             </p:cNvPr>
@@ -2904,7 +2904,7 @@
             </a:ln>
             <a:extLst>
               <a:ext uri="{91240B29-F687-4f45-9708-019B960494DF}">
-                <a14:hiddenLine xmlns="" xmlns:a14="http://schemas.microsoft.com/office/drawing/2010/main" w="9525">
+                <a14:hiddenLine xmlns:a14="http://schemas.microsoft.com/office/drawing/2010/main" xmlns="" w="9525">
                   <a:solidFill>
                     <a:srgbClr val="000000"/>
                   </a:solidFill>
@@ -2937,7 +2937,7 @@
           <p:cNvPr id="8" name="Retângulo 43">
             <a:extLst>
               <a:ext uri="{FF2B5EF4-FFF2-40B4-BE49-F238E27FC236}">
-                <a16:creationId xmlns="" xmlns:a16="http://schemas.microsoft.com/office/drawing/2014/main" id="{834ADCB4-BFB1-450D-8F6D-64217F4CD92C}"/>
+                <a16:creationId xmlns:a16="http://schemas.microsoft.com/office/drawing/2014/main" xmlns="" id="{834ADCB4-BFB1-450D-8F6D-64217F4CD92C}"/>
               </a:ext>
             </a:extLst>
           </p:cNvPr>
@@ -2976,7 +2976,7 @@
           <p:cNvPr id="15" name="Retângulo 43">
             <a:extLst>
               <a:ext uri="{FF2B5EF4-FFF2-40B4-BE49-F238E27FC236}">
-                <a16:creationId xmlns="" xmlns:a16="http://schemas.microsoft.com/office/drawing/2014/main" id="{25FC8637-25BD-4C09-AF25-56B4243DAB3D}"/>
+                <a16:creationId xmlns:a16="http://schemas.microsoft.com/office/drawing/2014/main" xmlns="" id="{25FC8637-25BD-4C09-AF25-56B4243DAB3D}"/>
               </a:ext>
             </a:extLst>
           </p:cNvPr>
@@ -3024,7 +3024,7 @@
             <a:hlinkClick r:id="rId2"/>
             <a:extLst>
               <a:ext uri="{FF2B5EF4-FFF2-40B4-BE49-F238E27FC236}">
-                <a16:creationId xmlns="" xmlns:a16="http://schemas.microsoft.com/office/drawing/2014/main" id="{F376ABD1-4930-42EB-9A73-9A9C7C6BF2D3}"/>
+                <a16:creationId xmlns:a16="http://schemas.microsoft.com/office/drawing/2014/main" xmlns="" id="{F376ABD1-4930-42EB-9A73-9A9C7C6BF2D3}"/>
               </a:ext>
             </a:extLst>
           </p:cNvPr>
@@ -3099,7 +3099,7 @@
           <p:cNvPr id="3" name="Retângulo 43">
             <a:extLst>
               <a:ext uri="{FF2B5EF4-FFF2-40B4-BE49-F238E27FC236}">
-                <a16:creationId xmlns="" xmlns:a16="http://schemas.microsoft.com/office/drawing/2014/main" id="{25FC8637-25BD-4C09-AF25-56B4243DAB3D}"/>
+                <a16:creationId xmlns:a16="http://schemas.microsoft.com/office/drawing/2014/main" xmlns="" id="{25FC8637-25BD-4C09-AF25-56B4243DAB3D}"/>
               </a:ext>
             </a:extLst>
           </p:cNvPr>
@@ -3152,7 +3152,7 @@
           <p:cNvPr id="7" name="Conector reto 49">
             <a:extLst>
               <a:ext uri="{FF2B5EF4-FFF2-40B4-BE49-F238E27FC236}">
-                <a16:creationId xmlns="" xmlns:a16="http://schemas.microsoft.com/office/drawing/2014/main" id="{6B6D7F6B-C184-4C2B-8EB7-067E0C1E8DF2}"/>
+                <a16:creationId xmlns:a16="http://schemas.microsoft.com/office/drawing/2014/main" xmlns="" id="{6B6D7F6B-C184-4C2B-8EB7-067E0C1E8DF2}"/>
               </a:ext>
             </a:extLst>
           </p:cNvPr>
@@ -3200,7 +3200,7 @@
             <a:hlinkClick r:id="rId2"/>
             <a:extLst>
               <a:ext uri="{FF2B5EF4-FFF2-40B4-BE49-F238E27FC236}">
-                <a16:creationId xmlns="" xmlns:a16="http://schemas.microsoft.com/office/drawing/2014/main" id="{F376ABD1-4930-42EB-9A73-9A9C7C6BF2D3}"/>
+                <a16:creationId xmlns:a16="http://schemas.microsoft.com/office/drawing/2014/main" xmlns="" id="{F376ABD1-4930-42EB-9A73-9A9C7C6BF2D3}"/>
               </a:ext>
             </a:extLst>
           </p:cNvPr>
@@ -3245,7 +3245,7 @@
           <p:cNvPr id="9" name="Retângulo 43">
             <a:extLst>
               <a:ext uri="{FF2B5EF4-FFF2-40B4-BE49-F238E27FC236}">
-                <a16:creationId xmlns="" xmlns:a16="http://schemas.microsoft.com/office/drawing/2014/main" id="{834ADCB4-BFB1-450D-8F6D-64217F4CD92C}"/>
+                <a16:creationId xmlns:a16="http://schemas.microsoft.com/office/drawing/2014/main" xmlns="" id="{834ADCB4-BFB1-450D-8F6D-64217F4CD92C}"/>
               </a:ext>
             </a:extLst>
           </p:cNvPr>
@@ -3366,7 +3366,7 @@
           <p:cNvPr id="3" name="Retângulo 43">
             <a:extLst>
               <a:ext uri="{FF2B5EF4-FFF2-40B4-BE49-F238E27FC236}">
-                <a16:creationId xmlns="" xmlns:a16="http://schemas.microsoft.com/office/drawing/2014/main" id="{25FC8637-25BD-4C09-AF25-56B4243DAB3D}"/>
+                <a16:creationId xmlns:a16="http://schemas.microsoft.com/office/drawing/2014/main" xmlns="" id="{25FC8637-25BD-4C09-AF25-56B4243DAB3D}"/>
               </a:ext>
             </a:extLst>
           </p:cNvPr>
@@ -3419,7 +3419,7 @@
           <p:cNvPr id="8" name="Conector reto 49">
             <a:extLst>
               <a:ext uri="{FF2B5EF4-FFF2-40B4-BE49-F238E27FC236}">
-                <a16:creationId xmlns="" xmlns:a16="http://schemas.microsoft.com/office/drawing/2014/main" id="{6B6D7F6B-C184-4C2B-8EB7-067E0C1E8DF2}"/>
+                <a16:creationId xmlns:a16="http://schemas.microsoft.com/office/drawing/2014/main" xmlns="" id="{6B6D7F6B-C184-4C2B-8EB7-067E0C1E8DF2}"/>
               </a:ext>
             </a:extLst>
           </p:cNvPr>
@@ -3467,7 +3467,7 @@
             <a:hlinkClick r:id="rId2"/>
             <a:extLst>
               <a:ext uri="{FF2B5EF4-FFF2-40B4-BE49-F238E27FC236}">
-                <a16:creationId xmlns="" xmlns:a16="http://schemas.microsoft.com/office/drawing/2014/main" id="{F376ABD1-4930-42EB-9A73-9A9C7C6BF2D3}"/>
+                <a16:creationId xmlns:a16="http://schemas.microsoft.com/office/drawing/2014/main" xmlns="" id="{F376ABD1-4930-42EB-9A73-9A9C7C6BF2D3}"/>
               </a:ext>
             </a:extLst>
           </p:cNvPr>
@@ -3512,7 +3512,7 @@
           <p:cNvPr id="10" name="Retângulo 43">
             <a:extLst>
               <a:ext uri="{FF2B5EF4-FFF2-40B4-BE49-F238E27FC236}">
-                <a16:creationId xmlns="" xmlns:a16="http://schemas.microsoft.com/office/drawing/2014/main" id="{834ADCB4-BFB1-450D-8F6D-64217F4CD92C}"/>
+                <a16:creationId xmlns:a16="http://schemas.microsoft.com/office/drawing/2014/main" xmlns="" id="{834ADCB4-BFB1-450D-8F6D-64217F4CD92C}"/>
               </a:ext>
             </a:extLst>
           </p:cNvPr>
@@ -3588,7 +3588,7 @@
           <p:cNvPr id="21" name="Text Placeholder 4">
             <a:extLst>
               <a:ext uri="{FF2B5EF4-FFF2-40B4-BE49-F238E27FC236}">
-                <a16:creationId xmlns="" xmlns:a16="http://schemas.microsoft.com/office/drawing/2014/main" id="{7B710EB7-4E56-449A-B5D4-12A5A50A258D}"/>
+                <a16:creationId xmlns:a16="http://schemas.microsoft.com/office/drawing/2014/main" xmlns="" id="{7B710EB7-4E56-449A-B5D4-12A5A50A258D}"/>
               </a:ext>
             </a:extLst>
           </p:cNvPr>
@@ -3651,7 +3651,7 @@
           <p:cNvPr id="17" name="Chart Placeholder 16">
             <a:extLst>
               <a:ext uri="{FF2B5EF4-FFF2-40B4-BE49-F238E27FC236}">
-                <a16:creationId xmlns="" xmlns:a16="http://schemas.microsoft.com/office/drawing/2014/main" id="{6093AB2F-A9E2-4259-8D2A-0E33C88FF1BC}"/>
+                <a16:creationId xmlns:a16="http://schemas.microsoft.com/office/drawing/2014/main" xmlns="" id="{6093AB2F-A9E2-4259-8D2A-0E33C88FF1BC}"/>
               </a:ext>
             </a:extLst>
           </p:cNvPr>
@@ -3688,7 +3688,7 @@
           <p:cNvPr id="18" name="Chart Placeholder 16">
             <a:extLst>
               <a:ext uri="{FF2B5EF4-FFF2-40B4-BE49-F238E27FC236}">
-                <a16:creationId xmlns="" xmlns:a16="http://schemas.microsoft.com/office/drawing/2014/main" id="{FFC514B9-95FB-485B-B1AD-4193B2310907}"/>
+                <a16:creationId xmlns:a16="http://schemas.microsoft.com/office/drawing/2014/main" xmlns="" id="{FFC514B9-95FB-485B-B1AD-4193B2310907}"/>
               </a:ext>
             </a:extLst>
           </p:cNvPr>
@@ -3725,7 +3725,7 @@
           <p:cNvPr id="22" name="Text Placeholder 4">
             <a:extLst>
               <a:ext uri="{FF2B5EF4-FFF2-40B4-BE49-F238E27FC236}">
-                <a16:creationId xmlns="" xmlns:a16="http://schemas.microsoft.com/office/drawing/2014/main" id="{212267A8-F086-40EB-BC5F-D9FE81725052}"/>
+                <a16:creationId xmlns:a16="http://schemas.microsoft.com/office/drawing/2014/main" xmlns="" id="{212267A8-F086-40EB-BC5F-D9FE81725052}"/>
               </a:ext>
             </a:extLst>
           </p:cNvPr>
@@ -3788,7 +3788,7 @@
           <p:cNvPr id="12" name="Retângulo 43">
             <a:extLst>
               <a:ext uri="{FF2B5EF4-FFF2-40B4-BE49-F238E27FC236}">
-                <a16:creationId xmlns="" xmlns:a16="http://schemas.microsoft.com/office/drawing/2014/main" id="{25FC8637-25BD-4C09-AF25-56B4243DAB3D}"/>
+                <a16:creationId xmlns:a16="http://schemas.microsoft.com/office/drawing/2014/main" xmlns="" id="{25FC8637-25BD-4C09-AF25-56B4243DAB3D}"/>
               </a:ext>
             </a:extLst>
           </p:cNvPr>
@@ -3841,7 +3841,7 @@
           <p:cNvPr id="13" name="Conector reto 49">
             <a:extLst>
               <a:ext uri="{FF2B5EF4-FFF2-40B4-BE49-F238E27FC236}">
-                <a16:creationId xmlns="" xmlns:a16="http://schemas.microsoft.com/office/drawing/2014/main" id="{6B6D7F6B-C184-4C2B-8EB7-067E0C1E8DF2}"/>
+                <a16:creationId xmlns:a16="http://schemas.microsoft.com/office/drawing/2014/main" xmlns="" id="{6B6D7F6B-C184-4C2B-8EB7-067E0C1E8DF2}"/>
               </a:ext>
             </a:extLst>
           </p:cNvPr>
@@ -3889,7 +3889,7 @@
             <a:hlinkClick r:id="rId2"/>
             <a:extLst>
               <a:ext uri="{FF2B5EF4-FFF2-40B4-BE49-F238E27FC236}">
-                <a16:creationId xmlns="" xmlns:a16="http://schemas.microsoft.com/office/drawing/2014/main" id="{F376ABD1-4930-42EB-9A73-9A9C7C6BF2D3}"/>
+                <a16:creationId xmlns:a16="http://schemas.microsoft.com/office/drawing/2014/main" xmlns="" id="{F376ABD1-4930-42EB-9A73-9A9C7C6BF2D3}"/>
               </a:ext>
             </a:extLst>
           </p:cNvPr>
@@ -3934,7 +3934,7 @@
           <p:cNvPr id="16" name="Title Placeholder 1">
             <a:extLst>
               <a:ext uri="{FF2B5EF4-FFF2-40B4-BE49-F238E27FC236}">
-                <a16:creationId xmlns="" xmlns:a16="http://schemas.microsoft.com/office/drawing/2014/main" id="{552BBB0A-405D-419D-8BD5-EC8D9F84B795}"/>
+                <a16:creationId xmlns:a16="http://schemas.microsoft.com/office/drawing/2014/main" xmlns="" id="{552BBB0A-405D-419D-8BD5-EC8D9F84B795}"/>
               </a:ext>
             </a:extLst>
           </p:cNvPr>
@@ -3982,7 +3982,7 @@
           <p:cNvPr id="25" name="Text Placeholder 4">
             <a:extLst>
               <a:ext uri="{FF2B5EF4-FFF2-40B4-BE49-F238E27FC236}">
-                <a16:creationId xmlns="" xmlns:a16="http://schemas.microsoft.com/office/drawing/2014/main" id="{7B710EB7-4E56-449A-B5D4-12A5A50A258D}"/>
+                <a16:creationId xmlns:a16="http://schemas.microsoft.com/office/drawing/2014/main" xmlns="" id="{7B710EB7-4E56-449A-B5D4-12A5A50A258D}"/>
               </a:ext>
             </a:extLst>
           </p:cNvPr>
@@ -4045,7 +4045,7 @@
           <p:cNvPr id="26" name="Chart Placeholder 16">
             <a:extLst>
               <a:ext uri="{FF2B5EF4-FFF2-40B4-BE49-F238E27FC236}">
-                <a16:creationId xmlns="" xmlns:a16="http://schemas.microsoft.com/office/drawing/2014/main" id="{6093AB2F-A9E2-4259-8D2A-0E33C88FF1BC}"/>
+                <a16:creationId xmlns:a16="http://schemas.microsoft.com/office/drawing/2014/main" xmlns="" id="{6093AB2F-A9E2-4259-8D2A-0E33C88FF1BC}"/>
               </a:ext>
             </a:extLst>
           </p:cNvPr>
@@ -4082,7 +4082,7 @@
           <p:cNvPr id="27" name="Chart Placeholder 16">
             <a:extLst>
               <a:ext uri="{FF2B5EF4-FFF2-40B4-BE49-F238E27FC236}">
-                <a16:creationId xmlns="" xmlns:a16="http://schemas.microsoft.com/office/drawing/2014/main" id="{FFC514B9-95FB-485B-B1AD-4193B2310907}"/>
+                <a16:creationId xmlns:a16="http://schemas.microsoft.com/office/drawing/2014/main" xmlns="" id="{FFC514B9-95FB-485B-B1AD-4193B2310907}"/>
               </a:ext>
             </a:extLst>
           </p:cNvPr>
@@ -4119,7 +4119,7 @@
           <p:cNvPr id="28" name="Text Placeholder 4">
             <a:extLst>
               <a:ext uri="{FF2B5EF4-FFF2-40B4-BE49-F238E27FC236}">
-                <a16:creationId xmlns="" xmlns:a16="http://schemas.microsoft.com/office/drawing/2014/main" id="{212267A8-F086-40EB-BC5F-D9FE81725052}"/>
+                <a16:creationId xmlns:a16="http://schemas.microsoft.com/office/drawing/2014/main" xmlns="" id="{212267A8-F086-40EB-BC5F-D9FE81725052}"/>
               </a:ext>
             </a:extLst>
           </p:cNvPr>
@@ -4182,7 +4182,7 @@
           <p:cNvPr id="29" name="Retângulo 43">
             <a:extLst>
               <a:ext uri="{FF2B5EF4-FFF2-40B4-BE49-F238E27FC236}">
-                <a16:creationId xmlns="" xmlns:a16="http://schemas.microsoft.com/office/drawing/2014/main" id="{834ADCB4-BFB1-450D-8F6D-64217F4CD92C}"/>
+                <a16:creationId xmlns:a16="http://schemas.microsoft.com/office/drawing/2014/main" xmlns="" id="{834ADCB4-BFB1-450D-8F6D-64217F4CD92C}"/>
               </a:ext>
             </a:extLst>
           </p:cNvPr>
@@ -4253,7 +4253,7 @@
           <p:cNvPr id="12" name="Graphic 11">
             <a:extLst>
               <a:ext uri="{FF2B5EF4-FFF2-40B4-BE49-F238E27FC236}">
-                <a16:creationId xmlns="" xmlns:a16="http://schemas.microsoft.com/office/drawing/2014/main" id="{10113F8D-52D8-4246-B9BC-1A6D3EF8C72C}"/>
+                <a16:creationId xmlns:a16="http://schemas.microsoft.com/office/drawing/2014/main" xmlns="" id="{10113F8D-52D8-4246-B9BC-1A6D3EF8C72C}"/>
               </a:ext>
             </a:extLst>
           </p:cNvPr>
@@ -4266,7 +4266,7 @@
           <a:blip r:embed="rId2">
             <a:extLst>
               <a:ext uri="{96DAC541-7B7A-43D3-8B79-37D633B846F1}">
-                <asvg:svgBlip xmlns="" xmlns:asvg="http://schemas.microsoft.com/office/drawing/2016/SVG/main" r:embed="rId3"/>
+                <asvg:svgBlip xmlns:asvg="http://schemas.microsoft.com/office/drawing/2016/SVG/main" xmlns="" r:embed="rId3"/>
               </a:ext>
             </a:extLst>
           </a:blip>
@@ -4333,7 +4333,7 @@
           <p:cNvPr id="39" name="Text Placeholder 7">
             <a:extLst>
               <a:ext uri="{FF2B5EF4-FFF2-40B4-BE49-F238E27FC236}">
-                <a16:creationId xmlns="" xmlns:a16="http://schemas.microsoft.com/office/drawing/2014/main" id="{3E908611-FBB7-4987-BE0F-F09EAF1FFC80}"/>
+                <a16:creationId xmlns:a16="http://schemas.microsoft.com/office/drawing/2014/main" xmlns="" id="{3E908611-FBB7-4987-BE0F-F09EAF1FFC80}"/>
               </a:ext>
             </a:extLst>
           </p:cNvPr>
@@ -4413,7 +4413,7 @@
           <p:cNvPr id="40" name="Text Placeholder 7">
             <a:extLst>
               <a:ext uri="{FF2B5EF4-FFF2-40B4-BE49-F238E27FC236}">
-                <a16:creationId xmlns="" xmlns:a16="http://schemas.microsoft.com/office/drawing/2014/main" id="{306025B9-0362-4974-8920-7C764289CBA0}"/>
+                <a16:creationId xmlns:a16="http://schemas.microsoft.com/office/drawing/2014/main" xmlns="" id="{306025B9-0362-4974-8920-7C764289CBA0}"/>
               </a:ext>
             </a:extLst>
           </p:cNvPr>
@@ -4514,7 +4514,7 @@
           <p:cNvPr id="41" name="Text Placeholder 7">
             <a:extLst>
               <a:ext uri="{FF2B5EF4-FFF2-40B4-BE49-F238E27FC236}">
-                <a16:creationId xmlns="" xmlns:a16="http://schemas.microsoft.com/office/drawing/2014/main" id="{257644F2-F28D-4087-B791-1E7F26C4AD1C}"/>
+                <a16:creationId xmlns:a16="http://schemas.microsoft.com/office/drawing/2014/main" xmlns="" id="{257644F2-F28D-4087-B791-1E7F26C4AD1C}"/>
               </a:ext>
             </a:extLst>
           </p:cNvPr>
@@ -4594,7 +4594,7 @@
           <p:cNvPr id="42" name="Text Placeholder 7">
             <a:extLst>
               <a:ext uri="{FF2B5EF4-FFF2-40B4-BE49-F238E27FC236}">
-                <a16:creationId xmlns="" xmlns:a16="http://schemas.microsoft.com/office/drawing/2014/main" id="{25F62A33-F672-4099-9B72-9B2267F22ACF}"/>
+                <a16:creationId xmlns:a16="http://schemas.microsoft.com/office/drawing/2014/main" xmlns="" id="{25F62A33-F672-4099-9B72-9B2267F22ACF}"/>
               </a:ext>
             </a:extLst>
           </p:cNvPr>
@@ -4674,7 +4674,7 @@
           <p:cNvPr id="43" name="Text Placeholder 7">
             <a:extLst>
               <a:ext uri="{FF2B5EF4-FFF2-40B4-BE49-F238E27FC236}">
-                <a16:creationId xmlns="" xmlns:a16="http://schemas.microsoft.com/office/drawing/2014/main" id="{72FF6EE1-C46D-4DEB-A508-49B5101CF26E}"/>
+                <a16:creationId xmlns:a16="http://schemas.microsoft.com/office/drawing/2014/main" xmlns="" id="{72FF6EE1-C46D-4DEB-A508-49B5101CF26E}"/>
               </a:ext>
             </a:extLst>
           </p:cNvPr>
@@ -4754,7 +4754,7 @@
           <p:cNvPr id="44" name="Text Placeholder 7">
             <a:extLst>
               <a:ext uri="{FF2B5EF4-FFF2-40B4-BE49-F238E27FC236}">
-                <a16:creationId xmlns="" xmlns:a16="http://schemas.microsoft.com/office/drawing/2014/main" id="{931D06D9-EA9B-42A0-81EE-D669D6CA5F33}"/>
+                <a16:creationId xmlns:a16="http://schemas.microsoft.com/office/drawing/2014/main" xmlns="" id="{931D06D9-EA9B-42A0-81EE-D669D6CA5F33}"/>
               </a:ext>
             </a:extLst>
           </p:cNvPr>
@@ -4834,7 +4834,7 @@
           <p:cNvPr id="45" name="Text Placeholder 7">
             <a:extLst>
               <a:ext uri="{FF2B5EF4-FFF2-40B4-BE49-F238E27FC236}">
-                <a16:creationId xmlns="" xmlns:a16="http://schemas.microsoft.com/office/drawing/2014/main" id="{EFEA829A-6217-4965-B7BD-6BC37F7849AB}"/>
+                <a16:creationId xmlns:a16="http://schemas.microsoft.com/office/drawing/2014/main" xmlns="" id="{EFEA829A-6217-4965-B7BD-6BC37F7849AB}"/>
               </a:ext>
             </a:extLst>
           </p:cNvPr>
@@ -4914,7 +4914,7 @@
           <p:cNvPr id="46" name="Text Placeholder 7">
             <a:extLst>
               <a:ext uri="{FF2B5EF4-FFF2-40B4-BE49-F238E27FC236}">
-                <a16:creationId xmlns="" xmlns:a16="http://schemas.microsoft.com/office/drawing/2014/main" id="{E05DDB93-91CA-4BAF-9D63-E4134B435D8F}"/>
+                <a16:creationId xmlns:a16="http://schemas.microsoft.com/office/drawing/2014/main" xmlns="" id="{E05DDB93-91CA-4BAF-9D63-E4134B435D8F}"/>
               </a:ext>
             </a:extLst>
           </p:cNvPr>
@@ -4994,7 +4994,7 @@
           <p:cNvPr id="48" name="Picture Placeholder 47">
             <a:extLst>
               <a:ext uri="{FF2B5EF4-FFF2-40B4-BE49-F238E27FC236}">
-                <a16:creationId xmlns="" xmlns:a16="http://schemas.microsoft.com/office/drawing/2014/main" id="{51CA337D-4B25-44C1-847A-AC0D74277B60}"/>
+                <a16:creationId xmlns:a16="http://schemas.microsoft.com/office/drawing/2014/main" xmlns="" id="{51CA337D-4B25-44C1-847A-AC0D74277B60}"/>
               </a:ext>
             </a:extLst>
           </p:cNvPr>
@@ -5031,7 +5031,7 @@
           <p:cNvPr id="13" name="Title Placeholder 1">
             <a:extLst>
               <a:ext uri="{FF2B5EF4-FFF2-40B4-BE49-F238E27FC236}">
-                <a16:creationId xmlns="" xmlns:a16="http://schemas.microsoft.com/office/drawing/2014/main" id="{552BBB0A-405D-419D-8BD5-EC8D9F84B795}"/>
+                <a16:creationId xmlns:a16="http://schemas.microsoft.com/office/drawing/2014/main" xmlns="" id="{552BBB0A-405D-419D-8BD5-EC8D9F84B795}"/>
               </a:ext>
             </a:extLst>
           </p:cNvPr>
@@ -5083,7 +5083,7 @@
           <p:cNvPr id="15" name="Retângulo 43">
             <a:extLst>
               <a:ext uri="{FF2B5EF4-FFF2-40B4-BE49-F238E27FC236}">
-                <a16:creationId xmlns="" xmlns:a16="http://schemas.microsoft.com/office/drawing/2014/main" id="{25FC8637-25BD-4C09-AF25-56B4243DAB3D}"/>
+                <a16:creationId xmlns:a16="http://schemas.microsoft.com/office/drawing/2014/main" xmlns="" id="{25FC8637-25BD-4C09-AF25-56B4243DAB3D}"/>
               </a:ext>
             </a:extLst>
           </p:cNvPr>
@@ -5136,7 +5136,7 @@
           <p:cNvPr id="16" name="Conector reto 49">
             <a:extLst>
               <a:ext uri="{FF2B5EF4-FFF2-40B4-BE49-F238E27FC236}">
-                <a16:creationId xmlns="" xmlns:a16="http://schemas.microsoft.com/office/drawing/2014/main" id="{6B6D7F6B-C184-4C2B-8EB7-067E0C1E8DF2}"/>
+                <a16:creationId xmlns:a16="http://schemas.microsoft.com/office/drawing/2014/main" xmlns="" id="{6B6D7F6B-C184-4C2B-8EB7-067E0C1E8DF2}"/>
               </a:ext>
             </a:extLst>
           </p:cNvPr>
@@ -5186,7 +5186,7 @@
             <a:hlinkClick r:id="rId4"/>
             <a:extLst>
               <a:ext uri="{FF2B5EF4-FFF2-40B4-BE49-F238E27FC236}">
-                <a16:creationId xmlns="" xmlns:a16="http://schemas.microsoft.com/office/drawing/2014/main" id="{F376ABD1-4930-42EB-9A73-9A9C7C6BF2D3}"/>
+                <a16:creationId xmlns:a16="http://schemas.microsoft.com/office/drawing/2014/main" xmlns="" id="{F376ABD1-4930-42EB-9A73-9A9C7C6BF2D3}"/>
               </a:ext>
             </a:extLst>
           </p:cNvPr>
@@ -5231,7 +5231,7 @@
           <p:cNvPr id="18" name="Retângulo 43">
             <a:extLst>
               <a:ext uri="{FF2B5EF4-FFF2-40B4-BE49-F238E27FC236}">
-                <a16:creationId xmlns="" xmlns:a16="http://schemas.microsoft.com/office/drawing/2014/main" id="{834ADCB4-BFB1-450D-8F6D-64217F4CD92C}"/>
+                <a16:creationId xmlns:a16="http://schemas.microsoft.com/office/drawing/2014/main" xmlns="" id="{834ADCB4-BFB1-450D-8F6D-64217F4CD92C}"/>
               </a:ext>
             </a:extLst>
           </p:cNvPr>
@@ -5300,7 +5300,7 @@
           <p:cNvPr id="9" name="Freeform: Shape 8">
             <a:extLst>
               <a:ext uri="{FF2B5EF4-FFF2-40B4-BE49-F238E27FC236}">
-                <a16:creationId xmlns="" xmlns:a16="http://schemas.microsoft.com/office/drawing/2014/main" id="{45848EA7-8D7C-4A7B-9182-7C1202EDBFB1}"/>
+                <a16:creationId xmlns:a16="http://schemas.microsoft.com/office/drawing/2014/main" xmlns="" id="{45848EA7-8D7C-4A7B-9182-7C1202EDBFB1}"/>
               </a:ext>
             </a:extLst>
           </p:cNvPr>
@@ -5437,7 +5437,7 @@
           <p:cNvPr id="37" name="Text Placeholder 7">
             <a:extLst>
               <a:ext uri="{FF2B5EF4-FFF2-40B4-BE49-F238E27FC236}">
-                <a16:creationId xmlns="" xmlns:a16="http://schemas.microsoft.com/office/drawing/2014/main" id="{B223EFB8-88D3-4227-B238-464A474B852E}"/>
+                <a16:creationId xmlns:a16="http://schemas.microsoft.com/office/drawing/2014/main" xmlns="" id="{B223EFB8-88D3-4227-B238-464A474B852E}"/>
               </a:ext>
             </a:extLst>
           </p:cNvPr>
@@ -5507,7 +5507,7 @@
           <p:cNvPr id="38" name="Text Placeholder 7">
             <a:extLst>
               <a:ext uri="{FF2B5EF4-FFF2-40B4-BE49-F238E27FC236}">
-                <a16:creationId xmlns="" xmlns:a16="http://schemas.microsoft.com/office/drawing/2014/main" id="{274C953F-F6D9-4EEF-A914-7C47201B5536}"/>
+                <a16:creationId xmlns:a16="http://schemas.microsoft.com/office/drawing/2014/main" xmlns="" id="{274C953F-F6D9-4EEF-A914-7C47201B5536}"/>
               </a:ext>
             </a:extLst>
           </p:cNvPr>
@@ -5577,7 +5577,7 @@
           <p:cNvPr id="35" name="Text Placeholder 7">
             <a:extLst>
               <a:ext uri="{FF2B5EF4-FFF2-40B4-BE49-F238E27FC236}">
-                <a16:creationId xmlns="" xmlns:a16="http://schemas.microsoft.com/office/drawing/2014/main" id="{053B0AF9-F410-4C47-9D9C-CAC9890E4210}"/>
+                <a16:creationId xmlns:a16="http://schemas.microsoft.com/office/drawing/2014/main" xmlns="" id="{053B0AF9-F410-4C47-9D9C-CAC9890E4210}"/>
               </a:ext>
             </a:extLst>
           </p:cNvPr>
@@ -5647,7 +5647,7 @@
           <p:cNvPr id="36" name="Text Placeholder 7">
             <a:extLst>
               <a:ext uri="{FF2B5EF4-FFF2-40B4-BE49-F238E27FC236}">
-                <a16:creationId xmlns="" xmlns:a16="http://schemas.microsoft.com/office/drawing/2014/main" id="{4C26CB88-1502-4963-9C3F-B1DA1792174C}"/>
+                <a16:creationId xmlns:a16="http://schemas.microsoft.com/office/drawing/2014/main" xmlns="" id="{4C26CB88-1502-4963-9C3F-B1DA1792174C}"/>
               </a:ext>
             </a:extLst>
           </p:cNvPr>
@@ -5717,7 +5717,7 @@
           <p:cNvPr id="40" name="Text Placeholder 7">
             <a:extLst>
               <a:ext uri="{FF2B5EF4-FFF2-40B4-BE49-F238E27FC236}">
-                <a16:creationId xmlns="" xmlns:a16="http://schemas.microsoft.com/office/drawing/2014/main" id="{14E8646B-8451-4052-9B50-DB60E346C8FA}"/>
+                <a16:creationId xmlns:a16="http://schemas.microsoft.com/office/drawing/2014/main" xmlns="" id="{14E8646B-8451-4052-9B50-DB60E346C8FA}"/>
               </a:ext>
             </a:extLst>
           </p:cNvPr>
@@ -5791,7 +5791,7 @@
           <p:cNvPr id="43" name="Text Placeholder 42">
             <a:extLst>
               <a:ext uri="{FF2B5EF4-FFF2-40B4-BE49-F238E27FC236}">
-                <a16:creationId xmlns="" xmlns:a16="http://schemas.microsoft.com/office/drawing/2014/main" id="{A06380E9-5885-470D-9428-A5F69B32620C}"/>
+                <a16:creationId xmlns:a16="http://schemas.microsoft.com/office/drawing/2014/main" xmlns="" id="{A06380E9-5885-470D-9428-A5F69B32620C}"/>
               </a:ext>
             </a:extLst>
           </p:cNvPr>
@@ -5841,7 +5841,7 @@
           <p:cNvPr id="10" name="Title Placeholder 1">
             <a:extLst>
               <a:ext uri="{FF2B5EF4-FFF2-40B4-BE49-F238E27FC236}">
-                <a16:creationId xmlns="" xmlns:a16="http://schemas.microsoft.com/office/drawing/2014/main" id="{552BBB0A-405D-419D-8BD5-EC8D9F84B795}"/>
+                <a16:creationId xmlns:a16="http://schemas.microsoft.com/office/drawing/2014/main" xmlns="" id="{552BBB0A-405D-419D-8BD5-EC8D9F84B795}"/>
               </a:ext>
             </a:extLst>
           </p:cNvPr>
@@ -5893,7 +5893,7 @@
           <p:cNvPr id="11" name="Retângulo 43">
             <a:extLst>
               <a:ext uri="{FF2B5EF4-FFF2-40B4-BE49-F238E27FC236}">
-                <a16:creationId xmlns="" xmlns:a16="http://schemas.microsoft.com/office/drawing/2014/main" id="{25FC8637-25BD-4C09-AF25-56B4243DAB3D}"/>
+                <a16:creationId xmlns:a16="http://schemas.microsoft.com/office/drawing/2014/main" xmlns="" id="{25FC8637-25BD-4C09-AF25-56B4243DAB3D}"/>
               </a:ext>
             </a:extLst>
           </p:cNvPr>
@@ -5940,7 +5940,7 @@
           <p:cNvPr id="13" name="Conector reto 49">
             <a:extLst>
               <a:ext uri="{FF2B5EF4-FFF2-40B4-BE49-F238E27FC236}">
-                <a16:creationId xmlns="" xmlns:a16="http://schemas.microsoft.com/office/drawing/2014/main" id="{6B6D7F6B-C184-4C2B-8EB7-067E0C1E8DF2}"/>
+                <a16:creationId xmlns:a16="http://schemas.microsoft.com/office/drawing/2014/main" xmlns="" id="{6B6D7F6B-C184-4C2B-8EB7-067E0C1E8DF2}"/>
               </a:ext>
             </a:extLst>
           </p:cNvPr>
@@ -5988,7 +5988,7 @@
             <a:hlinkClick r:id="rId2"/>
             <a:extLst>
               <a:ext uri="{FF2B5EF4-FFF2-40B4-BE49-F238E27FC236}">
-                <a16:creationId xmlns="" xmlns:a16="http://schemas.microsoft.com/office/drawing/2014/main" id="{F376ABD1-4930-42EB-9A73-9A9C7C6BF2D3}"/>
+                <a16:creationId xmlns:a16="http://schemas.microsoft.com/office/drawing/2014/main" xmlns="" id="{F376ABD1-4930-42EB-9A73-9A9C7C6BF2D3}"/>
               </a:ext>
             </a:extLst>
           </p:cNvPr>
@@ -6033,7 +6033,7 @@
           <p:cNvPr id="16" name="Retângulo 43">
             <a:extLst>
               <a:ext uri="{FF2B5EF4-FFF2-40B4-BE49-F238E27FC236}">
-                <a16:creationId xmlns="" xmlns:a16="http://schemas.microsoft.com/office/drawing/2014/main" id="{834ADCB4-BFB1-450D-8F6D-64217F4CD92C}"/>
+                <a16:creationId xmlns:a16="http://schemas.microsoft.com/office/drawing/2014/main" xmlns="" id="{834ADCB4-BFB1-450D-8F6D-64217F4CD92C}"/>
               </a:ext>
             </a:extLst>
           </p:cNvPr>
@@ -6271,7 +6271,7 @@
           <p:cNvPr id="12" name="Freeform: Shape 11">
             <a:extLst>
               <a:ext uri="{FF2B5EF4-FFF2-40B4-BE49-F238E27FC236}">
-                <a16:creationId xmlns="" xmlns:a16="http://schemas.microsoft.com/office/drawing/2014/main" id="{F5F5AEA1-6A77-4676-B8B3-EF658F5F8430}"/>
+                <a16:creationId xmlns:a16="http://schemas.microsoft.com/office/drawing/2014/main" xmlns="" id="{F5F5AEA1-6A77-4676-B8B3-EF658F5F8430}"/>
               </a:ext>
             </a:extLst>
           </p:cNvPr>
@@ -6464,7 +6464,7 @@
           <p:cNvPr id="36" name="Text Placeholder 30">
             <a:extLst>
               <a:ext uri="{FF2B5EF4-FFF2-40B4-BE49-F238E27FC236}">
-                <a16:creationId xmlns="" xmlns:a16="http://schemas.microsoft.com/office/drawing/2014/main" id="{A694DB54-BE04-4A4E-A6EE-DAEE5E62E607}"/>
+                <a16:creationId xmlns:a16="http://schemas.microsoft.com/office/drawing/2014/main" xmlns="" id="{A694DB54-BE04-4A4E-A6EE-DAEE5E62E607}"/>
               </a:ext>
             </a:extLst>
           </p:cNvPr>
@@ -6613,7 +6613,7 @@
           <p:cNvPr id="35" name="Text Placeholder 4">
             <a:extLst>
               <a:ext uri="{FF2B5EF4-FFF2-40B4-BE49-F238E27FC236}">
-                <a16:creationId xmlns="" xmlns:a16="http://schemas.microsoft.com/office/drawing/2014/main" id="{E2060C84-FD71-4961-82B4-7C268461CC65}"/>
+                <a16:creationId xmlns:a16="http://schemas.microsoft.com/office/drawing/2014/main" xmlns="" id="{E2060C84-FD71-4961-82B4-7C268461CC65}"/>
               </a:ext>
             </a:extLst>
           </p:cNvPr>
@@ -6673,7 +6673,7 @@
           <p:cNvPr id="32" name="Text Placeholder 4">
             <a:extLst>
               <a:ext uri="{FF2B5EF4-FFF2-40B4-BE49-F238E27FC236}">
-                <a16:creationId xmlns="" xmlns:a16="http://schemas.microsoft.com/office/drawing/2014/main" id="{2004AAFC-35BA-48A1-8C05-845440E48D80}"/>
+                <a16:creationId xmlns:a16="http://schemas.microsoft.com/office/drawing/2014/main" xmlns="" id="{2004AAFC-35BA-48A1-8C05-845440E48D80}"/>
               </a:ext>
             </a:extLst>
           </p:cNvPr>
@@ -6733,7 +6733,7 @@
           <p:cNvPr id="26" name="Text Placeholder 4">
             <a:extLst>
               <a:ext uri="{FF2B5EF4-FFF2-40B4-BE49-F238E27FC236}">
-                <a16:creationId xmlns="" xmlns:a16="http://schemas.microsoft.com/office/drawing/2014/main" id="{7E551D69-F21D-4601-B4BD-97ECB52F39D6}"/>
+                <a16:creationId xmlns:a16="http://schemas.microsoft.com/office/drawing/2014/main" xmlns="" id="{7E551D69-F21D-4601-B4BD-97ECB52F39D6}"/>
               </a:ext>
             </a:extLst>
           </p:cNvPr>
@@ -6793,7 +6793,7 @@
           <p:cNvPr id="23" name="Text Placeholder 4">
             <a:extLst>
               <a:ext uri="{FF2B5EF4-FFF2-40B4-BE49-F238E27FC236}">
-                <a16:creationId xmlns="" xmlns:a16="http://schemas.microsoft.com/office/drawing/2014/main" id="{BC359575-5CC3-4B2F-91E7-19D6A150BE7B}"/>
+                <a16:creationId xmlns:a16="http://schemas.microsoft.com/office/drawing/2014/main" xmlns="" id="{BC359575-5CC3-4B2F-91E7-19D6A150BE7B}"/>
               </a:ext>
             </a:extLst>
           </p:cNvPr>
@@ -6856,7 +6856,7 @@
           <p:cNvPr id="24" name="Text Placeholder 7">
             <a:extLst>
               <a:ext uri="{FF2B5EF4-FFF2-40B4-BE49-F238E27FC236}">
-                <a16:creationId xmlns="" xmlns:a16="http://schemas.microsoft.com/office/drawing/2014/main" id="{53745724-67BB-4475-9660-FEEE12268615}"/>
+                <a16:creationId xmlns:a16="http://schemas.microsoft.com/office/drawing/2014/main" xmlns="" id="{53745724-67BB-4475-9660-FEEE12268615}"/>
               </a:ext>
             </a:extLst>
           </p:cNvPr>
@@ -6930,7 +6930,7 @@
           <p:cNvPr id="27" name="Text Placeholder 7">
             <a:extLst>
               <a:ext uri="{FF2B5EF4-FFF2-40B4-BE49-F238E27FC236}">
-                <a16:creationId xmlns="" xmlns:a16="http://schemas.microsoft.com/office/drawing/2014/main" id="{C78431F2-3F85-4748-A6BC-A08250A6D354}"/>
+                <a16:creationId xmlns:a16="http://schemas.microsoft.com/office/drawing/2014/main" xmlns="" id="{C78431F2-3F85-4748-A6BC-A08250A6D354}"/>
               </a:ext>
             </a:extLst>
           </p:cNvPr>
@@ -7004,7 +7004,7 @@
           <p:cNvPr id="31" name="Text Placeholder 30">
             <a:extLst>
               <a:ext uri="{FF2B5EF4-FFF2-40B4-BE49-F238E27FC236}">
-                <a16:creationId xmlns="" xmlns:a16="http://schemas.microsoft.com/office/drawing/2014/main" id="{2F5FD05B-1971-40EF-87B3-AD5F161F8514}"/>
+                <a16:creationId xmlns:a16="http://schemas.microsoft.com/office/drawing/2014/main" xmlns="" id="{2F5FD05B-1971-40EF-87B3-AD5F161F8514}"/>
               </a:ext>
             </a:extLst>
           </p:cNvPr>
@@ -7153,7 +7153,7 @@
           <p:cNvPr id="33" name="Text Placeholder 4">
             <a:extLst>
               <a:ext uri="{FF2B5EF4-FFF2-40B4-BE49-F238E27FC236}">
-                <a16:creationId xmlns="" xmlns:a16="http://schemas.microsoft.com/office/drawing/2014/main" id="{C387DD03-5B9B-4915-A35C-BA24C495D5E3}"/>
+                <a16:creationId xmlns:a16="http://schemas.microsoft.com/office/drawing/2014/main" xmlns="" id="{C387DD03-5B9B-4915-A35C-BA24C495D5E3}"/>
               </a:ext>
             </a:extLst>
           </p:cNvPr>
@@ -7213,7 +7213,7 @@
           <p:cNvPr id="34" name="Text Placeholder 30">
             <a:extLst>
               <a:ext uri="{FF2B5EF4-FFF2-40B4-BE49-F238E27FC236}">
-                <a16:creationId xmlns="" xmlns:a16="http://schemas.microsoft.com/office/drawing/2014/main" id="{F174517F-7F9E-4498-9850-A8027203156A}"/>
+                <a16:creationId xmlns:a16="http://schemas.microsoft.com/office/drawing/2014/main" xmlns="" id="{F174517F-7F9E-4498-9850-A8027203156A}"/>
               </a:ext>
             </a:extLst>
           </p:cNvPr>
@@ -7362,7 +7362,7 @@
           <p:cNvPr id="13" name="Oval 20">
             <a:extLst>
               <a:ext uri="{FF2B5EF4-FFF2-40B4-BE49-F238E27FC236}">
-                <a16:creationId xmlns="" xmlns:a16="http://schemas.microsoft.com/office/drawing/2014/main" id="{1EFB3510-D39A-47CF-8191-109DDF9E53D5}"/>
+                <a16:creationId xmlns:a16="http://schemas.microsoft.com/office/drawing/2014/main" xmlns="" id="{1EFB3510-D39A-47CF-8191-109DDF9E53D5}"/>
               </a:ext>
             </a:extLst>
           </p:cNvPr>
@@ -7577,7 +7577,7 @@
           <p:cNvPr id="14" name="Retângulo 43">
             <a:extLst>
               <a:ext uri="{FF2B5EF4-FFF2-40B4-BE49-F238E27FC236}">
-                <a16:creationId xmlns="" xmlns:a16="http://schemas.microsoft.com/office/drawing/2014/main" id="{25FC8637-25BD-4C09-AF25-56B4243DAB3D}"/>
+                <a16:creationId xmlns:a16="http://schemas.microsoft.com/office/drawing/2014/main" xmlns="" id="{25FC8637-25BD-4C09-AF25-56B4243DAB3D}"/>
               </a:ext>
             </a:extLst>
           </p:cNvPr>
@@ -7630,7 +7630,7 @@
           <p:cNvPr id="16" name="Conector reto 49">
             <a:extLst>
               <a:ext uri="{FF2B5EF4-FFF2-40B4-BE49-F238E27FC236}">
-                <a16:creationId xmlns="" xmlns:a16="http://schemas.microsoft.com/office/drawing/2014/main" id="{6B6D7F6B-C184-4C2B-8EB7-067E0C1E8DF2}"/>
+                <a16:creationId xmlns:a16="http://schemas.microsoft.com/office/drawing/2014/main" xmlns="" id="{6B6D7F6B-C184-4C2B-8EB7-067E0C1E8DF2}"/>
               </a:ext>
             </a:extLst>
           </p:cNvPr>
@@ -7678,7 +7678,7 @@
             <a:hlinkClick r:id="rId2"/>
             <a:extLst>
               <a:ext uri="{FF2B5EF4-FFF2-40B4-BE49-F238E27FC236}">
-                <a16:creationId xmlns="" xmlns:a16="http://schemas.microsoft.com/office/drawing/2014/main" id="{F376ABD1-4930-42EB-9A73-9A9C7C6BF2D3}"/>
+                <a16:creationId xmlns:a16="http://schemas.microsoft.com/office/drawing/2014/main" xmlns="" id="{F376ABD1-4930-42EB-9A73-9A9C7C6BF2D3}"/>
               </a:ext>
             </a:extLst>
           </p:cNvPr>
@@ -7723,7 +7723,7 @@
           <p:cNvPr id="19" name="Retângulo 43">
             <a:extLst>
               <a:ext uri="{FF2B5EF4-FFF2-40B4-BE49-F238E27FC236}">
-                <a16:creationId xmlns="" xmlns:a16="http://schemas.microsoft.com/office/drawing/2014/main" id="{834ADCB4-BFB1-450D-8F6D-64217F4CD92C}"/>
+                <a16:creationId xmlns:a16="http://schemas.microsoft.com/office/drawing/2014/main" xmlns="" id="{834ADCB4-BFB1-450D-8F6D-64217F4CD92C}"/>
               </a:ext>
             </a:extLst>
           </p:cNvPr>
@@ -7850,7 +7850,7 @@
           <p:cNvPr id="4" name="Picture Placeholder 10">
             <a:extLst>
               <a:ext uri="{FF2B5EF4-FFF2-40B4-BE49-F238E27FC236}">
-                <a16:creationId xmlns="" xmlns:a16="http://schemas.microsoft.com/office/drawing/2014/main" id="{709E13E3-3323-4A67-80E2-F91981229839}"/>
+                <a16:creationId xmlns:a16="http://schemas.microsoft.com/office/drawing/2014/main" xmlns="" id="{709E13E3-3323-4A67-80E2-F91981229839}"/>
               </a:ext>
             </a:extLst>
           </p:cNvPr>
@@ -7885,7 +7885,7 @@
           <p:cNvPr id="8" name="Text Placeholder 7">
             <a:extLst>
               <a:ext uri="{FF2B5EF4-FFF2-40B4-BE49-F238E27FC236}">
-                <a16:creationId xmlns="" xmlns:a16="http://schemas.microsoft.com/office/drawing/2014/main" id="{27CE2609-37DA-4C4C-BF45-E56CE85AA41D}"/>
+                <a16:creationId xmlns:a16="http://schemas.microsoft.com/office/drawing/2014/main" xmlns="" id="{27CE2609-37DA-4C4C-BF45-E56CE85AA41D}"/>
               </a:ext>
             </a:extLst>
           </p:cNvPr>
@@ -7963,7 +7963,7 @@
           <p:cNvPr id="10" name="Title Placeholder 1">
             <a:extLst>
               <a:ext uri="{FF2B5EF4-FFF2-40B4-BE49-F238E27FC236}">
-                <a16:creationId xmlns="" xmlns:a16="http://schemas.microsoft.com/office/drawing/2014/main" id="{57798370-07F4-412F-86CE-30C026EA6825}"/>
+                <a16:creationId xmlns:a16="http://schemas.microsoft.com/office/drawing/2014/main" xmlns="" id="{57798370-07F4-412F-86CE-30C026EA6825}"/>
               </a:ext>
             </a:extLst>
           </p:cNvPr>
@@ -8015,7 +8015,7 @@
           <p:cNvPr id="6" name="Retângulo 43">
             <a:extLst>
               <a:ext uri="{FF2B5EF4-FFF2-40B4-BE49-F238E27FC236}">
-                <a16:creationId xmlns="" xmlns:a16="http://schemas.microsoft.com/office/drawing/2014/main" id="{25FC8637-25BD-4C09-AF25-56B4243DAB3D}"/>
+                <a16:creationId xmlns:a16="http://schemas.microsoft.com/office/drawing/2014/main" xmlns="" id="{25FC8637-25BD-4C09-AF25-56B4243DAB3D}"/>
               </a:ext>
             </a:extLst>
           </p:cNvPr>
@@ -8062,7 +8062,7 @@
           <p:cNvPr id="7" name="Retângulo 43">
             <a:extLst>
               <a:ext uri="{FF2B5EF4-FFF2-40B4-BE49-F238E27FC236}">
-                <a16:creationId xmlns="" xmlns:a16="http://schemas.microsoft.com/office/drawing/2014/main" id="{834ADCB4-BFB1-450D-8F6D-64217F4CD92C}"/>
+                <a16:creationId xmlns:a16="http://schemas.microsoft.com/office/drawing/2014/main" xmlns="" id="{834ADCB4-BFB1-450D-8F6D-64217F4CD92C}"/>
               </a:ext>
             </a:extLst>
           </p:cNvPr>
@@ -8101,7 +8101,7 @@
           <p:cNvPr id="9" name="Conector reto 49">
             <a:extLst>
               <a:ext uri="{FF2B5EF4-FFF2-40B4-BE49-F238E27FC236}">
-                <a16:creationId xmlns="" xmlns:a16="http://schemas.microsoft.com/office/drawing/2014/main" id="{6B6D7F6B-C184-4C2B-8EB7-067E0C1E8DF2}"/>
+                <a16:creationId xmlns:a16="http://schemas.microsoft.com/office/drawing/2014/main" xmlns="" id="{6B6D7F6B-C184-4C2B-8EB7-067E0C1E8DF2}"/>
               </a:ext>
             </a:extLst>
           </p:cNvPr>
@@ -8149,7 +8149,7 @@
             <a:hlinkClick r:id="rId3"/>
             <a:extLst>
               <a:ext uri="{FF2B5EF4-FFF2-40B4-BE49-F238E27FC236}">
-                <a16:creationId xmlns="" xmlns:a16="http://schemas.microsoft.com/office/drawing/2014/main" id="{F376ABD1-4930-42EB-9A73-9A9C7C6BF2D3}"/>
+                <a16:creationId xmlns:a16="http://schemas.microsoft.com/office/drawing/2014/main" xmlns="" id="{F376ABD1-4930-42EB-9A73-9A9C7C6BF2D3}"/>
               </a:ext>
             </a:extLst>
           </p:cNvPr>
@@ -8245,7 +8245,7 @@
           <p:cNvPr id="8" name="Text Placeholder 7">
             <a:extLst>
               <a:ext uri="{FF2B5EF4-FFF2-40B4-BE49-F238E27FC236}">
-                <a16:creationId xmlns="" xmlns:a16="http://schemas.microsoft.com/office/drawing/2014/main" id="{27CE2609-37DA-4C4C-BF45-E56CE85AA41D}"/>
+                <a16:creationId xmlns:a16="http://schemas.microsoft.com/office/drawing/2014/main" xmlns="" id="{27CE2609-37DA-4C4C-BF45-E56CE85AA41D}"/>
               </a:ext>
             </a:extLst>
           </p:cNvPr>
@@ -8319,7 +8319,7 @@
           <p:cNvPr id="11" name="Text Placeholder 7">
             <a:extLst>
               <a:ext uri="{FF2B5EF4-FFF2-40B4-BE49-F238E27FC236}">
-                <a16:creationId xmlns="" xmlns:a16="http://schemas.microsoft.com/office/drawing/2014/main" id="{4F279807-494A-45DD-A5C6-24F625316B92}"/>
+                <a16:creationId xmlns:a16="http://schemas.microsoft.com/office/drawing/2014/main" xmlns="" id="{4F279807-494A-45DD-A5C6-24F625316B92}"/>
               </a:ext>
             </a:extLst>
           </p:cNvPr>
@@ -8393,7 +8393,7 @@
           <p:cNvPr id="13" name="Text Placeholder 7">
             <a:extLst>
               <a:ext uri="{FF2B5EF4-FFF2-40B4-BE49-F238E27FC236}">
-                <a16:creationId xmlns="" xmlns:a16="http://schemas.microsoft.com/office/drawing/2014/main" id="{D8D7F005-BA7C-423E-87B0-6782D88233F6}"/>
+                <a16:creationId xmlns:a16="http://schemas.microsoft.com/office/drawing/2014/main" xmlns="" id="{D8D7F005-BA7C-423E-87B0-6782D88233F6}"/>
               </a:ext>
             </a:extLst>
           </p:cNvPr>
@@ -8467,7 +8467,7 @@
           <p:cNvPr id="14" name="Text Placeholder 7">
             <a:extLst>
               <a:ext uri="{FF2B5EF4-FFF2-40B4-BE49-F238E27FC236}">
-                <a16:creationId xmlns="" xmlns:a16="http://schemas.microsoft.com/office/drawing/2014/main" id="{47BDC0DA-1585-454D-9E74-41D2AFC0FEE5}"/>
+                <a16:creationId xmlns:a16="http://schemas.microsoft.com/office/drawing/2014/main" xmlns="" id="{47BDC0DA-1585-454D-9E74-41D2AFC0FEE5}"/>
               </a:ext>
             </a:extLst>
           </p:cNvPr>
@@ -8541,7 +8541,7 @@
           <p:cNvPr id="9" name="Title Placeholder 1">
             <a:extLst>
               <a:ext uri="{FF2B5EF4-FFF2-40B4-BE49-F238E27FC236}">
-                <a16:creationId xmlns="" xmlns:a16="http://schemas.microsoft.com/office/drawing/2014/main" id="{6733E381-C11A-4F10-88ED-DDEA4B9167E2}"/>
+                <a16:creationId xmlns:a16="http://schemas.microsoft.com/office/drawing/2014/main" xmlns="" id="{6733E381-C11A-4F10-88ED-DDEA4B9167E2}"/>
               </a:ext>
             </a:extLst>
           </p:cNvPr>
@@ -8593,7 +8593,7 @@
           <p:cNvPr id="16" name="Retângulo 43">
             <a:extLst>
               <a:ext uri="{FF2B5EF4-FFF2-40B4-BE49-F238E27FC236}">
-                <a16:creationId xmlns="" xmlns:a16="http://schemas.microsoft.com/office/drawing/2014/main" id="{25FC8637-25BD-4C09-AF25-56B4243DAB3D}"/>
+                <a16:creationId xmlns:a16="http://schemas.microsoft.com/office/drawing/2014/main" xmlns="" id="{25FC8637-25BD-4C09-AF25-56B4243DAB3D}"/>
               </a:ext>
             </a:extLst>
           </p:cNvPr>
@@ -8646,7 +8646,7 @@
           <p:cNvPr id="20" name="Conector reto 49">
             <a:extLst>
               <a:ext uri="{FF2B5EF4-FFF2-40B4-BE49-F238E27FC236}">
-                <a16:creationId xmlns="" xmlns:a16="http://schemas.microsoft.com/office/drawing/2014/main" id="{6B6D7F6B-C184-4C2B-8EB7-067E0C1E8DF2}"/>
+                <a16:creationId xmlns:a16="http://schemas.microsoft.com/office/drawing/2014/main" xmlns="" id="{6B6D7F6B-C184-4C2B-8EB7-067E0C1E8DF2}"/>
               </a:ext>
             </a:extLst>
           </p:cNvPr>
@@ -8694,7 +8694,7 @@
             <a:hlinkClick r:id="rId2"/>
             <a:extLst>
               <a:ext uri="{FF2B5EF4-FFF2-40B4-BE49-F238E27FC236}">
-                <a16:creationId xmlns="" xmlns:a16="http://schemas.microsoft.com/office/drawing/2014/main" id="{F376ABD1-4930-42EB-9A73-9A9C7C6BF2D3}"/>
+                <a16:creationId xmlns:a16="http://schemas.microsoft.com/office/drawing/2014/main" xmlns="" id="{F376ABD1-4930-42EB-9A73-9A9C7C6BF2D3}"/>
               </a:ext>
             </a:extLst>
           </p:cNvPr>
@@ -8739,7 +8739,7 @@
           <p:cNvPr id="22" name="Retângulo 43">
             <a:extLst>
               <a:ext uri="{FF2B5EF4-FFF2-40B4-BE49-F238E27FC236}">
-                <a16:creationId xmlns="" xmlns:a16="http://schemas.microsoft.com/office/drawing/2014/main" id="{834ADCB4-BFB1-450D-8F6D-64217F4CD92C}"/>
+                <a16:creationId xmlns:a16="http://schemas.microsoft.com/office/drawing/2014/main" xmlns="" id="{834ADCB4-BFB1-450D-8F6D-64217F4CD92C}"/>
               </a:ext>
             </a:extLst>
           </p:cNvPr>
@@ -8818,7 +8818,7 @@
           <p:cNvPr id="13" name="Rectangle 12">
             <a:extLst>
               <a:ext uri="{FF2B5EF4-FFF2-40B4-BE49-F238E27FC236}">
-                <a16:creationId xmlns="" xmlns:a16="http://schemas.microsoft.com/office/drawing/2014/main" id="{279F1DAD-5BB1-4142-B838-01DB99370135}"/>
+                <a16:creationId xmlns:a16="http://schemas.microsoft.com/office/drawing/2014/main" xmlns="" id="{279F1DAD-5BB1-4142-B838-01DB99370135}"/>
               </a:ext>
             </a:extLst>
           </p:cNvPr>
@@ -8874,7 +8874,7 @@
           <p:cNvPr id="9" name="Text Placeholder 4">
             <a:extLst>
               <a:ext uri="{FF2B5EF4-FFF2-40B4-BE49-F238E27FC236}">
-                <a16:creationId xmlns="" xmlns:a16="http://schemas.microsoft.com/office/drawing/2014/main" id="{04C1CAD0-39C3-4CE2-A9E9-8CA99EFF5357}"/>
+                <a16:creationId xmlns:a16="http://schemas.microsoft.com/office/drawing/2014/main" xmlns="" id="{04C1CAD0-39C3-4CE2-A9E9-8CA99EFF5357}"/>
               </a:ext>
             </a:extLst>
           </p:cNvPr>
@@ -8934,7 +8934,7 @@
           <p:cNvPr id="37" name="Text Placeholder 4">
             <a:extLst>
               <a:ext uri="{FF2B5EF4-FFF2-40B4-BE49-F238E27FC236}">
-                <a16:creationId xmlns="" xmlns:a16="http://schemas.microsoft.com/office/drawing/2014/main" id="{8D6FD04F-776D-4BC2-9828-DC149A95B778}"/>
+                <a16:creationId xmlns:a16="http://schemas.microsoft.com/office/drawing/2014/main" xmlns="" id="{8D6FD04F-776D-4BC2-9828-DC149A95B778}"/>
               </a:ext>
             </a:extLst>
           </p:cNvPr>
@@ -8994,7 +8994,7 @@
           <p:cNvPr id="39" name="Text Placeholder 4">
             <a:extLst>
               <a:ext uri="{FF2B5EF4-FFF2-40B4-BE49-F238E27FC236}">
-                <a16:creationId xmlns="" xmlns:a16="http://schemas.microsoft.com/office/drawing/2014/main" id="{5A2CDF95-9D29-4775-8BEF-90BC5372B782}"/>
+                <a16:creationId xmlns:a16="http://schemas.microsoft.com/office/drawing/2014/main" xmlns="" id="{5A2CDF95-9D29-4775-8BEF-90BC5372B782}"/>
               </a:ext>
             </a:extLst>
           </p:cNvPr>
@@ -9054,7 +9054,7 @@
           <p:cNvPr id="41" name="Text Placeholder 4">
             <a:extLst>
               <a:ext uri="{FF2B5EF4-FFF2-40B4-BE49-F238E27FC236}">
-                <a16:creationId xmlns="" xmlns:a16="http://schemas.microsoft.com/office/drawing/2014/main" id="{6012FFDA-311F-429E-998E-F6E6B0A7186E}"/>
+                <a16:creationId xmlns:a16="http://schemas.microsoft.com/office/drawing/2014/main" xmlns="" id="{6012FFDA-311F-429E-998E-F6E6B0A7186E}"/>
               </a:ext>
             </a:extLst>
           </p:cNvPr>
@@ -9102,7 +9102,7 @@
           <p:cNvPr id="42" name="Text Placeholder 7">
             <a:extLst>
               <a:ext uri="{FF2B5EF4-FFF2-40B4-BE49-F238E27FC236}">
-                <a16:creationId xmlns="" xmlns:a16="http://schemas.microsoft.com/office/drawing/2014/main" id="{9228FC83-C11D-47F2-8BDE-B10D125E5E87}"/>
+                <a16:creationId xmlns:a16="http://schemas.microsoft.com/office/drawing/2014/main" xmlns="" id="{9228FC83-C11D-47F2-8BDE-B10D125E5E87}"/>
               </a:ext>
             </a:extLst>
           </p:cNvPr>
@@ -9213,7 +9213,7 @@
           <p:cNvPr id="18" name="Retângulo 43">
             <a:extLst>
               <a:ext uri="{FF2B5EF4-FFF2-40B4-BE49-F238E27FC236}">
-                <a16:creationId xmlns="" xmlns:a16="http://schemas.microsoft.com/office/drawing/2014/main" id="{25FC8637-25BD-4C09-AF25-56B4243DAB3D}"/>
+                <a16:creationId xmlns:a16="http://schemas.microsoft.com/office/drawing/2014/main" xmlns="" id="{25FC8637-25BD-4C09-AF25-56B4243DAB3D}"/>
               </a:ext>
             </a:extLst>
           </p:cNvPr>
@@ -9266,7 +9266,7 @@
           <p:cNvPr id="19" name="Conector reto 49">
             <a:extLst>
               <a:ext uri="{FF2B5EF4-FFF2-40B4-BE49-F238E27FC236}">
-                <a16:creationId xmlns="" xmlns:a16="http://schemas.microsoft.com/office/drawing/2014/main" id="{6B6D7F6B-C184-4C2B-8EB7-067E0C1E8DF2}"/>
+                <a16:creationId xmlns:a16="http://schemas.microsoft.com/office/drawing/2014/main" xmlns="" id="{6B6D7F6B-C184-4C2B-8EB7-067E0C1E8DF2}"/>
               </a:ext>
             </a:extLst>
           </p:cNvPr>
@@ -9314,7 +9314,7 @@
             <a:hlinkClick r:id="rId2"/>
             <a:extLst>
               <a:ext uri="{FF2B5EF4-FFF2-40B4-BE49-F238E27FC236}">
-                <a16:creationId xmlns="" xmlns:a16="http://schemas.microsoft.com/office/drawing/2014/main" id="{F376ABD1-4930-42EB-9A73-9A9C7C6BF2D3}"/>
+                <a16:creationId xmlns:a16="http://schemas.microsoft.com/office/drawing/2014/main" xmlns="" id="{F376ABD1-4930-42EB-9A73-9A9C7C6BF2D3}"/>
               </a:ext>
             </a:extLst>
           </p:cNvPr>
@@ -9359,7 +9359,7 @@
           <p:cNvPr id="21" name="Retângulo 43">
             <a:extLst>
               <a:ext uri="{FF2B5EF4-FFF2-40B4-BE49-F238E27FC236}">
-                <a16:creationId xmlns="" xmlns:a16="http://schemas.microsoft.com/office/drawing/2014/main" id="{834ADCB4-BFB1-450D-8F6D-64217F4CD92C}"/>
+                <a16:creationId xmlns:a16="http://schemas.microsoft.com/office/drawing/2014/main" xmlns="" id="{834ADCB4-BFB1-450D-8F6D-64217F4CD92C}"/>
               </a:ext>
             </a:extLst>
           </p:cNvPr>
@@ -9400,7 +9400,7 @@
           <p:cNvPr id="23" name="Title Placeholder 1">
             <a:extLst>
               <a:ext uri="{FF2B5EF4-FFF2-40B4-BE49-F238E27FC236}">
-                <a16:creationId xmlns="" xmlns:a16="http://schemas.microsoft.com/office/drawing/2014/main" id="{552BBB0A-405D-419D-8BD5-EC8D9F84B795}"/>
+                <a16:creationId xmlns:a16="http://schemas.microsoft.com/office/drawing/2014/main" xmlns="" id="{552BBB0A-405D-419D-8BD5-EC8D9F84B795}"/>
               </a:ext>
             </a:extLst>
           </p:cNvPr>
@@ -9448,7 +9448,7 @@
           <p:cNvPr id="24" name="Text Placeholder 7">
             <a:extLst>
               <a:ext uri="{FF2B5EF4-FFF2-40B4-BE49-F238E27FC236}">
-                <a16:creationId xmlns="" xmlns:a16="http://schemas.microsoft.com/office/drawing/2014/main" id="{9228FC83-C11D-47F2-8BDE-B10D125E5E87}"/>
+                <a16:creationId xmlns:a16="http://schemas.microsoft.com/office/drawing/2014/main" xmlns="" id="{9228FC83-C11D-47F2-8BDE-B10D125E5E87}"/>
               </a:ext>
             </a:extLst>
           </p:cNvPr>
@@ -9559,7 +9559,7 @@
           <p:cNvPr id="25" name="Text Placeholder 7">
             <a:extLst>
               <a:ext uri="{FF2B5EF4-FFF2-40B4-BE49-F238E27FC236}">
-                <a16:creationId xmlns="" xmlns:a16="http://schemas.microsoft.com/office/drawing/2014/main" id="{9228FC83-C11D-47F2-8BDE-B10D125E5E87}"/>
+                <a16:creationId xmlns:a16="http://schemas.microsoft.com/office/drawing/2014/main" xmlns="" id="{9228FC83-C11D-47F2-8BDE-B10D125E5E87}"/>
               </a:ext>
             </a:extLst>
           </p:cNvPr>
@@ -9670,7 +9670,7 @@
           <p:cNvPr id="26" name="Text Placeholder 7">
             <a:extLst>
               <a:ext uri="{FF2B5EF4-FFF2-40B4-BE49-F238E27FC236}">
-                <a16:creationId xmlns="" xmlns:a16="http://schemas.microsoft.com/office/drawing/2014/main" id="{9228FC83-C11D-47F2-8BDE-B10D125E5E87}"/>
+                <a16:creationId xmlns:a16="http://schemas.microsoft.com/office/drawing/2014/main" xmlns="" id="{9228FC83-C11D-47F2-8BDE-B10D125E5E87}"/>
               </a:ext>
             </a:extLst>
           </p:cNvPr>
@@ -9819,7 +9819,7 @@
           <p:cNvPr id="7" name="Title Placeholder 1">
             <a:extLst>
               <a:ext uri="{FF2B5EF4-FFF2-40B4-BE49-F238E27FC236}">
-                <a16:creationId xmlns="" xmlns:a16="http://schemas.microsoft.com/office/drawing/2014/main" id="{552BBB0A-405D-419D-8BD5-EC8D9F84B795}"/>
+                <a16:creationId xmlns:a16="http://schemas.microsoft.com/office/drawing/2014/main" xmlns="" id="{552BBB0A-405D-419D-8BD5-EC8D9F84B795}"/>
               </a:ext>
             </a:extLst>
           </p:cNvPr>
@@ -9867,7 +9867,7 @@
           <p:cNvPr id="10" name="Text Placeholder 7">
             <a:extLst>
               <a:ext uri="{FF2B5EF4-FFF2-40B4-BE49-F238E27FC236}">
-                <a16:creationId xmlns="" xmlns:a16="http://schemas.microsoft.com/office/drawing/2014/main" id="{9228FC83-C11D-47F2-8BDE-B10D125E5E87}"/>
+                <a16:creationId xmlns:a16="http://schemas.microsoft.com/office/drawing/2014/main" xmlns="" id="{9228FC83-C11D-47F2-8BDE-B10D125E5E87}"/>
               </a:ext>
             </a:extLst>
           </p:cNvPr>
@@ -9978,7 +9978,7 @@
           <p:cNvPr id="11" name="Text Placeholder 7">
             <a:extLst>
               <a:ext uri="{FF2B5EF4-FFF2-40B4-BE49-F238E27FC236}">
-                <a16:creationId xmlns="" xmlns:a16="http://schemas.microsoft.com/office/drawing/2014/main" id="{9228FC83-C11D-47F2-8BDE-B10D125E5E87}"/>
+                <a16:creationId xmlns:a16="http://schemas.microsoft.com/office/drawing/2014/main" xmlns="" id="{9228FC83-C11D-47F2-8BDE-B10D125E5E87}"/>
               </a:ext>
             </a:extLst>
           </p:cNvPr>
@@ -10089,7 +10089,7 @@
           <p:cNvPr id="12" name="Text Placeholder 7">
             <a:extLst>
               <a:ext uri="{FF2B5EF4-FFF2-40B4-BE49-F238E27FC236}">
-                <a16:creationId xmlns="" xmlns:a16="http://schemas.microsoft.com/office/drawing/2014/main" id="{9228FC83-C11D-47F2-8BDE-B10D125E5E87}"/>
+                <a16:creationId xmlns:a16="http://schemas.microsoft.com/office/drawing/2014/main" xmlns="" id="{9228FC83-C11D-47F2-8BDE-B10D125E5E87}"/>
               </a:ext>
             </a:extLst>
           </p:cNvPr>
@@ -10200,7 +10200,7 @@
           <p:cNvPr id="13" name="Retângulo 43">
             <a:extLst>
               <a:ext uri="{FF2B5EF4-FFF2-40B4-BE49-F238E27FC236}">
-                <a16:creationId xmlns="" xmlns:a16="http://schemas.microsoft.com/office/drawing/2014/main" id="{25FC8637-25BD-4C09-AF25-56B4243DAB3D}"/>
+                <a16:creationId xmlns:a16="http://schemas.microsoft.com/office/drawing/2014/main" xmlns="" id="{25FC8637-25BD-4C09-AF25-56B4243DAB3D}"/>
               </a:ext>
             </a:extLst>
           </p:cNvPr>
@@ -10253,7 +10253,7 @@
           <p:cNvPr id="14" name="Conector reto 49">
             <a:extLst>
               <a:ext uri="{FF2B5EF4-FFF2-40B4-BE49-F238E27FC236}">
-                <a16:creationId xmlns="" xmlns:a16="http://schemas.microsoft.com/office/drawing/2014/main" id="{6B6D7F6B-C184-4C2B-8EB7-067E0C1E8DF2}"/>
+                <a16:creationId xmlns:a16="http://schemas.microsoft.com/office/drawing/2014/main" xmlns="" id="{6B6D7F6B-C184-4C2B-8EB7-067E0C1E8DF2}"/>
               </a:ext>
             </a:extLst>
           </p:cNvPr>
@@ -10301,7 +10301,7 @@
             <a:hlinkClick r:id="rId2"/>
             <a:extLst>
               <a:ext uri="{FF2B5EF4-FFF2-40B4-BE49-F238E27FC236}">
-                <a16:creationId xmlns="" xmlns:a16="http://schemas.microsoft.com/office/drawing/2014/main" id="{F376ABD1-4930-42EB-9A73-9A9C7C6BF2D3}"/>
+                <a16:creationId xmlns:a16="http://schemas.microsoft.com/office/drawing/2014/main" xmlns="" id="{F376ABD1-4930-42EB-9A73-9A9C7C6BF2D3}"/>
               </a:ext>
             </a:extLst>
           </p:cNvPr>
@@ -10346,7 +10346,7 @@
           <p:cNvPr id="16" name="Retângulo 43">
             <a:extLst>
               <a:ext uri="{FF2B5EF4-FFF2-40B4-BE49-F238E27FC236}">
-                <a16:creationId xmlns="" xmlns:a16="http://schemas.microsoft.com/office/drawing/2014/main" id="{834ADCB4-BFB1-450D-8F6D-64217F4CD92C}"/>
+                <a16:creationId xmlns:a16="http://schemas.microsoft.com/office/drawing/2014/main" xmlns="" id="{834ADCB4-BFB1-450D-8F6D-64217F4CD92C}"/>
               </a:ext>
             </a:extLst>
           </p:cNvPr>
@@ -10387,7 +10387,7 @@
           <p:cNvPr id="17" name="Group 4">
             <a:extLst>
               <a:ext uri="{FF2B5EF4-FFF2-40B4-BE49-F238E27FC236}">
-                <a16:creationId xmlns="" xmlns:a16="http://schemas.microsoft.com/office/drawing/2014/main" id="{F55AA728-28C9-4E2C-9F9C-ED1CE98A5CDA}"/>
+                <a16:creationId xmlns:a16="http://schemas.microsoft.com/office/drawing/2014/main" xmlns="" id="{F55AA728-28C9-4E2C-9F9C-ED1CE98A5CDA}"/>
               </a:ext>
             </a:extLst>
           </p:cNvPr>
@@ -10409,7 +10409,7 @@
             <p:cNvPr id="18" name="Freeform 5">
               <a:extLst>
                 <a:ext uri="{FF2B5EF4-FFF2-40B4-BE49-F238E27FC236}">
-                  <a16:creationId xmlns="" xmlns:a16="http://schemas.microsoft.com/office/drawing/2014/main" id="{C00D10BF-495F-4321-9BCA-1A6DC376E34A}"/>
+                  <a16:creationId xmlns:a16="http://schemas.microsoft.com/office/drawing/2014/main" xmlns="" id="{C00D10BF-495F-4321-9BCA-1A6DC376E34A}"/>
                 </a:ext>
               </a:extLst>
             </p:cNvPr>
@@ -10492,7 +10492,7 @@
             </a:ln>
             <a:extLst>
               <a:ext uri="{91240B29-F687-4f45-9708-019B960494DF}">
-                <a14:hiddenLine xmlns="" xmlns:a14="http://schemas.microsoft.com/office/drawing/2010/main" w="9525">
+                <a14:hiddenLine xmlns:a14="http://schemas.microsoft.com/office/drawing/2010/main" xmlns="" w="9525">
                   <a:solidFill>
                     <a:srgbClr val="000000"/>
                   </a:solidFill>
@@ -10524,7 +10524,7 @@
             <p:cNvPr id="19" name="Freeform 6">
               <a:extLst>
                 <a:ext uri="{FF2B5EF4-FFF2-40B4-BE49-F238E27FC236}">
-                  <a16:creationId xmlns="" xmlns:a16="http://schemas.microsoft.com/office/drawing/2014/main" id="{FC345721-3D86-455D-A3E5-6A031E9161FE}"/>
+                  <a16:creationId xmlns:a16="http://schemas.microsoft.com/office/drawing/2014/main" xmlns="" id="{FC345721-3D86-455D-A3E5-6A031E9161FE}"/>
                 </a:ext>
               </a:extLst>
             </p:cNvPr>
@@ -10607,7 +10607,7 @@
             </a:ln>
             <a:extLst>
               <a:ext uri="{91240B29-F687-4f45-9708-019B960494DF}">
-                <a14:hiddenLine xmlns="" xmlns:a14="http://schemas.microsoft.com/office/drawing/2010/main" w="9525">
+                <a14:hiddenLine xmlns:a14="http://schemas.microsoft.com/office/drawing/2010/main" xmlns="" w="9525">
                   <a:solidFill>
                     <a:srgbClr val="000000"/>
                   </a:solidFill>
@@ -10639,7 +10639,7 @@
             <p:cNvPr id="20" name="Freeform 7">
               <a:extLst>
                 <a:ext uri="{FF2B5EF4-FFF2-40B4-BE49-F238E27FC236}">
-                  <a16:creationId xmlns="" xmlns:a16="http://schemas.microsoft.com/office/drawing/2014/main" id="{88996DE1-792D-4B62-9A86-687AFAF8E76E}"/>
+                  <a16:creationId xmlns:a16="http://schemas.microsoft.com/office/drawing/2014/main" xmlns="" id="{88996DE1-792D-4B62-9A86-687AFAF8E76E}"/>
                 </a:ext>
               </a:extLst>
             </p:cNvPr>
@@ -10732,7 +10732,7 @@
             </a:ln>
             <a:extLst>
               <a:ext uri="{91240B29-F687-4f45-9708-019B960494DF}">
-                <a14:hiddenLine xmlns="" xmlns:a14="http://schemas.microsoft.com/office/drawing/2010/main" w="9525">
+                <a14:hiddenLine xmlns:a14="http://schemas.microsoft.com/office/drawing/2010/main" xmlns="" w="9525">
                   <a:solidFill>
                     <a:srgbClr val="000000"/>
                   </a:solidFill>
@@ -10764,7 +10764,7 @@
             <p:cNvPr id="21" name="Freeform 8">
               <a:extLst>
                 <a:ext uri="{FF2B5EF4-FFF2-40B4-BE49-F238E27FC236}">
-                  <a16:creationId xmlns="" xmlns:a16="http://schemas.microsoft.com/office/drawing/2014/main" id="{99A3E024-557A-4737-A486-DB81CBFED8D8}"/>
+                  <a16:creationId xmlns:a16="http://schemas.microsoft.com/office/drawing/2014/main" xmlns="" id="{99A3E024-557A-4737-A486-DB81CBFED8D8}"/>
                 </a:ext>
               </a:extLst>
             </p:cNvPr>
@@ -10847,7 +10847,7 @@
             </a:ln>
             <a:extLst>
               <a:ext uri="{91240B29-F687-4f45-9708-019B960494DF}">
-                <a14:hiddenLine xmlns="" xmlns:a14="http://schemas.microsoft.com/office/drawing/2010/main" w="9525">
+                <a14:hiddenLine xmlns:a14="http://schemas.microsoft.com/office/drawing/2010/main" xmlns="" w="9525">
                   <a:solidFill>
                     <a:srgbClr val="000000"/>
                   </a:solidFill>
@@ -10879,7 +10879,7 @@
             <p:cNvPr id="22" name="Freeform 9">
               <a:extLst>
                 <a:ext uri="{FF2B5EF4-FFF2-40B4-BE49-F238E27FC236}">
-                  <a16:creationId xmlns="" xmlns:a16="http://schemas.microsoft.com/office/drawing/2014/main" id="{B91EABC1-BAA9-4368-93ED-01B2A8854188}"/>
+                  <a16:creationId xmlns:a16="http://schemas.microsoft.com/office/drawing/2014/main" xmlns="" id="{B91EABC1-BAA9-4368-93ED-01B2A8854188}"/>
                 </a:ext>
               </a:extLst>
             </p:cNvPr>
@@ -10972,7 +10972,7 @@
             </a:ln>
             <a:extLst>
               <a:ext uri="{91240B29-F687-4f45-9708-019B960494DF}">
-                <a14:hiddenLine xmlns="" xmlns:a14="http://schemas.microsoft.com/office/drawing/2010/main" w="9525">
+                <a14:hiddenLine xmlns:a14="http://schemas.microsoft.com/office/drawing/2010/main" xmlns="" w="9525">
                   <a:solidFill>
                     <a:srgbClr val="000000"/>
                   </a:solidFill>
@@ -11005,7 +11005,7 @@
           <p:cNvPr id="23" name="Group 30">
             <a:extLst>
               <a:ext uri="{FF2B5EF4-FFF2-40B4-BE49-F238E27FC236}">
-                <a16:creationId xmlns="" xmlns:a16="http://schemas.microsoft.com/office/drawing/2014/main" id="{A10900A1-B639-4F4D-B2A8-3302F49771BD}"/>
+                <a16:creationId xmlns:a16="http://schemas.microsoft.com/office/drawing/2014/main" xmlns="" id="{A10900A1-B639-4F4D-B2A8-3302F49771BD}"/>
               </a:ext>
             </a:extLst>
           </p:cNvPr>
@@ -11027,7 +11027,7 @@
             <p:cNvPr id="24" name="Freeform 31">
               <a:extLst>
                 <a:ext uri="{FF2B5EF4-FFF2-40B4-BE49-F238E27FC236}">
-                  <a16:creationId xmlns="" xmlns:a16="http://schemas.microsoft.com/office/drawing/2014/main" id="{63E2A064-7520-4F5E-83E0-1D9A7E442B39}"/>
+                  <a16:creationId xmlns:a16="http://schemas.microsoft.com/office/drawing/2014/main" xmlns="" id="{63E2A064-7520-4F5E-83E0-1D9A7E442B39}"/>
                 </a:ext>
               </a:extLst>
             </p:cNvPr>
@@ -11110,7 +11110,7 @@
             </a:ln>
             <a:extLst>
               <a:ext uri="{91240B29-F687-4f45-9708-019B960494DF}">
-                <a14:hiddenLine xmlns="" xmlns:a14="http://schemas.microsoft.com/office/drawing/2010/main" w="9525">
+                <a14:hiddenLine xmlns:a14="http://schemas.microsoft.com/office/drawing/2010/main" xmlns="" w="9525">
                   <a:solidFill>
                     <a:srgbClr val="000000"/>
                   </a:solidFill>
@@ -11142,7 +11142,7 @@
             <p:cNvPr id="25" name="Freeform 32">
               <a:extLst>
                 <a:ext uri="{FF2B5EF4-FFF2-40B4-BE49-F238E27FC236}">
-                  <a16:creationId xmlns="" xmlns:a16="http://schemas.microsoft.com/office/drawing/2014/main" id="{E00548ED-7E30-4648-88C9-25FEB9790230}"/>
+                  <a16:creationId xmlns:a16="http://schemas.microsoft.com/office/drawing/2014/main" xmlns="" id="{E00548ED-7E30-4648-88C9-25FEB9790230}"/>
                 </a:ext>
               </a:extLst>
             </p:cNvPr>
@@ -11305,7 +11305,7 @@
             </a:ln>
             <a:extLst>
               <a:ext uri="{91240B29-F687-4f45-9708-019B960494DF}">
-                <a14:hiddenLine xmlns="" xmlns:a14="http://schemas.microsoft.com/office/drawing/2010/main" w="9525">
+                <a14:hiddenLine xmlns:a14="http://schemas.microsoft.com/office/drawing/2010/main" xmlns="" w="9525">
                   <a:solidFill>
                     <a:srgbClr val="000000"/>
                   </a:solidFill>
@@ -11337,7 +11337,7 @@
             <p:cNvPr id="26" name="Freeform 33">
               <a:extLst>
                 <a:ext uri="{FF2B5EF4-FFF2-40B4-BE49-F238E27FC236}">
-                  <a16:creationId xmlns="" xmlns:a16="http://schemas.microsoft.com/office/drawing/2014/main" id="{7DF3B566-6491-43A9-B36C-C70A3959006F}"/>
+                  <a16:creationId xmlns:a16="http://schemas.microsoft.com/office/drawing/2014/main" xmlns="" id="{7DF3B566-6491-43A9-B36C-C70A3959006F}"/>
                 </a:ext>
               </a:extLst>
             </p:cNvPr>
@@ -11450,7 +11450,7 @@
             </a:ln>
             <a:extLst>
               <a:ext uri="{91240B29-F687-4f45-9708-019B960494DF}">
-                <a14:hiddenLine xmlns="" xmlns:a14="http://schemas.microsoft.com/office/drawing/2010/main" w="9525">
+                <a14:hiddenLine xmlns:a14="http://schemas.microsoft.com/office/drawing/2010/main" xmlns="" w="9525">
                   <a:solidFill>
                     <a:srgbClr val="000000"/>
                   </a:solidFill>
@@ -11482,7 +11482,7 @@
             <p:cNvPr id="30" name="Freeform 34">
               <a:extLst>
                 <a:ext uri="{FF2B5EF4-FFF2-40B4-BE49-F238E27FC236}">
-                  <a16:creationId xmlns="" xmlns:a16="http://schemas.microsoft.com/office/drawing/2014/main" id="{88320A64-FAD9-4C64-9B53-156412CFAE13}"/>
+                  <a16:creationId xmlns:a16="http://schemas.microsoft.com/office/drawing/2014/main" xmlns="" id="{88320A64-FAD9-4C64-9B53-156412CFAE13}"/>
                 </a:ext>
               </a:extLst>
             </p:cNvPr>
@@ -11565,7 +11565,7 @@
             </a:ln>
             <a:extLst>
               <a:ext uri="{91240B29-F687-4f45-9708-019B960494DF}">
-                <a14:hiddenLine xmlns="" xmlns:a14="http://schemas.microsoft.com/office/drawing/2010/main" w="9525">
+                <a14:hiddenLine xmlns:a14="http://schemas.microsoft.com/office/drawing/2010/main" xmlns="" w="9525">
                   <a:solidFill>
                     <a:srgbClr val="000000"/>
                   </a:solidFill>
@@ -11597,7 +11597,7 @@
             <p:cNvPr id="31" name="Freeform 35">
               <a:extLst>
                 <a:ext uri="{FF2B5EF4-FFF2-40B4-BE49-F238E27FC236}">
-                  <a16:creationId xmlns="" xmlns:a16="http://schemas.microsoft.com/office/drawing/2014/main" id="{6F95B647-B7B5-433E-A77A-04C22AF5DCBF}"/>
+                  <a16:creationId xmlns:a16="http://schemas.microsoft.com/office/drawing/2014/main" xmlns="" id="{6F95B647-B7B5-433E-A77A-04C22AF5DCBF}"/>
                 </a:ext>
               </a:extLst>
             </p:cNvPr>
@@ -11673,7 +11673,7 @@
             </a:ln>
             <a:extLst>
               <a:ext uri="{91240B29-F687-4f45-9708-019B960494DF}">
-                <a14:hiddenLine xmlns="" xmlns:a14="http://schemas.microsoft.com/office/drawing/2010/main" w="9525">
+                <a14:hiddenLine xmlns:a14="http://schemas.microsoft.com/office/drawing/2010/main" xmlns="" w="9525">
                   <a:solidFill>
                     <a:srgbClr val="000000"/>
                   </a:solidFill>
@@ -11706,7 +11706,7 @@
           <p:cNvPr id="32" name="Group 12">
             <a:extLst>
               <a:ext uri="{FF2B5EF4-FFF2-40B4-BE49-F238E27FC236}">
-                <a16:creationId xmlns="" xmlns:a16="http://schemas.microsoft.com/office/drawing/2014/main" id="{B03705AC-ADA5-4143-92DC-8EE15523316C}"/>
+                <a16:creationId xmlns:a16="http://schemas.microsoft.com/office/drawing/2014/main" xmlns="" id="{B03705AC-ADA5-4143-92DC-8EE15523316C}"/>
               </a:ext>
             </a:extLst>
           </p:cNvPr>
@@ -11728,7 +11728,7 @@
             <p:cNvPr id="33" name="Freeform 13">
               <a:extLst>
                 <a:ext uri="{FF2B5EF4-FFF2-40B4-BE49-F238E27FC236}">
-                  <a16:creationId xmlns="" xmlns:a16="http://schemas.microsoft.com/office/drawing/2014/main" id="{9AE3823F-4D56-4BE9-8E66-6870A028182F}"/>
+                  <a16:creationId xmlns:a16="http://schemas.microsoft.com/office/drawing/2014/main" xmlns="" id="{9AE3823F-4D56-4BE9-8E66-6870A028182F}"/>
                 </a:ext>
               </a:extLst>
             </p:cNvPr>
@@ -11811,7 +11811,7 @@
             </a:ln>
             <a:extLst>
               <a:ext uri="{91240B29-F687-4f45-9708-019B960494DF}">
-                <a14:hiddenLine xmlns="" xmlns:a14="http://schemas.microsoft.com/office/drawing/2010/main" w="9525">
+                <a14:hiddenLine xmlns:a14="http://schemas.microsoft.com/office/drawing/2010/main" xmlns="" w="9525">
                   <a:solidFill>
                     <a:srgbClr val="000000"/>
                   </a:solidFill>
@@ -11843,7 +11843,7 @@
             <p:cNvPr id="34" name="Freeform 14">
               <a:extLst>
                 <a:ext uri="{FF2B5EF4-FFF2-40B4-BE49-F238E27FC236}">
-                  <a16:creationId xmlns="" xmlns:a16="http://schemas.microsoft.com/office/drawing/2014/main" id="{DAD44F77-C4A1-47A4-B417-D607A66BF50D}"/>
+                  <a16:creationId xmlns:a16="http://schemas.microsoft.com/office/drawing/2014/main" xmlns="" id="{DAD44F77-C4A1-47A4-B417-D607A66BF50D}"/>
                 </a:ext>
               </a:extLst>
             </p:cNvPr>
@@ -11966,7 +11966,7 @@
             </a:ln>
             <a:extLst>
               <a:ext uri="{91240B29-F687-4f45-9708-019B960494DF}">
-                <a14:hiddenLine xmlns="" xmlns:a14="http://schemas.microsoft.com/office/drawing/2010/main" w="9525">
+                <a14:hiddenLine xmlns:a14="http://schemas.microsoft.com/office/drawing/2010/main" xmlns="" w="9525">
                   <a:solidFill>
                     <a:srgbClr val="000000"/>
                   </a:solidFill>
@@ -11998,7 +11998,7 @@
             <p:cNvPr id="35" name="Freeform 15">
               <a:extLst>
                 <a:ext uri="{FF2B5EF4-FFF2-40B4-BE49-F238E27FC236}">
-                  <a16:creationId xmlns="" xmlns:a16="http://schemas.microsoft.com/office/drawing/2014/main" id="{1AE40BDF-76B3-472C-A714-97A9C9834ABE}"/>
+                  <a16:creationId xmlns:a16="http://schemas.microsoft.com/office/drawing/2014/main" xmlns="" id="{1AE40BDF-76B3-472C-A714-97A9C9834ABE}"/>
                 </a:ext>
               </a:extLst>
             </p:cNvPr>
@@ -12081,7 +12081,7 @@
             </a:ln>
             <a:extLst>
               <a:ext uri="{91240B29-F687-4f45-9708-019B960494DF}">
-                <a14:hiddenLine xmlns="" xmlns:a14="http://schemas.microsoft.com/office/drawing/2010/main" w="9525">
+                <a14:hiddenLine xmlns:a14="http://schemas.microsoft.com/office/drawing/2010/main" xmlns="" w="9525">
                   <a:solidFill>
                     <a:srgbClr val="000000"/>
                   </a:solidFill>
@@ -12113,7 +12113,7 @@
             <p:cNvPr id="36" name="Freeform 16">
               <a:extLst>
                 <a:ext uri="{FF2B5EF4-FFF2-40B4-BE49-F238E27FC236}">
-                  <a16:creationId xmlns="" xmlns:a16="http://schemas.microsoft.com/office/drawing/2014/main" id="{C9E568C6-E9E9-409D-8041-D5C9C44E705F}"/>
+                  <a16:creationId xmlns:a16="http://schemas.microsoft.com/office/drawing/2014/main" xmlns="" id="{C9E568C6-E9E9-409D-8041-D5C9C44E705F}"/>
                 </a:ext>
               </a:extLst>
             </p:cNvPr>
@@ -12196,7 +12196,7 @@
             </a:ln>
             <a:extLst>
               <a:ext uri="{91240B29-F687-4f45-9708-019B960494DF}">
-                <a14:hiddenLine xmlns="" xmlns:a14="http://schemas.microsoft.com/office/drawing/2010/main" w="9525">
+                <a14:hiddenLine xmlns:a14="http://schemas.microsoft.com/office/drawing/2010/main" xmlns="" w="9525">
                   <a:solidFill>
                     <a:srgbClr val="000000"/>
                   </a:solidFill>
@@ -12264,7 +12264,7 @@
           <p:cNvPr id="45" name="Rectangle 44">
             <a:extLst>
               <a:ext uri="{FF2B5EF4-FFF2-40B4-BE49-F238E27FC236}">
-                <a16:creationId xmlns="" xmlns:a16="http://schemas.microsoft.com/office/drawing/2014/main" id="{55C88D47-86DF-4336-A768-786DBD0060C8}"/>
+                <a16:creationId xmlns:a16="http://schemas.microsoft.com/office/drawing/2014/main" xmlns="" id="{55C88D47-86DF-4336-A768-786DBD0060C8}"/>
               </a:ext>
             </a:extLst>
           </p:cNvPr>
@@ -12320,7 +12320,7 @@
           <p:cNvPr id="38" name="Chart Placeholder 29">
             <a:extLst>
               <a:ext uri="{FF2B5EF4-FFF2-40B4-BE49-F238E27FC236}">
-                <a16:creationId xmlns="" xmlns:a16="http://schemas.microsoft.com/office/drawing/2014/main" id="{6F232C89-BD5F-4CA7-A3AA-F6F1576CFE6E}"/>
+                <a16:creationId xmlns:a16="http://schemas.microsoft.com/office/drawing/2014/main" xmlns="" id="{6F232C89-BD5F-4CA7-A3AA-F6F1576CFE6E}"/>
               </a:ext>
             </a:extLst>
           </p:cNvPr>
@@ -12357,7 +12357,7 @@
           <p:cNvPr id="33" name="Text Placeholder 7">
             <a:extLst>
               <a:ext uri="{FF2B5EF4-FFF2-40B4-BE49-F238E27FC236}">
-                <a16:creationId xmlns="" xmlns:a16="http://schemas.microsoft.com/office/drawing/2014/main" id="{D9223961-F190-4765-ADD3-748B8A88C5A4}"/>
+                <a16:creationId xmlns:a16="http://schemas.microsoft.com/office/drawing/2014/main" xmlns="" id="{D9223961-F190-4765-ADD3-748B8A88C5A4}"/>
               </a:ext>
             </a:extLst>
           </p:cNvPr>
@@ -12430,7 +12430,7 @@
           <p:cNvPr id="30" name="Chart Placeholder 29">
             <a:extLst>
               <a:ext uri="{FF2B5EF4-FFF2-40B4-BE49-F238E27FC236}">
-                <a16:creationId xmlns="" xmlns:a16="http://schemas.microsoft.com/office/drawing/2014/main" id="{667CB86F-C1D1-4D9A-BBD9-57EF8C95B524}"/>
+                <a16:creationId xmlns:a16="http://schemas.microsoft.com/office/drawing/2014/main" xmlns="" id="{667CB86F-C1D1-4D9A-BBD9-57EF8C95B524}"/>
               </a:ext>
             </a:extLst>
           </p:cNvPr>
@@ -12467,7 +12467,7 @@
           <p:cNvPr id="32" name="Text Placeholder 31">
             <a:extLst>
               <a:ext uri="{FF2B5EF4-FFF2-40B4-BE49-F238E27FC236}">
-                <a16:creationId xmlns="" xmlns:a16="http://schemas.microsoft.com/office/drawing/2014/main" id="{B1204F05-191D-4ACA-AADF-FB43F1F07D83}"/>
+                <a16:creationId xmlns:a16="http://schemas.microsoft.com/office/drawing/2014/main" xmlns="" id="{B1204F05-191D-4ACA-AADF-FB43F1F07D83}"/>
               </a:ext>
             </a:extLst>
           </p:cNvPr>
@@ -12510,7 +12510,7 @@
           <p:cNvPr id="34" name="Text Placeholder 7">
             <a:extLst>
               <a:ext uri="{FF2B5EF4-FFF2-40B4-BE49-F238E27FC236}">
-                <a16:creationId xmlns="" xmlns:a16="http://schemas.microsoft.com/office/drawing/2014/main" id="{3F48228B-C831-497E-A26D-61A81F63E42B}"/>
+                <a16:creationId xmlns:a16="http://schemas.microsoft.com/office/drawing/2014/main" xmlns="" id="{3F48228B-C831-497E-A26D-61A81F63E42B}"/>
               </a:ext>
             </a:extLst>
           </p:cNvPr>
@@ -12583,7 +12583,7 @@
           <p:cNvPr id="35" name="Chart Placeholder 29">
             <a:extLst>
               <a:ext uri="{FF2B5EF4-FFF2-40B4-BE49-F238E27FC236}">
-                <a16:creationId xmlns="" xmlns:a16="http://schemas.microsoft.com/office/drawing/2014/main" id="{D061EF55-20AF-4182-B722-C227F72A880B}"/>
+                <a16:creationId xmlns:a16="http://schemas.microsoft.com/office/drawing/2014/main" xmlns="" id="{D061EF55-20AF-4182-B722-C227F72A880B}"/>
               </a:ext>
             </a:extLst>
           </p:cNvPr>
@@ -12620,7 +12620,7 @@
           <p:cNvPr id="36" name="Text Placeholder 31">
             <a:extLst>
               <a:ext uri="{FF2B5EF4-FFF2-40B4-BE49-F238E27FC236}">
-                <a16:creationId xmlns="" xmlns:a16="http://schemas.microsoft.com/office/drawing/2014/main" id="{E682B04D-D1A2-4B73-BDB4-D4FBD2A9BEF1}"/>
+                <a16:creationId xmlns:a16="http://schemas.microsoft.com/office/drawing/2014/main" xmlns="" id="{E682B04D-D1A2-4B73-BDB4-D4FBD2A9BEF1}"/>
               </a:ext>
             </a:extLst>
           </p:cNvPr>
@@ -12663,7 +12663,7 @@
           <p:cNvPr id="37" name="Text Placeholder 7">
             <a:extLst>
               <a:ext uri="{FF2B5EF4-FFF2-40B4-BE49-F238E27FC236}">
-                <a16:creationId xmlns="" xmlns:a16="http://schemas.microsoft.com/office/drawing/2014/main" id="{3C81FA68-C8C6-4011-8666-EF35E85DCC96}"/>
+                <a16:creationId xmlns:a16="http://schemas.microsoft.com/office/drawing/2014/main" xmlns="" id="{3C81FA68-C8C6-4011-8666-EF35E85DCC96}"/>
               </a:ext>
             </a:extLst>
           </p:cNvPr>
@@ -12736,7 +12736,7 @@
           <p:cNvPr id="39" name="Text Placeholder 31">
             <a:extLst>
               <a:ext uri="{FF2B5EF4-FFF2-40B4-BE49-F238E27FC236}">
-                <a16:creationId xmlns="" xmlns:a16="http://schemas.microsoft.com/office/drawing/2014/main" id="{9EF5179D-59B1-44D7-BC86-E8A77DCFF84C}"/>
+                <a16:creationId xmlns:a16="http://schemas.microsoft.com/office/drawing/2014/main" xmlns="" id="{9EF5179D-59B1-44D7-BC86-E8A77DCFF84C}"/>
               </a:ext>
             </a:extLst>
           </p:cNvPr>
@@ -12779,7 +12779,7 @@
           <p:cNvPr id="40" name="Chart Placeholder 29">
             <a:extLst>
               <a:ext uri="{FF2B5EF4-FFF2-40B4-BE49-F238E27FC236}">
-                <a16:creationId xmlns="" xmlns:a16="http://schemas.microsoft.com/office/drawing/2014/main" id="{D076F0C2-9B62-4C55-88BD-5D8F3A4066E8}"/>
+                <a16:creationId xmlns:a16="http://schemas.microsoft.com/office/drawing/2014/main" xmlns="" id="{D076F0C2-9B62-4C55-88BD-5D8F3A4066E8}"/>
               </a:ext>
             </a:extLst>
           </p:cNvPr>
@@ -12816,7 +12816,7 @@
           <p:cNvPr id="41" name="Text Placeholder 7">
             <a:extLst>
               <a:ext uri="{FF2B5EF4-FFF2-40B4-BE49-F238E27FC236}">
-                <a16:creationId xmlns="" xmlns:a16="http://schemas.microsoft.com/office/drawing/2014/main" id="{E7590D3D-14BD-4608-AB95-0952261EAA1C}"/>
+                <a16:creationId xmlns:a16="http://schemas.microsoft.com/office/drawing/2014/main" xmlns="" id="{E7590D3D-14BD-4608-AB95-0952261EAA1C}"/>
               </a:ext>
             </a:extLst>
           </p:cNvPr>
@@ -12889,7 +12889,7 @@
           <p:cNvPr id="42" name="Text Placeholder 31">
             <a:extLst>
               <a:ext uri="{FF2B5EF4-FFF2-40B4-BE49-F238E27FC236}">
-                <a16:creationId xmlns="" xmlns:a16="http://schemas.microsoft.com/office/drawing/2014/main" id="{93DCB675-62E7-4926-98A4-F120ABA92EBF}"/>
+                <a16:creationId xmlns:a16="http://schemas.microsoft.com/office/drawing/2014/main" xmlns="" id="{93DCB675-62E7-4926-98A4-F120ABA92EBF}"/>
               </a:ext>
             </a:extLst>
           </p:cNvPr>
@@ -12932,7 +12932,7 @@
           <p:cNvPr id="43" name="Text Placeholder 7">
             <a:extLst>
               <a:ext uri="{FF2B5EF4-FFF2-40B4-BE49-F238E27FC236}">
-                <a16:creationId xmlns="" xmlns:a16="http://schemas.microsoft.com/office/drawing/2014/main" id="{C70FC002-22B1-4B43-A640-05B3543D2B31}"/>
+                <a16:creationId xmlns:a16="http://schemas.microsoft.com/office/drawing/2014/main" xmlns="" id="{C70FC002-22B1-4B43-A640-05B3543D2B31}"/>
               </a:ext>
             </a:extLst>
           </p:cNvPr>
@@ -13006,7 +13006,7 @@
           <p:cNvPr id="44" name="Text Placeholder 7">
             <a:extLst>
               <a:ext uri="{FF2B5EF4-FFF2-40B4-BE49-F238E27FC236}">
-                <a16:creationId xmlns="" xmlns:a16="http://schemas.microsoft.com/office/drawing/2014/main" id="{8E1CE648-2FAE-4439-A1A4-5BE3863514F4}"/>
+                <a16:creationId xmlns:a16="http://schemas.microsoft.com/office/drawing/2014/main" xmlns="" id="{8E1CE648-2FAE-4439-A1A4-5BE3863514F4}"/>
               </a:ext>
             </a:extLst>
           </p:cNvPr>
@@ -13079,7 +13079,7 @@
           <p:cNvPr id="18" name="Title Placeholder 1">
             <a:extLst>
               <a:ext uri="{FF2B5EF4-FFF2-40B4-BE49-F238E27FC236}">
-                <a16:creationId xmlns="" xmlns:a16="http://schemas.microsoft.com/office/drawing/2014/main" id="{552BBB0A-405D-419D-8BD5-EC8D9F84B795}"/>
+                <a16:creationId xmlns:a16="http://schemas.microsoft.com/office/drawing/2014/main" xmlns="" id="{552BBB0A-405D-419D-8BD5-EC8D9F84B795}"/>
               </a:ext>
             </a:extLst>
           </p:cNvPr>
@@ -13127,7 +13127,7 @@
           <p:cNvPr id="20" name="Retângulo 43">
             <a:extLst>
               <a:ext uri="{FF2B5EF4-FFF2-40B4-BE49-F238E27FC236}">
-                <a16:creationId xmlns="" xmlns:a16="http://schemas.microsoft.com/office/drawing/2014/main" id="{25FC8637-25BD-4C09-AF25-56B4243DAB3D}"/>
+                <a16:creationId xmlns:a16="http://schemas.microsoft.com/office/drawing/2014/main" xmlns="" id="{25FC8637-25BD-4C09-AF25-56B4243DAB3D}"/>
               </a:ext>
             </a:extLst>
           </p:cNvPr>
@@ -13180,7 +13180,7 @@
           <p:cNvPr id="21" name="Conector reto 49">
             <a:extLst>
               <a:ext uri="{FF2B5EF4-FFF2-40B4-BE49-F238E27FC236}">
-                <a16:creationId xmlns="" xmlns:a16="http://schemas.microsoft.com/office/drawing/2014/main" id="{6B6D7F6B-C184-4C2B-8EB7-067E0C1E8DF2}"/>
+                <a16:creationId xmlns:a16="http://schemas.microsoft.com/office/drawing/2014/main" xmlns="" id="{6B6D7F6B-C184-4C2B-8EB7-067E0C1E8DF2}"/>
               </a:ext>
             </a:extLst>
           </p:cNvPr>
@@ -13228,7 +13228,7 @@
             <a:hlinkClick r:id="rId2"/>
             <a:extLst>
               <a:ext uri="{FF2B5EF4-FFF2-40B4-BE49-F238E27FC236}">
-                <a16:creationId xmlns="" xmlns:a16="http://schemas.microsoft.com/office/drawing/2014/main" id="{F376ABD1-4930-42EB-9A73-9A9C7C6BF2D3}"/>
+                <a16:creationId xmlns:a16="http://schemas.microsoft.com/office/drawing/2014/main" xmlns="" id="{F376ABD1-4930-42EB-9A73-9A9C7C6BF2D3}"/>
               </a:ext>
             </a:extLst>
           </p:cNvPr>
@@ -13273,7 +13273,7 @@
           <p:cNvPr id="23" name="Retângulo 43">
             <a:extLst>
               <a:ext uri="{FF2B5EF4-FFF2-40B4-BE49-F238E27FC236}">
-                <a16:creationId xmlns="" xmlns:a16="http://schemas.microsoft.com/office/drawing/2014/main" id="{834ADCB4-BFB1-450D-8F6D-64217F4CD92C}"/>
+                <a16:creationId xmlns:a16="http://schemas.microsoft.com/office/drawing/2014/main" xmlns="" id="{834ADCB4-BFB1-450D-8F6D-64217F4CD92C}"/>
               </a:ext>
             </a:extLst>
           </p:cNvPr>
@@ -13349,7 +13349,7 @@
           <p:cNvPr id="20" name="Graphic 19">
             <a:extLst>
               <a:ext uri="{FF2B5EF4-FFF2-40B4-BE49-F238E27FC236}">
-                <a16:creationId xmlns="" xmlns:a16="http://schemas.microsoft.com/office/drawing/2014/main" id="{F28BC1D5-366F-454F-B964-C24C14979142}"/>
+                <a16:creationId xmlns:a16="http://schemas.microsoft.com/office/drawing/2014/main" xmlns="" id="{F28BC1D5-366F-454F-B964-C24C14979142}"/>
               </a:ext>
             </a:extLst>
           </p:cNvPr>
@@ -13362,7 +13362,7 @@
           <a:blip r:embed="rId2">
             <a:extLst>
               <a:ext uri="{96DAC541-7B7A-43D3-8B79-37D633B846F1}">
-                <asvg:svgBlip xmlns="" xmlns:asvg="http://schemas.microsoft.com/office/drawing/2016/SVG/main" r:embed="rId3"/>
+                <asvg:svgBlip xmlns:asvg="http://schemas.microsoft.com/office/drawing/2016/SVG/main" xmlns="" r:embed="rId3"/>
               </a:ext>
             </a:extLst>
           </a:blip>
@@ -13385,7 +13385,7 @@
           <p:cNvPr id="4" name="Rectangle 3">
             <a:extLst>
               <a:ext uri="{FF2B5EF4-FFF2-40B4-BE49-F238E27FC236}">
-                <a16:creationId xmlns="" xmlns:a16="http://schemas.microsoft.com/office/drawing/2014/main" id="{9653C8D1-E525-4A1D-BA42-B310FCE0AA96}"/>
+                <a16:creationId xmlns:a16="http://schemas.microsoft.com/office/drawing/2014/main" xmlns="" id="{9653C8D1-E525-4A1D-BA42-B310FCE0AA96}"/>
               </a:ext>
             </a:extLst>
           </p:cNvPr>
@@ -13441,7 +13441,7 @@
           <p:cNvPr id="5" name="Rectangle 4">
             <a:extLst>
               <a:ext uri="{FF2B5EF4-FFF2-40B4-BE49-F238E27FC236}">
-                <a16:creationId xmlns="" xmlns:a16="http://schemas.microsoft.com/office/drawing/2014/main" id="{5D624820-6891-4116-9EE3-E6D3B41D5557}"/>
+                <a16:creationId xmlns:a16="http://schemas.microsoft.com/office/drawing/2014/main" xmlns="" id="{5D624820-6891-4116-9EE3-E6D3B41D5557}"/>
               </a:ext>
             </a:extLst>
           </p:cNvPr>
@@ -13497,7 +13497,7 @@
           <p:cNvPr id="6" name="Rectangle 5">
             <a:extLst>
               <a:ext uri="{FF2B5EF4-FFF2-40B4-BE49-F238E27FC236}">
-                <a16:creationId xmlns="" xmlns:a16="http://schemas.microsoft.com/office/drawing/2014/main" id="{4ED1E18D-CB5A-40D2-9E0C-21B1DC24C582}"/>
+                <a16:creationId xmlns:a16="http://schemas.microsoft.com/office/drawing/2014/main" xmlns="" id="{4ED1E18D-CB5A-40D2-9E0C-21B1DC24C582}"/>
               </a:ext>
             </a:extLst>
           </p:cNvPr>
@@ -13553,7 +13553,7 @@
           <p:cNvPr id="31" name="Text Placeholder 4">
             <a:extLst>
               <a:ext uri="{FF2B5EF4-FFF2-40B4-BE49-F238E27FC236}">
-                <a16:creationId xmlns="" xmlns:a16="http://schemas.microsoft.com/office/drawing/2014/main" id="{5714BE43-18D4-460E-A270-8F2FA1EB1FE6}"/>
+                <a16:creationId xmlns:a16="http://schemas.microsoft.com/office/drawing/2014/main" xmlns="" id="{5714BE43-18D4-460E-A270-8F2FA1EB1FE6}"/>
               </a:ext>
             </a:extLst>
           </p:cNvPr>
@@ -13616,7 +13616,7 @@
           <p:cNvPr id="32" name="Text Placeholder 7">
             <a:extLst>
               <a:ext uri="{FF2B5EF4-FFF2-40B4-BE49-F238E27FC236}">
-                <a16:creationId xmlns="" xmlns:a16="http://schemas.microsoft.com/office/drawing/2014/main" id="{DF3E2A1A-B668-4C6F-87C6-8F37A241C2C0}"/>
+                <a16:creationId xmlns:a16="http://schemas.microsoft.com/office/drawing/2014/main" xmlns="" id="{DF3E2A1A-B668-4C6F-87C6-8F37A241C2C0}"/>
               </a:ext>
             </a:extLst>
           </p:cNvPr>
@@ -13707,7 +13707,7 @@
           <p:cNvPr id="33" name="Text Placeholder 4">
             <a:extLst>
               <a:ext uri="{FF2B5EF4-FFF2-40B4-BE49-F238E27FC236}">
-                <a16:creationId xmlns="" xmlns:a16="http://schemas.microsoft.com/office/drawing/2014/main" id="{A44485C3-4220-46B7-B1FC-AB2889C2B910}"/>
+                <a16:creationId xmlns:a16="http://schemas.microsoft.com/office/drawing/2014/main" xmlns="" id="{A44485C3-4220-46B7-B1FC-AB2889C2B910}"/>
               </a:ext>
             </a:extLst>
           </p:cNvPr>
@@ -13770,7 +13770,7 @@
           <p:cNvPr id="35" name="Text Placeholder 4">
             <a:extLst>
               <a:ext uri="{FF2B5EF4-FFF2-40B4-BE49-F238E27FC236}">
-                <a16:creationId xmlns="" xmlns:a16="http://schemas.microsoft.com/office/drawing/2014/main" id="{310CE3C3-B1E7-4F6F-B7BE-DF93DF2ACD74}"/>
+                <a16:creationId xmlns:a16="http://schemas.microsoft.com/office/drawing/2014/main" xmlns="" id="{310CE3C3-B1E7-4F6F-B7BE-DF93DF2ACD74}"/>
               </a:ext>
             </a:extLst>
           </p:cNvPr>
@@ -13833,7 +13833,7 @@
           <p:cNvPr id="37" name="Text Placeholder 7">
             <a:extLst>
               <a:ext uri="{FF2B5EF4-FFF2-40B4-BE49-F238E27FC236}">
-                <a16:creationId xmlns="" xmlns:a16="http://schemas.microsoft.com/office/drawing/2014/main" id="{32047331-01BE-47AE-BC0C-B787B1E9553B}"/>
+                <a16:creationId xmlns:a16="http://schemas.microsoft.com/office/drawing/2014/main" xmlns="" id="{32047331-01BE-47AE-BC0C-B787B1E9553B}"/>
               </a:ext>
             </a:extLst>
           </p:cNvPr>
@@ -13903,7 +13903,7 @@
           <p:cNvPr id="15" name="Graphic 14">
             <a:extLst>
               <a:ext uri="{FF2B5EF4-FFF2-40B4-BE49-F238E27FC236}">
-                <a16:creationId xmlns="" xmlns:a16="http://schemas.microsoft.com/office/drawing/2014/main" id="{CA70D5E4-F0EE-4368-A09C-60021E85A04E}"/>
+                <a16:creationId xmlns:a16="http://schemas.microsoft.com/office/drawing/2014/main" xmlns="" id="{CA70D5E4-F0EE-4368-A09C-60021E85A04E}"/>
               </a:ext>
             </a:extLst>
           </p:cNvPr>
@@ -13916,7 +13916,7 @@
           <a:blip r:embed="rId4">
             <a:extLst>
               <a:ext uri="{96DAC541-7B7A-43D3-8B79-37D633B846F1}">
-                <asvg:svgBlip xmlns="" xmlns:asvg="http://schemas.microsoft.com/office/drawing/2016/SVG/main" r:embed="rId5"/>
+                <asvg:svgBlip xmlns:asvg="http://schemas.microsoft.com/office/drawing/2016/SVG/main" xmlns="" r:embed="rId5"/>
               </a:ext>
             </a:extLst>
           </a:blip>
@@ -13938,7 +13938,7 @@
           <p:cNvPr id="26" name="Title Placeholder 1">
             <a:extLst>
               <a:ext uri="{FF2B5EF4-FFF2-40B4-BE49-F238E27FC236}">
-                <a16:creationId xmlns="" xmlns:a16="http://schemas.microsoft.com/office/drawing/2014/main" id="{552BBB0A-405D-419D-8BD5-EC8D9F84B795}"/>
+                <a16:creationId xmlns:a16="http://schemas.microsoft.com/office/drawing/2014/main" xmlns="" id="{552BBB0A-405D-419D-8BD5-EC8D9F84B795}"/>
               </a:ext>
             </a:extLst>
           </p:cNvPr>
@@ -13986,7 +13986,7 @@
           <p:cNvPr id="27" name="Retângulo 43">
             <a:extLst>
               <a:ext uri="{FF2B5EF4-FFF2-40B4-BE49-F238E27FC236}">
-                <a16:creationId xmlns="" xmlns:a16="http://schemas.microsoft.com/office/drawing/2014/main" id="{25FC8637-25BD-4C09-AF25-56B4243DAB3D}"/>
+                <a16:creationId xmlns:a16="http://schemas.microsoft.com/office/drawing/2014/main" xmlns="" id="{25FC8637-25BD-4C09-AF25-56B4243DAB3D}"/>
               </a:ext>
             </a:extLst>
           </p:cNvPr>
@@ -14039,7 +14039,7 @@
           <p:cNvPr id="28" name="Conector reto 49">
             <a:extLst>
               <a:ext uri="{FF2B5EF4-FFF2-40B4-BE49-F238E27FC236}">
-                <a16:creationId xmlns="" xmlns:a16="http://schemas.microsoft.com/office/drawing/2014/main" id="{6B6D7F6B-C184-4C2B-8EB7-067E0C1E8DF2}"/>
+                <a16:creationId xmlns:a16="http://schemas.microsoft.com/office/drawing/2014/main" xmlns="" id="{6B6D7F6B-C184-4C2B-8EB7-067E0C1E8DF2}"/>
               </a:ext>
             </a:extLst>
           </p:cNvPr>
@@ -14087,7 +14087,7 @@
             <a:hlinkClick r:id="rId6"/>
             <a:extLst>
               <a:ext uri="{FF2B5EF4-FFF2-40B4-BE49-F238E27FC236}">
-                <a16:creationId xmlns="" xmlns:a16="http://schemas.microsoft.com/office/drawing/2014/main" id="{F376ABD1-4930-42EB-9A73-9A9C7C6BF2D3}"/>
+                <a16:creationId xmlns:a16="http://schemas.microsoft.com/office/drawing/2014/main" xmlns="" id="{F376ABD1-4930-42EB-9A73-9A9C7C6BF2D3}"/>
               </a:ext>
             </a:extLst>
           </p:cNvPr>
@@ -14132,7 +14132,7 @@
           <p:cNvPr id="38" name="Retângulo 43">
             <a:extLst>
               <a:ext uri="{FF2B5EF4-FFF2-40B4-BE49-F238E27FC236}">
-                <a16:creationId xmlns="" xmlns:a16="http://schemas.microsoft.com/office/drawing/2014/main" id="{834ADCB4-BFB1-450D-8F6D-64217F4CD92C}"/>
+                <a16:creationId xmlns:a16="http://schemas.microsoft.com/office/drawing/2014/main" xmlns="" id="{834ADCB4-BFB1-450D-8F6D-64217F4CD92C}"/>
               </a:ext>
             </a:extLst>
           </p:cNvPr>
@@ -14173,7 +14173,7 @@
           <p:cNvPr id="39" name="Text Placeholder 7">
             <a:extLst>
               <a:ext uri="{FF2B5EF4-FFF2-40B4-BE49-F238E27FC236}">
-                <a16:creationId xmlns="" xmlns:a16="http://schemas.microsoft.com/office/drawing/2014/main" id="{DF3E2A1A-B668-4C6F-87C6-8F37A241C2C0}"/>
+                <a16:creationId xmlns:a16="http://schemas.microsoft.com/office/drawing/2014/main" xmlns="" id="{DF3E2A1A-B668-4C6F-87C6-8F37A241C2C0}"/>
               </a:ext>
             </a:extLst>
           </p:cNvPr>
@@ -14273,7 +14273,7 @@
           <p:cNvPr id="40" name="Text Placeholder 7">
             <a:extLst>
               <a:ext uri="{FF2B5EF4-FFF2-40B4-BE49-F238E27FC236}">
-                <a16:creationId xmlns="" xmlns:a16="http://schemas.microsoft.com/office/drawing/2014/main" id="{DF3E2A1A-B668-4C6F-87C6-8F37A241C2C0}"/>
+                <a16:creationId xmlns:a16="http://schemas.microsoft.com/office/drawing/2014/main" xmlns="" id="{DF3E2A1A-B668-4C6F-87C6-8F37A241C2C0}"/>
               </a:ext>
             </a:extLst>
           </p:cNvPr>
@@ -14408,7 +14408,7 @@
           <p:cNvPr id="41" name="Oval 20">
             <a:extLst>
               <a:ext uri="{FF2B5EF4-FFF2-40B4-BE49-F238E27FC236}">
-                <a16:creationId xmlns="" xmlns:a16="http://schemas.microsoft.com/office/drawing/2014/main" id="{ADB39E78-E9B7-40CD-9999-E8302C610DC2}"/>
+                <a16:creationId xmlns:a16="http://schemas.microsoft.com/office/drawing/2014/main" xmlns="" id="{ADB39E78-E9B7-40CD-9999-E8302C610DC2}"/>
               </a:ext>
             </a:extLst>
           </p:cNvPr>
@@ -14623,7 +14623,7 @@
           <p:cNvPr id="42" name="Oval 20">
             <a:extLst>
               <a:ext uri="{FF2B5EF4-FFF2-40B4-BE49-F238E27FC236}">
-                <a16:creationId xmlns="" xmlns:a16="http://schemas.microsoft.com/office/drawing/2014/main" id="{80DEC651-0810-4FD4-A2CA-C54974433D45}"/>
+                <a16:creationId xmlns:a16="http://schemas.microsoft.com/office/drawing/2014/main" xmlns="" id="{80DEC651-0810-4FD4-A2CA-C54974433D45}"/>
               </a:ext>
             </a:extLst>
           </p:cNvPr>
@@ -14838,7 +14838,7 @@
           <p:cNvPr id="43" name="Oval 20">
             <a:extLst>
               <a:ext uri="{FF2B5EF4-FFF2-40B4-BE49-F238E27FC236}">
-                <a16:creationId xmlns="" xmlns:a16="http://schemas.microsoft.com/office/drawing/2014/main" id="{4F0142AD-298C-4A60-9F24-035D4F3F07D0}"/>
+                <a16:creationId xmlns:a16="http://schemas.microsoft.com/office/drawing/2014/main" xmlns="" id="{4F0142AD-298C-4A60-9F24-035D4F3F07D0}"/>
               </a:ext>
             </a:extLst>
           </p:cNvPr>
@@ -15053,7 +15053,7 @@
           <p:cNvPr id="13" name="Rectangle 12">
             <a:extLst>
               <a:ext uri="{FF2B5EF4-FFF2-40B4-BE49-F238E27FC236}">
-                <a16:creationId xmlns="" xmlns:a16="http://schemas.microsoft.com/office/drawing/2014/main" id="{9455EBB8-DB3C-45D2-B02F-0B36A58E555B}"/>
+                <a16:creationId xmlns:a16="http://schemas.microsoft.com/office/drawing/2014/main" xmlns="" id="{9455EBB8-DB3C-45D2-B02F-0B36A58E555B}"/>
               </a:ext>
             </a:extLst>
           </p:cNvPr>
@@ -15109,7 +15109,7 @@
           <p:cNvPr id="14" name="Graphic 41">
             <a:extLst>
               <a:ext uri="{FF2B5EF4-FFF2-40B4-BE49-F238E27FC236}">
-                <a16:creationId xmlns="" xmlns:a16="http://schemas.microsoft.com/office/drawing/2014/main" id="{39882BC4-7320-49FC-B1BE-AEB377EFC01A}"/>
+                <a16:creationId xmlns:a16="http://schemas.microsoft.com/office/drawing/2014/main" xmlns="" id="{39882BC4-7320-49FC-B1BE-AEB377EFC01A}"/>
               </a:ext>
             </a:extLst>
           </p:cNvPr>
@@ -15122,7 +15122,7 @@
           <a:blip r:embed="rId2">
             <a:extLst>
               <a:ext uri="{96DAC541-7B7A-43D3-8B79-37D633B846F1}">
-                <asvg:svgBlip xmlns="" xmlns:asvg="http://schemas.microsoft.com/office/drawing/2016/SVG/main" r:embed="rId3"/>
+                <asvg:svgBlip xmlns:asvg="http://schemas.microsoft.com/office/drawing/2016/SVG/main" xmlns="" r:embed="rId3"/>
               </a:ext>
             </a:extLst>
           </a:blip>
@@ -15197,7 +15197,7 @@
           <p:cNvPr id="24" name="Text Placeholder 4">
             <a:extLst>
               <a:ext uri="{FF2B5EF4-FFF2-40B4-BE49-F238E27FC236}">
-                <a16:creationId xmlns="" xmlns:a16="http://schemas.microsoft.com/office/drawing/2014/main" id="{B7C16A20-D927-494E-94A9-49AF2E1FA010}"/>
+                <a16:creationId xmlns:a16="http://schemas.microsoft.com/office/drawing/2014/main" xmlns="" id="{B7C16A20-D927-494E-94A9-49AF2E1FA010}"/>
               </a:ext>
             </a:extLst>
           </p:cNvPr>
@@ -15260,7 +15260,7 @@
           <p:cNvPr id="25" name="Text Placeholder 4">
             <a:extLst>
               <a:ext uri="{FF2B5EF4-FFF2-40B4-BE49-F238E27FC236}">
-                <a16:creationId xmlns="" xmlns:a16="http://schemas.microsoft.com/office/drawing/2014/main" id="{936BACCD-6FBF-486E-81CB-3462560DA2CE}"/>
+                <a16:creationId xmlns:a16="http://schemas.microsoft.com/office/drawing/2014/main" xmlns="" id="{936BACCD-6FBF-486E-81CB-3462560DA2CE}"/>
               </a:ext>
             </a:extLst>
           </p:cNvPr>
@@ -15323,7 +15323,7 @@
           <p:cNvPr id="26" name="Text Placeholder 4">
             <a:extLst>
               <a:ext uri="{FF2B5EF4-FFF2-40B4-BE49-F238E27FC236}">
-                <a16:creationId xmlns="" xmlns:a16="http://schemas.microsoft.com/office/drawing/2014/main" id="{48E9C506-31EA-4D04-B660-3B4DB0704112}"/>
+                <a16:creationId xmlns:a16="http://schemas.microsoft.com/office/drawing/2014/main" xmlns="" id="{48E9C506-31EA-4D04-B660-3B4DB0704112}"/>
               </a:ext>
             </a:extLst>
           </p:cNvPr>
@@ -15386,7 +15386,7 @@
           <p:cNvPr id="27" name="Text Placeholder 7">
             <a:extLst>
               <a:ext uri="{FF2B5EF4-FFF2-40B4-BE49-F238E27FC236}">
-                <a16:creationId xmlns="" xmlns:a16="http://schemas.microsoft.com/office/drawing/2014/main" id="{9949BCD6-E419-4ED2-9061-402DD5FF2406}"/>
+                <a16:creationId xmlns:a16="http://schemas.microsoft.com/office/drawing/2014/main" xmlns="" id="{9949BCD6-E419-4ED2-9061-402DD5FF2406}"/>
               </a:ext>
             </a:extLst>
           </p:cNvPr>
@@ -15486,7 +15486,7 @@
           <p:cNvPr id="15" name="Title Placeholder 1">
             <a:extLst>
               <a:ext uri="{FF2B5EF4-FFF2-40B4-BE49-F238E27FC236}">
-                <a16:creationId xmlns="" xmlns:a16="http://schemas.microsoft.com/office/drawing/2014/main" id="{552BBB0A-405D-419D-8BD5-EC8D9F84B795}"/>
+                <a16:creationId xmlns:a16="http://schemas.microsoft.com/office/drawing/2014/main" xmlns="" id="{552BBB0A-405D-419D-8BD5-EC8D9F84B795}"/>
               </a:ext>
             </a:extLst>
           </p:cNvPr>
@@ -15538,7 +15538,7 @@
           <p:cNvPr id="16" name="Text Placeholder 4">
             <a:extLst>
               <a:ext uri="{FF2B5EF4-FFF2-40B4-BE49-F238E27FC236}">
-                <a16:creationId xmlns="" xmlns:a16="http://schemas.microsoft.com/office/drawing/2014/main" id="{04C1CAD0-39C3-4CE2-A9E9-8CA99EFF5357}"/>
+                <a16:creationId xmlns:a16="http://schemas.microsoft.com/office/drawing/2014/main" xmlns="" id="{04C1CAD0-39C3-4CE2-A9E9-8CA99EFF5357}"/>
               </a:ext>
             </a:extLst>
           </p:cNvPr>
@@ -15598,7 +15598,7 @@
           <p:cNvPr id="17" name="Text Placeholder 7">
             <a:extLst>
               <a:ext uri="{FF2B5EF4-FFF2-40B4-BE49-F238E27FC236}">
-                <a16:creationId xmlns="" xmlns:a16="http://schemas.microsoft.com/office/drawing/2014/main" id="{9228FC83-C11D-47F2-8BDE-B10D125E5E87}"/>
+                <a16:creationId xmlns:a16="http://schemas.microsoft.com/office/drawing/2014/main" xmlns="" id="{9228FC83-C11D-47F2-8BDE-B10D125E5E87}"/>
               </a:ext>
             </a:extLst>
           </p:cNvPr>
@@ -15718,7 +15718,7 @@
           <p:cNvPr id="33" name="Text Placeholder 4">
             <a:extLst>
               <a:ext uri="{FF2B5EF4-FFF2-40B4-BE49-F238E27FC236}">
-                <a16:creationId xmlns="" xmlns:a16="http://schemas.microsoft.com/office/drawing/2014/main" id="{04C1CAD0-39C3-4CE2-A9E9-8CA99EFF5357}"/>
+                <a16:creationId xmlns:a16="http://schemas.microsoft.com/office/drawing/2014/main" xmlns="" id="{04C1CAD0-39C3-4CE2-A9E9-8CA99EFF5357}"/>
               </a:ext>
             </a:extLst>
           </p:cNvPr>
@@ -15778,7 +15778,7 @@
           <p:cNvPr id="34" name="Text Placeholder 7">
             <a:extLst>
               <a:ext uri="{FF2B5EF4-FFF2-40B4-BE49-F238E27FC236}">
-                <a16:creationId xmlns="" xmlns:a16="http://schemas.microsoft.com/office/drawing/2014/main" id="{9228FC83-C11D-47F2-8BDE-B10D125E5E87}"/>
+                <a16:creationId xmlns:a16="http://schemas.microsoft.com/office/drawing/2014/main" xmlns="" id="{9228FC83-C11D-47F2-8BDE-B10D125E5E87}"/>
               </a:ext>
             </a:extLst>
           </p:cNvPr>
@@ -15898,7 +15898,7 @@
           <p:cNvPr id="35" name="Text Placeholder 4">
             <a:extLst>
               <a:ext uri="{FF2B5EF4-FFF2-40B4-BE49-F238E27FC236}">
-                <a16:creationId xmlns="" xmlns:a16="http://schemas.microsoft.com/office/drawing/2014/main" id="{04C1CAD0-39C3-4CE2-A9E9-8CA99EFF5357}"/>
+                <a16:creationId xmlns:a16="http://schemas.microsoft.com/office/drawing/2014/main" xmlns="" id="{04C1CAD0-39C3-4CE2-A9E9-8CA99EFF5357}"/>
               </a:ext>
             </a:extLst>
           </p:cNvPr>
@@ -15958,7 +15958,7 @@
           <p:cNvPr id="36" name="Text Placeholder 7">
             <a:extLst>
               <a:ext uri="{FF2B5EF4-FFF2-40B4-BE49-F238E27FC236}">
-                <a16:creationId xmlns="" xmlns:a16="http://schemas.microsoft.com/office/drawing/2014/main" id="{9228FC83-C11D-47F2-8BDE-B10D125E5E87}"/>
+                <a16:creationId xmlns:a16="http://schemas.microsoft.com/office/drawing/2014/main" xmlns="" id="{9228FC83-C11D-47F2-8BDE-B10D125E5E87}"/>
               </a:ext>
             </a:extLst>
           </p:cNvPr>
@@ -16078,7 +16078,7 @@
           <p:cNvPr id="37" name="Retângulo 43">
             <a:extLst>
               <a:ext uri="{FF2B5EF4-FFF2-40B4-BE49-F238E27FC236}">
-                <a16:creationId xmlns="" xmlns:a16="http://schemas.microsoft.com/office/drawing/2014/main" id="{25FC8637-25BD-4C09-AF25-56B4243DAB3D}"/>
+                <a16:creationId xmlns:a16="http://schemas.microsoft.com/office/drawing/2014/main" xmlns="" id="{25FC8637-25BD-4C09-AF25-56B4243DAB3D}"/>
               </a:ext>
             </a:extLst>
           </p:cNvPr>
@@ -16132,7 +16132,7 @@
             <a:hlinkClick r:id="rId4"/>
             <a:extLst>
               <a:ext uri="{FF2B5EF4-FFF2-40B4-BE49-F238E27FC236}">
-                <a16:creationId xmlns="" xmlns:a16="http://schemas.microsoft.com/office/drawing/2014/main" id="{F376ABD1-4930-42EB-9A73-9A9C7C6BF2D3}"/>
+                <a16:creationId xmlns:a16="http://schemas.microsoft.com/office/drawing/2014/main" xmlns="" id="{F376ABD1-4930-42EB-9A73-9A9C7C6BF2D3}"/>
               </a:ext>
             </a:extLst>
           </p:cNvPr>
@@ -16177,7 +16177,7 @@
           <p:cNvPr id="40" name="Retângulo 43">
             <a:extLst>
               <a:ext uri="{FF2B5EF4-FFF2-40B4-BE49-F238E27FC236}">
-                <a16:creationId xmlns="" xmlns:a16="http://schemas.microsoft.com/office/drawing/2014/main" id="{834ADCB4-BFB1-450D-8F6D-64217F4CD92C}"/>
+                <a16:creationId xmlns:a16="http://schemas.microsoft.com/office/drawing/2014/main" xmlns="" id="{834ADCB4-BFB1-450D-8F6D-64217F4CD92C}"/>
               </a:ext>
             </a:extLst>
           </p:cNvPr>
@@ -16248,7 +16248,7 @@
           <p:cNvPr id="18" name="Picture Placeholder 17">
             <a:extLst>
               <a:ext uri="{FF2B5EF4-FFF2-40B4-BE49-F238E27FC236}">
-                <a16:creationId xmlns="" xmlns:a16="http://schemas.microsoft.com/office/drawing/2014/main" id="{EC1A94F9-DC7A-4538-8277-70A44CA10105}"/>
+                <a16:creationId xmlns:a16="http://schemas.microsoft.com/office/drawing/2014/main" xmlns="" id="{EC1A94F9-DC7A-4538-8277-70A44CA10105}"/>
               </a:ext>
             </a:extLst>
           </p:cNvPr>
@@ -16288,7 +16288,7 @@
           <p:cNvPr id="19" name="Picture Placeholder 17">
             <a:extLst>
               <a:ext uri="{FF2B5EF4-FFF2-40B4-BE49-F238E27FC236}">
-                <a16:creationId xmlns="" xmlns:a16="http://schemas.microsoft.com/office/drawing/2014/main" id="{74E803A8-AB56-45EC-B2C1-515FBB73BB37}"/>
+                <a16:creationId xmlns:a16="http://schemas.microsoft.com/office/drawing/2014/main" xmlns="" id="{74E803A8-AB56-45EC-B2C1-515FBB73BB37}"/>
               </a:ext>
             </a:extLst>
           </p:cNvPr>
@@ -16328,7 +16328,7 @@
           <p:cNvPr id="20" name="Picture Placeholder 17">
             <a:extLst>
               <a:ext uri="{FF2B5EF4-FFF2-40B4-BE49-F238E27FC236}">
-                <a16:creationId xmlns="" xmlns:a16="http://schemas.microsoft.com/office/drawing/2014/main" id="{9D1BE315-6BE9-4C05-9EDD-2BF1E943154E}"/>
+                <a16:creationId xmlns:a16="http://schemas.microsoft.com/office/drawing/2014/main" xmlns="" id="{9D1BE315-6BE9-4C05-9EDD-2BF1E943154E}"/>
               </a:ext>
             </a:extLst>
           </p:cNvPr>
@@ -16368,7 +16368,7 @@
           <p:cNvPr id="21" name="Picture Placeholder 17">
             <a:extLst>
               <a:ext uri="{FF2B5EF4-FFF2-40B4-BE49-F238E27FC236}">
-                <a16:creationId xmlns="" xmlns:a16="http://schemas.microsoft.com/office/drawing/2014/main" id="{1281E9B6-7C84-4FF5-B198-C8FC0C8924EE}"/>
+                <a16:creationId xmlns:a16="http://schemas.microsoft.com/office/drawing/2014/main" xmlns="" id="{1281E9B6-7C84-4FF5-B198-C8FC0C8924EE}"/>
               </a:ext>
             </a:extLst>
           </p:cNvPr>
@@ -16408,7 +16408,7 @@
           <p:cNvPr id="11" name="Title Placeholder 1">
             <a:extLst>
               <a:ext uri="{FF2B5EF4-FFF2-40B4-BE49-F238E27FC236}">
-                <a16:creationId xmlns="" xmlns:a16="http://schemas.microsoft.com/office/drawing/2014/main" id="{552BBB0A-405D-419D-8BD5-EC8D9F84B795}"/>
+                <a16:creationId xmlns:a16="http://schemas.microsoft.com/office/drawing/2014/main" xmlns="" id="{552BBB0A-405D-419D-8BD5-EC8D9F84B795}"/>
               </a:ext>
             </a:extLst>
           </p:cNvPr>
@@ -16456,7 +16456,7 @@
           <p:cNvPr id="13" name="Retângulo 43">
             <a:extLst>
               <a:ext uri="{FF2B5EF4-FFF2-40B4-BE49-F238E27FC236}">
-                <a16:creationId xmlns="" xmlns:a16="http://schemas.microsoft.com/office/drawing/2014/main" id="{25FC8637-25BD-4C09-AF25-56B4243DAB3D}"/>
+                <a16:creationId xmlns:a16="http://schemas.microsoft.com/office/drawing/2014/main" xmlns="" id="{25FC8637-25BD-4C09-AF25-56B4243DAB3D}"/>
               </a:ext>
             </a:extLst>
           </p:cNvPr>
@@ -16509,7 +16509,7 @@
           <p:cNvPr id="14" name="Conector reto 49">
             <a:extLst>
               <a:ext uri="{FF2B5EF4-FFF2-40B4-BE49-F238E27FC236}">
-                <a16:creationId xmlns="" xmlns:a16="http://schemas.microsoft.com/office/drawing/2014/main" id="{6B6D7F6B-C184-4C2B-8EB7-067E0C1E8DF2}"/>
+                <a16:creationId xmlns:a16="http://schemas.microsoft.com/office/drawing/2014/main" xmlns="" id="{6B6D7F6B-C184-4C2B-8EB7-067E0C1E8DF2}"/>
               </a:ext>
             </a:extLst>
           </p:cNvPr>
@@ -16557,7 +16557,7 @@
             <a:hlinkClick r:id="rId2"/>
             <a:extLst>
               <a:ext uri="{FF2B5EF4-FFF2-40B4-BE49-F238E27FC236}">
-                <a16:creationId xmlns="" xmlns:a16="http://schemas.microsoft.com/office/drawing/2014/main" id="{F376ABD1-4930-42EB-9A73-9A9C7C6BF2D3}"/>
+                <a16:creationId xmlns:a16="http://schemas.microsoft.com/office/drawing/2014/main" xmlns="" id="{F376ABD1-4930-42EB-9A73-9A9C7C6BF2D3}"/>
               </a:ext>
             </a:extLst>
           </p:cNvPr>
@@ -16602,7 +16602,7 @@
           <p:cNvPr id="16" name="Retângulo 43">
             <a:extLst>
               <a:ext uri="{FF2B5EF4-FFF2-40B4-BE49-F238E27FC236}">
-                <a16:creationId xmlns="" xmlns:a16="http://schemas.microsoft.com/office/drawing/2014/main" id="{834ADCB4-BFB1-450D-8F6D-64217F4CD92C}"/>
+                <a16:creationId xmlns:a16="http://schemas.microsoft.com/office/drawing/2014/main" xmlns="" id="{834ADCB4-BFB1-450D-8F6D-64217F4CD92C}"/>
               </a:ext>
             </a:extLst>
           </p:cNvPr>
@@ -16643,7 +16643,7 @@
           <p:cNvPr id="17" name="Text Placeholder 7">
             <a:extLst>
               <a:ext uri="{FF2B5EF4-FFF2-40B4-BE49-F238E27FC236}">
-                <a16:creationId xmlns="" xmlns:a16="http://schemas.microsoft.com/office/drawing/2014/main" id="{9228FC83-C11D-47F2-8BDE-B10D125E5E87}"/>
+                <a16:creationId xmlns:a16="http://schemas.microsoft.com/office/drawing/2014/main" xmlns="" id="{9228FC83-C11D-47F2-8BDE-B10D125E5E87}"/>
               </a:ext>
             </a:extLst>
           </p:cNvPr>
@@ -16763,7 +16763,7 @@
           <p:cNvPr id="24" name="Text Placeholder 7">
             <a:extLst>
               <a:ext uri="{FF2B5EF4-FFF2-40B4-BE49-F238E27FC236}">
-                <a16:creationId xmlns="" xmlns:a16="http://schemas.microsoft.com/office/drawing/2014/main" id="{9228FC83-C11D-47F2-8BDE-B10D125E5E87}"/>
+                <a16:creationId xmlns:a16="http://schemas.microsoft.com/office/drawing/2014/main" xmlns="" id="{9228FC83-C11D-47F2-8BDE-B10D125E5E87}"/>
               </a:ext>
             </a:extLst>
           </p:cNvPr>
@@ -16883,7 +16883,7 @@
           <p:cNvPr id="27" name="Text Placeholder 7">
             <a:extLst>
               <a:ext uri="{FF2B5EF4-FFF2-40B4-BE49-F238E27FC236}">
-                <a16:creationId xmlns="" xmlns:a16="http://schemas.microsoft.com/office/drawing/2014/main" id="{9228FC83-C11D-47F2-8BDE-B10D125E5E87}"/>
+                <a16:creationId xmlns:a16="http://schemas.microsoft.com/office/drawing/2014/main" xmlns="" id="{9228FC83-C11D-47F2-8BDE-B10D125E5E87}"/>
               </a:ext>
             </a:extLst>
           </p:cNvPr>
@@ -17003,7 +17003,7 @@
           <p:cNvPr id="28" name="Text Placeholder 7">
             <a:extLst>
               <a:ext uri="{FF2B5EF4-FFF2-40B4-BE49-F238E27FC236}">
-                <a16:creationId xmlns="" xmlns:a16="http://schemas.microsoft.com/office/drawing/2014/main" id="{9228FC83-C11D-47F2-8BDE-B10D125E5E87}"/>
+                <a16:creationId xmlns:a16="http://schemas.microsoft.com/office/drawing/2014/main" xmlns="" id="{9228FC83-C11D-47F2-8BDE-B10D125E5E87}"/>
               </a:ext>
             </a:extLst>
           </p:cNvPr>
@@ -17153,7 +17153,7 @@
           <p:cNvPr id="15" name="Text Placeholder 4">
             <a:extLst>
               <a:ext uri="{FF2B5EF4-FFF2-40B4-BE49-F238E27FC236}">
-                <a16:creationId xmlns="" xmlns:a16="http://schemas.microsoft.com/office/drawing/2014/main" id="{38EB8B05-1295-4FBE-8D2F-3BFEB534AE51}"/>
+                <a16:creationId xmlns:a16="http://schemas.microsoft.com/office/drawing/2014/main" xmlns="" id="{38EB8B05-1295-4FBE-8D2F-3BFEB534AE51}"/>
               </a:ext>
             </a:extLst>
           </p:cNvPr>
@@ -17216,7 +17216,7 @@
           <p:cNvPr id="16" name="Text Placeholder 4">
             <a:extLst>
               <a:ext uri="{FF2B5EF4-FFF2-40B4-BE49-F238E27FC236}">
-                <a16:creationId xmlns="" xmlns:a16="http://schemas.microsoft.com/office/drawing/2014/main" id="{89F369BB-997D-4351-8E94-506F593BC826}"/>
+                <a16:creationId xmlns:a16="http://schemas.microsoft.com/office/drawing/2014/main" xmlns="" id="{89F369BB-997D-4351-8E94-506F593BC826}"/>
               </a:ext>
             </a:extLst>
           </p:cNvPr>
@@ -17279,7 +17279,7 @@
           <p:cNvPr id="17" name="Text Placeholder 7">
             <a:extLst>
               <a:ext uri="{FF2B5EF4-FFF2-40B4-BE49-F238E27FC236}">
-                <a16:creationId xmlns="" xmlns:a16="http://schemas.microsoft.com/office/drawing/2014/main" id="{1DC896E0-16D3-438F-B293-ED80E1183A74}"/>
+                <a16:creationId xmlns:a16="http://schemas.microsoft.com/office/drawing/2014/main" xmlns="" id="{1DC896E0-16D3-438F-B293-ED80E1183A74}"/>
               </a:ext>
             </a:extLst>
           </p:cNvPr>
@@ -17370,7 +17370,7 @@
           <p:cNvPr id="18" name="Text Placeholder 7">
             <a:extLst>
               <a:ext uri="{FF2B5EF4-FFF2-40B4-BE49-F238E27FC236}">
-                <a16:creationId xmlns="" xmlns:a16="http://schemas.microsoft.com/office/drawing/2014/main" id="{766AF42E-C565-4CFD-A0C6-69ADC5ED724D}"/>
+                <a16:creationId xmlns:a16="http://schemas.microsoft.com/office/drawing/2014/main" xmlns="" id="{766AF42E-C565-4CFD-A0C6-69ADC5ED724D}"/>
               </a:ext>
             </a:extLst>
           </p:cNvPr>
@@ -17440,7 +17440,7 @@
           <p:cNvPr id="19" name="Text Placeholder 7">
             <a:extLst>
               <a:ext uri="{FF2B5EF4-FFF2-40B4-BE49-F238E27FC236}">
-                <a16:creationId xmlns="" xmlns:a16="http://schemas.microsoft.com/office/drawing/2014/main" id="{FEEE7B4B-7781-4178-8912-CB53DC7910B1}"/>
+                <a16:creationId xmlns:a16="http://schemas.microsoft.com/office/drawing/2014/main" xmlns="" id="{FEEE7B4B-7781-4178-8912-CB53DC7910B1}"/>
               </a:ext>
             </a:extLst>
           </p:cNvPr>
@@ -17510,7 +17510,7 @@
           <p:cNvPr id="20" name="Text Placeholder 7">
             <a:extLst>
               <a:ext uri="{FF2B5EF4-FFF2-40B4-BE49-F238E27FC236}">
-                <a16:creationId xmlns="" xmlns:a16="http://schemas.microsoft.com/office/drawing/2014/main" id="{65D71B9F-4F61-41D4-A7CC-FD63E71DC5A6}"/>
+                <a16:creationId xmlns:a16="http://schemas.microsoft.com/office/drawing/2014/main" xmlns="" id="{65D71B9F-4F61-41D4-A7CC-FD63E71DC5A6}"/>
               </a:ext>
             </a:extLst>
           </p:cNvPr>
@@ -17580,7 +17580,7 @@
           <p:cNvPr id="21" name="Text Placeholder 7">
             <a:extLst>
               <a:ext uri="{FF2B5EF4-FFF2-40B4-BE49-F238E27FC236}">
-                <a16:creationId xmlns="" xmlns:a16="http://schemas.microsoft.com/office/drawing/2014/main" id="{1BD170B4-C089-4F45-8016-02293706DE36}"/>
+                <a16:creationId xmlns:a16="http://schemas.microsoft.com/office/drawing/2014/main" xmlns="" id="{1BD170B4-C089-4F45-8016-02293706DE36}"/>
               </a:ext>
             </a:extLst>
           </p:cNvPr>
@@ -17650,7 +17650,7 @@
           <p:cNvPr id="22" name="Freeform: Shape 21">
             <a:extLst>
               <a:ext uri="{FF2B5EF4-FFF2-40B4-BE49-F238E27FC236}">
-                <a16:creationId xmlns="" xmlns:a16="http://schemas.microsoft.com/office/drawing/2014/main" id="{E1D38B64-120F-4B33-BFE3-9536C55688C0}"/>
+                <a16:creationId xmlns:a16="http://schemas.microsoft.com/office/drawing/2014/main" xmlns="" id="{E1D38B64-120F-4B33-BFE3-9536C55688C0}"/>
               </a:ext>
             </a:extLst>
           </p:cNvPr>
@@ -17758,7 +17758,7 @@
           </a:ln>
           <a:extLst>
             <a:ext uri="{91240B29-F687-4f45-9708-019B960494DF}">
-              <a14:hiddenLine xmlns="" xmlns:a14="http://schemas.microsoft.com/office/drawing/2010/main" w="9525">
+              <a14:hiddenLine xmlns:a14="http://schemas.microsoft.com/office/drawing/2010/main" xmlns="" w="9525">
                 <a:solidFill>
                   <a:srgbClr val="000000"/>
                 </a:solidFill>
@@ -17791,7 +17791,7 @@
           <p:cNvPr id="23" name="Freeform 26">
             <a:extLst>
               <a:ext uri="{FF2B5EF4-FFF2-40B4-BE49-F238E27FC236}">
-                <a16:creationId xmlns="" xmlns:a16="http://schemas.microsoft.com/office/drawing/2014/main" id="{B017E329-98D6-4441-B449-FBAD88FAA377}"/>
+                <a16:creationId xmlns:a16="http://schemas.microsoft.com/office/drawing/2014/main" xmlns="" id="{B017E329-98D6-4441-B449-FBAD88FAA377}"/>
               </a:ext>
             </a:extLst>
           </p:cNvPr>
@@ -17914,7 +17914,7 @@
           </a:ln>
           <a:extLst>
             <a:ext uri="{91240B29-F687-4f45-9708-019B960494DF}">
-              <a14:hiddenLine xmlns="" xmlns:a14="http://schemas.microsoft.com/office/drawing/2010/main" w="9525">
+              <a14:hiddenLine xmlns:a14="http://schemas.microsoft.com/office/drawing/2010/main" xmlns="" w="9525">
                 <a:solidFill>
                   <a:srgbClr val="000000"/>
                 </a:solidFill>
@@ -17946,7 +17946,7 @@
           <p:cNvPr id="24" name="Freeform 27">
             <a:extLst>
               <a:ext uri="{FF2B5EF4-FFF2-40B4-BE49-F238E27FC236}">
-                <a16:creationId xmlns="" xmlns:a16="http://schemas.microsoft.com/office/drawing/2014/main" id="{8015E310-A729-4C80-936F-71D663EE6DA7}"/>
+                <a16:creationId xmlns:a16="http://schemas.microsoft.com/office/drawing/2014/main" xmlns="" id="{8015E310-A729-4C80-936F-71D663EE6DA7}"/>
               </a:ext>
             </a:extLst>
           </p:cNvPr>
@@ -18099,7 +18099,7 @@
           </a:ln>
           <a:extLst>
             <a:ext uri="{91240B29-F687-4f45-9708-019B960494DF}">
-              <a14:hiddenLine xmlns="" xmlns:a14="http://schemas.microsoft.com/office/drawing/2010/main" w="9525">
+              <a14:hiddenLine xmlns:a14="http://schemas.microsoft.com/office/drawing/2010/main" xmlns="" w="9525">
                 <a:solidFill>
                   <a:srgbClr val="000000"/>
                 </a:solidFill>
@@ -18131,7 +18131,7 @@
           <p:cNvPr id="25" name="Text Placeholder 7">
             <a:extLst>
               <a:ext uri="{FF2B5EF4-FFF2-40B4-BE49-F238E27FC236}">
-                <a16:creationId xmlns="" xmlns:a16="http://schemas.microsoft.com/office/drawing/2014/main" id="{BBB56F29-6918-4BD4-9377-61503A926466}"/>
+                <a16:creationId xmlns:a16="http://schemas.microsoft.com/office/drawing/2014/main" xmlns="" id="{BBB56F29-6918-4BD4-9377-61503A926466}"/>
               </a:ext>
             </a:extLst>
           </p:cNvPr>
@@ -18208,7 +18208,7 @@
           <p:cNvPr id="13" name="Retângulo 43">
             <a:extLst>
               <a:ext uri="{FF2B5EF4-FFF2-40B4-BE49-F238E27FC236}">
-                <a16:creationId xmlns="" xmlns:a16="http://schemas.microsoft.com/office/drawing/2014/main" id="{25FC8637-25BD-4C09-AF25-56B4243DAB3D}"/>
+                <a16:creationId xmlns:a16="http://schemas.microsoft.com/office/drawing/2014/main" xmlns="" id="{25FC8637-25BD-4C09-AF25-56B4243DAB3D}"/>
               </a:ext>
             </a:extLst>
           </p:cNvPr>
@@ -18261,7 +18261,7 @@
           <p:cNvPr id="14" name="Conector reto 49">
             <a:extLst>
               <a:ext uri="{FF2B5EF4-FFF2-40B4-BE49-F238E27FC236}">
-                <a16:creationId xmlns="" xmlns:a16="http://schemas.microsoft.com/office/drawing/2014/main" id="{6B6D7F6B-C184-4C2B-8EB7-067E0C1E8DF2}"/>
+                <a16:creationId xmlns:a16="http://schemas.microsoft.com/office/drawing/2014/main" xmlns="" id="{6B6D7F6B-C184-4C2B-8EB7-067E0C1E8DF2}"/>
               </a:ext>
             </a:extLst>
           </p:cNvPr>
@@ -18309,7 +18309,7 @@
             <a:hlinkClick r:id="rId2"/>
             <a:extLst>
               <a:ext uri="{FF2B5EF4-FFF2-40B4-BE49-F238E27FC236}">
-                <a16:creationId xmlns="" xmlns:a16="http://schemas.microsoft.com/office/drawing/2014/main" id="{F376ABD1-4930-42EB-9A73-9A9C7C6BF2D3}"/>
+                <a16:creationId xmlns:a16="http://schemas.microsoft.com/office/drawing/2014/main" xmlns="" id="{F376ABD1-4930-42EB-9A73-9A9C7C6BF2D3}"/>
               </a:ext>
             </a:extLst>
           </p:cNvPr>
@@ -18354,7 +18354,7 @@
           <p:cNvPr id="27" name="Retângulo 43">
             <a:extLst>
               <a:ext uri="{FF2B5EF4-FFF2-40B4-BE49-F238E27FC236}">
-                <a16:creationId xmlns="" xmlns:a16="http://schemas.microsoft.com/office/drawing/2014/main" id="{834ADCB4-BFB1-450D-8F6D-64217F4CD92C}"/>
+                <a16:creationId xmlns:a16="http://schemas.microsoft.com/office/drawing/2014/main" xmlns="" id="{834ADCB4-BFB1-450D-8F6D-64217F4CD92C}"/>
               </a:ext>
             </a:extLst>
           </p:cNvPr>
@@ -18672,7 +18672,7 @@
           <p:cNvPr id="16" name="Graphic 15">
             <a:extLst>
               <a:ext uri="{FF2B5EF4-FFF2-40B4-BE49-F238E27FC236}">
-                <a16:creationId xmlns="" xmlns:a16="http://schemas.microsoft.com/office/drawing/2014/main" id="{9816AFFC-77B8-4D07-A4F8-5D71746F909B}"/>
+                <a16:creationId xmlns:a16="http://schemas.microsoft.com/office/drawing/2014/main" xmlns="" id="{9816AFFC-77B8-4D07-A4F8-5D71746F909B}"/>
               </a:ext>
             </a:extLst>
           </p:cNvPr>
@@ -18685,7 +18685,7 @@
           <a:blip r:embed="rId2">
             <a:extLst>
               <a:ext uri="{96DAC541-7B7A-43D3-8B79-37D633B846F1}">
-                <asvg:svgBlip xmlns="" xmlns:asvg="http://schemas.microsoft.com/office/drawing/2016/SVG/main" r:embed="rId3"/>
+                <asvg:svgBlip xmlns:asvg="http://schemas.microsoft.com/office/drawing/2016/SVG/main" xmlns="" r:embed="rId3"/>
               </a:ext>
             </a:extLst>
           </a:blip>
@@ -18707,7 +18707,7 @@
           <p:cNvPr id="19" name="Text Placeholder 7">
             <a:extLst>
               <a:ext uri="{FF2B5EF4-FFF2-40B4-BE49-F238E27FC236}">
-                <a16:creationId xmlns="" xmlns:a16="http://schemas.microsoft.com/office/drawing/2014/main" id="{F44B07A7-FBF2-491D-B0F6-7A5448F53F32}"/>
+                <a16:creationId xmlns:a16="http://schemas.microsoft.com/office/drawing/2014/main" xmlns="" id="{F44B07A7-FBF2-491D-B0F6-7A5448F53F32}"/>
               </a:ext>
             </a:extLst>
           </p:cNvPr>
@@ -18784,7 +18784,7 @@
           <p:cNvPr id="20" name="Text Placeholder 7">
             <a:extLst>
               <a:ext uri="{FF2B5EF4-FFF2-40B4-BE49-F238E27FC236}">
-                <a16:creationId xmlns="" xmlns:a16="http://schemas.microsoft.com/office/drawing/2014/main" id="{6956FD36-565A-4468-BCC4-CB7785266950}"/>
+                <a16:creationId xmlns:a16="http://schemas.microsoft.com/office/drawing/2014/main" xmlns="" id="{6956FD36-565A-4468-BCC4-CB7785266950}"/>
               </a:ext>
             </a:extLst>
           </p:cNvPr>
@@ -18858,7 +18858,7 @@
           <p:cNvPr id="21" name="Text Placeholder 7">
             <a:extLst>
               <a:ext uri="{FF2B5EF4-FFF2-40B4-BE49-F238E27FC236}">
-                <a16:creationId xmlns="" xmlns:a16="http://schemas.microsoft.com/office/drawing/2014/main" id="{16278310-82AA-4E47-A510-E54DC245FB2B}"/>
+                <a16:creationId xmlns:a16="http://schemas.microsoft.com/office/drawing/2014/main" xmlns="" id="{16278310-82AA-4E47-A510-E54DC245FB2B}"/>
               </a:ext>
             </a:extLst>
           </p:cNvPr>
@@ -18932,7 +18932,7 @@
           <p:cNvPr id="22" name="Text Placeholder 7">
             <a:extLst>
               <a:ext uri="{FF2B5EF4-FFF2-40B4-BE49-F238E27FC236}">
-                <a16:creationId xmlns="" xmlns:a16="http://schemas.microsoft.com/office/drawing/2014/main" id="{ABF327CC-2917-45F5-82B2-75A9F742E63A}"/>
+                <a16:creationId xmlns:a16="http://schemas.microsoft.com/office/drawing/2014/main" xmlns="" id="{ABF327CC-2917-45F5-82B2-75A9F742E63A}"/>
               </a:ext>
             </a:extLst>
           </p:cNvPr>
@@ -19006,7 +19006,7 @@
           <p:cNvPr id="23" name="Text Placeholder 7">
             <a:extLst>
               <a:ext uri="{FF2B5EF4-FFF2-40B4-BE49-F238E27FC236}">
-                <a16:creationId xmlns="" xmlns:a16="http://schemas.microsoft.com/office/drawing/2014/main" id="{169195DA-4761-45A5-B68F-E20845F04F0C}"/>
+                <a16:creationId xmlns:a16="http://schemas.microsoft.com/office/drawing/2014/main" xmlns="" id="{169195DA-4761-45A5-B68F-E20845F04F0C}"/>
               </a:ext>
             </a:extLst>
           </p:cNvPr>
@@ -19080,7 +19080,7 @@
           <p:cNvPr id="24" name="Text Placeholder 7">
             <a:extLst>
               <a:ext uri="{FF2B5EF4-FFF2-40B4-BE49-F238E27FC236}">
-                <a16:creationId xmlns="" xmlns:a16="http://schemas.microsoft.com/office/drawing/2014/main" id="{343313FC-7C2A-4C39-A322-E5328A14AED9}"/>
+                <a16:creationId xmlns:a16="http://schemas.microsoft.com/office/drawing/2014/main" xmlns="" id="{343313FC-7C2A-4C39-A322-E5328A14AED9}"/>
               </a:ext>
             </a:extLst>
           </p:cNvPr>
@@ -19154,7 +19154,7 @@
           <p:cNvPr id="25" name="Text Placeholder 7">
             <a:extLst>
               <a:ext uri="{FF2B5EF4-FFF2-40B4-BE49-F238E27FC236}">
-                <a16:creationId xmlns="" xmlns:a16="http://schemas.microsoft.com/office/drawing/2014/main" id="{C9E896F1-84B5-4E7A-BD88-FFAFED8559EB}"/>
+                <a16:creationId xmlns:a16="http://schemas.microsoft.com/office/drawing/2014/main" xmlns="" id="{C9E896F1-84B5-4E7A-BD88-FFAFED8559EB}"/>
               </a:ext>
             </a:extLst>
           </p:cNvPr>
@@ -19228,7 +19228,7 @@
           <p:cNvPr id="11" name="Title Placeholder 1">
             <a:extLst>
               <a:ext uri="{FF2B5EF4-FFF2-40B4-BE49-F238E27FC236}">
-                <a16:creationId xmlns="" xmlns:a16="http://schemas.microsoft.com/office/drawing/2014/main" id="{552BBB0A-405D-419D-8BD5-EC8D9F84B795}"/>
+                <a16:creationId xmlns:a16="http://schemas.microsoft.com/office/drawing/2014/main" xmlns="" id="{552BBB0A-405D-419D-8BD5-EC8D9F84B795}"/>
               </a:ext>
             </a:extLst>
           </p:cNvPr>
@@ -19280,7 +19280,7 @@
           <p:cNvPr id="12" name="Retângulo 43">
             <a:extLst>
               <a:ext uri="{FF2B5EF4-FFF2-40B4-BE49-F238E27FC236}">
-                <a16:creationId xmlns="" xmlns:a16="http://schemas.microsoft.com/office/drawing/2014/main" id="{25FC8637-25BD-4C09-AF25-56B4243DAB3D}"/>
+                <a16:creationId xmlns:a16="http://schemas.microsoft.com/office/drawing/2014/main" xmlns="" id="{25FC8637-25BD-4C09-AF25-56B4243DAB3D}"/>
               </a:ext>
             </a:extLst>
           </p:cNvPr>
@@ -19333,7 +19333,7 @@
           <p:cNvPr id="13" name="Conector reto 49">
             <a:extLst>
               <a:ext uri="{FF2B5EF4-FFF2-40B4-BE49-F238E27FC236}">
-                <a16:creationId xmlns="" xmlns:a16="http://schemas.microsoft.com/office/drawing/2014/main" id="{6B6D7F6B-C184-4C2B-8EB7-067E0C1E8DF2}"/>
+                <a16:creationId xmlns:a16="http://schemas.microsoft.com/office/drawing/2014/main" xmlns="" id="{6B6D7F6B-C184-4C2B-8EB7-067E0C1E8DF2}"/>
               </a:ext>
             </a:extLst>
           </p:cNvPr>
@@ -19381,7 +19381,7 @@
             <a:hlinkClick r:id="rId4"/>
             <a:extLst>
               <a:ext uri="{FF2B5EF4-FFF2-40B4-BE49-F238E27FC236}">
-                <a16:creationId xmlns="" xmlns:a16="http://schemas.microsoft.com/office/drawing/2014/main" id="{F376ABD1-4930-42EB-9A73-9A9C7C6BF2D3}"/>
+                <a16:creationId xmlns:a16="http://schemas.microsoft.com/office/drawing/2014/main" xmlns="" id="{F376ABD1-4930-42EB-9A73-9A9C7C6BF2D3}"/>
               </a:ext>
             </a:extLst>
           </p:cNvPr>
@@ -19426,7 +19426,7 @@
           <p:cNvPr id="15" name="Retângulo 43">
             <a:extLst>
               <a:ext uri="{FF2B5EF4-FFF2-40B4-BE49-F238E27FC236}">
-                <a16:creationId xmlns="" xmlns:a16="http://schemas.microsoft.com/office/drawing/2014/main" id="{834ADCB4-BFB1-450D-8F6D-64217F4CD92C}"/>
+                <a16:creationId xmlns:a16="http://schemas.microsoft.com/office/drawing/2014/main" xmlns="" id="{834ADCB4-BFB1-450D-8F6D-64217F4CD92C}"/>
               </a:ext>
             </a:extLst>
           </p:cNvPr>
@@ -19502,7 +19502,7 @@
           <p:cNvPr id="15" name="Rectangle 14">
             <a:extLst>
               <a:ext uri="{FF2B5EF4-FFF2-40B4-BE49-F238E27FC236}">
-                <a16:creationId xmlns="" xmlns:a16="http://schemas.microsoft.com/office/drawing/2014/main" id="{46919663-CB01-46C8-8B1A-7D7C5FFB79D0}"/>
+                <a16:creationId xmlns:a16="http://schemas.microsoft.com/office/drawing/2014/main" xmlns="" id="{46919663-CB01-46C8-8B1A-7D7C5FFB79D0}"/>
               </a:ext>
             </a:extLst>
           </p:cNvPr>
@@ -19558,7 +19558,7 @@
           <p:cNvPr id="16" name="Rectangle 15">
             <a:extLst>
               <a:ext uri="{FF2B5EF4-FFF2-40B4-BE49-F238E27FC236}">
-                <a16:creationId xmlns="" xmlns:a16="http://schemas.microsoft.com/office/drawing/2014/main" id="{07A11129-008D-4898-86B9-B6C83562FA3A}"/>
+                <a16:creationId xmlns:a16="http://schemas.microsoft.com/office/drawing/2014/main" xmlns="" id="{07A11129-008D-4898-86B9-B6C83562FA3A}"/>
               </a:ext>
             </a:extLst>
           </p:cNvPr>
@@ -19614,7 +19614,7 @@
           <p:cNvPr id="17" name="Rectangle 16">
             <a:extLst>
               <a:ext uri="{FF2B5EF4-FFF2-40B4-BE49-F238E27FC236}">
-                <a16:creationId xmlns="" xmlns:a16="http://schemas.microsoft.com/office/drawing/2014/main" id="{92D1F7AF-5F53-4627-A1CF-B58FCC387FCC}"/>
+                <a16:creationId xmlns:a16="http://schemas.microsoft.com/office/drawing/2014/main" xmlns="" id="{92D1F7AF-5F53-4627-A1CF-B58FCC387FCC}"/>
               </a:ext>
             </a:extLst>
           </p:cNvPr>
@@ -19670,7 +19670,7 @@
           <p:cNvPr id="12" name="Oval 20">
             <a:extLst>
               <a:ext uri="{FF2B5EF4-FFF2-40B4-BE49-F238E27FC236}">
-                <a16:creationId xmlns="" xmlns:a16="http://schemas.microsoft.com/office/drawing/2014/main" id="{C5DBDB28-88AB-4F14-9F73-9D7C1E6EE4B1}"/>
+                <a16:creationId xmlns:a16="http://schemas.microsoft.com/office/drawing/2014/main" xmlns="" id="{C5DBDB28-88AB-4F14-9F73-9D7C1E6EE4B1}"/>
               </a:ext>
             </a:extLst>
           </p:cNvPr>
@@ -19885,7 +19885,7 @@
           <p:cNvPr id="13" name="Oval 20">
             <a:extLst>
               <a:ext uri="{FF2B5EF4-FFF2-40B4-BE49-F238E27FC236}">
-                <a16:creationId xmlns="" xmlns:a16="http://schemas.microsoft.com/office/drawing/2014/main" id="{2F532516-8DF9-44A4-935A-3131E96D437E}"/>
+                <a16:creationId xmlns:a16="http://schemas.microsoft.com/office/drawing/2014/main" xmlns="" id="{2F532516-8DF9-44A4-935A-3131E96D437E}"/>
               </a:ext>
             </a:extLst>
           </p:cNvPr>
@@ -20100,7 +20100,7 @@
           <p:cNvPr id="14" name="Oval 20">
             <a:extLst>
               <a:ext uri="{FF2B5EF4-FFF2-40B4-BE49-F238E27FC236}">
-                <a16:creationId xmlns="" xmlns:a16="http://schemas.microsoft.com/office/drawing/2014/main" id="{41ACABC2-6590-4E4B-9507-376785C34C7E}"/>
+                <a16:creationId xmlns:a16="http://schemas.microsoft.com/office/drawing/2014/main" xmlns="" id="{41ACABC2-6590-4E4B-9507-376785C34C7E}"/>
               </a:ext>
             </a:extLst>
           </p:cNvPr>
@@ -20315,7 +20315,7 @@
           <p:cNvPr id="27" name="Text Placeholder 26">
             <a:extLst>
               <a:ext uri="{FF2B5EF4-FFF2-40B4-BE49-F238E27FC236}">
-                <a16:creationId xmlns="" xmlns:a16="http://schemas.microsoft.com/office/drawing/2014/main" id="{EE342E13-99A8-4C50-9113-E5C3E8EF275E}"/>
+                <a16:creationId xmlns:a16="http://schemas.microsoft.com/office/drawing/2014/main" xmlns="" id="{EE342E13-99A8-4C50-9113-E5C3E8EF275E}"/>
               </a:ext>
             </a:extLst>
           </p:cNvPr>
@@ -20369,7 +20369,7 @@
           <p:cNvPr id="28" name="Text Placeholder 26">
             <a:extLst>
               <a:ext uri="{FF2B5EF4-FFF2-40B4-BE49-F238E27FC236}">
-                <a16:creationId xmlns="" xmlns:a16="http://schemas.microsoft.com/office/drawing/2014/main" id="{28BE06D5-C195-451B-AC35-95E3C649BB59}"/>
+                <a16:creationId xmlns:a16="http://schemas.microsoft.com/office/drawing/2014/main" xmlns="" id="{28BE06D5-C195-451B-AC35-95E3C649BB59}"/>
               </a:ext>
             </a:extLst>
           </p:cNvPr>
@@ -20423,7 +20423,7 @@
           <p:cNvPr id="29" name="Text Placeholder 26">
             <a:extLst>
               <a:ext uri="{FF2B5EF4-FFF2-40B4-BE49-F238E27FC236}">
-                <a16:creationId xmlns="" xmlns:a16="http://schemas.microsoft.com/office/drawing/2014/main" id="{303436BB-C15C-4765-BFF1-9337F7680429}"/>
+                <a16:creationId xmlns:a16="http://schemas.microsoft.com/office/drawing/2014/main" xmlns="" id="{303436BB-C15C-4765-BFF1-9337F7680429}"/>
               </a:ext>
             </a:extLst>
           </p:cNvPr>
@@ -20477,7 +20477,7 @@
           <p:cNvPr id="31" name="Text Placeholder 30">
             <a:extLst>
               <a:ext uri="{FF2B5EF4-FFF2-40B4-BE49-F238E27FC236}">
-                <a16:creationId xmlns="" xmlns:a16="http://schemas.microsoft.com/office/drawing/2014/main" id="{1162E3C5-6092-4641-B639-FF818E2DB588}"/>
+                <a16:creationId xmlns:a16="http://schemas.microsoft.com/office/drawing/2014/main" xmlns="" id="{1162E3C5-6092-4641-B639-FF818E2DB588}"/>
               </a:ext>
             </a:extLst>
           </p:cNvPr>
@@ -20522,7 +20522,7 @@
           <p:cNvPr id="32" name="Text Placeholder 30">
             <a:extLst>
               <a:ext uri="{FF2B5EF4-FFF2-40B4-BE49-F238E27FC236}">
-                <a16:creationId xmlns="" xmlns:a16="http://schemas.microsoft.com/office/drawing/2014/main" id="{B4C4A495-4C6A-49E0-8118-A975B2E88321}"/>
+                <a16:creationId xmlns:a16="http://schemas.microsoft.com/office/drawing/2014/main" xmlns="" id="{B4C4A495-4C6A-49E0-8118-A975B2E88321}"/>
               </a:ext>
             </a:extLst>
           </p:cNvPr>
@@ -20567,7 +20567,7 @@
           <p:cNvPr id="33" name="Text Placeholder 30">
             <a:extLst>
               <a:ext uri="{FF2B5EF4-FFF2-40B4-BE49-F238E27FC236}">
-                <a16:creationId xmlns="" xmlns:a16="http://schemas.microsoft.com/office/drawing/2014/main" id="{8C784D9E-AFE4-47BA-87D1-E386C20ED64C}"/>
+                <a16:creationId xmlns:a16="http://schemas.microsoft.com/office/drawing/2014/main" xmlns="" id="{8C784D9E-AFE4-47BA-87D1-E386C20ED64C}"/>
               </a:ext>
             </a:extLst>
           </p:cNvPr>
@@ -20612,7 +20612,7 @@
           <p:cNvPr id="37" name="Text Placeholder 36">
             <a:extLst>
               <a:ext uri="{FF2B5EF4-FFF2-40B4-BE49-F238E27FC236}">
-                <a16:creationId xmlns="" xmlns:a16="http://schemas.microsoft.com/office/drawing/2014/main" id="{38EBB49C-19EA-4D54-98F7-9E9FF53FD1B6}"/>
+                <a16:creationId xmlns:a16="http://schemas.microsoft.com/office/drawing/2014/main" xmlns="" id="{38EBB49C-19EA-4D54-98F7-9E9FF53FD1B6}"/>
               </a:ext>
             </a:extLst>
           </p:cNvPr>
@@ -20655,7 +20655,7 @@
           <p:cNvPr id="38" name="Text Placeholder 36">
             <a:extLst>
               <a:ext uri="{FF2B5EF4-FFF2-40B4-BE49-F238E27FC236}">
-                <a16:creationId xmlns="" xmlns:a16="http://schemas.microsoft.com/office/drawing/2014/main" id="{914F5F94-C619-4353-985D-517B9A1ED51A}"/>
+                <a16:creationId xmlns:a16="http://schemas.microsoft.com/office/drawing/2014/main" xmlns="" id="{914F5F94-C619-4353-985D-517B9A1ED51A}"/>
               </a:ext>
             </a:extLst>
           </p:cNvPr>
@@ -20698,7 +20698,7 @@
           <p:cNvPr id="39" name="Text Placeholder 36">
             <a:extLst>
               <a:ext uri="{FF2B5EF4-FFF2-40B4-BE49-F238E27FC236}">
-                <a16:creationId xmlns="" xmlns:a16="http://schemas.microsoft.com/office/drawing/2014/main" id="{43904984-B2AA-40BC-977A-39D263DD919B}"/>
+                <a16:creationId xmlns:a16="http://schemas.microsoft.com/office/drawing/2014/main" xmlns="" id="{43904984-B2AA-40BC-977A-39D263DD919B}"/>
               </a:ext>
             </a:extLst>
           </p:cNvPr>
@@ -20741,7 +20741,7 @@
           <p:cNvPr id="18" name="Title Placeholder 1">
             <a:extLst>
               <a:ext uri="{FF2B5EF4-FFF2-40B4-BE49-F238E27FC236}">
-                <a16:creationId xmlns="" xmlns:a16="http://schemas.microsoft.com/office/drawing/2014/main" id="{552BBB0A-405D-419D-8BD5-EC8D9F84B795}"/>
+                <a16:creationId xmlns:a16="http://schemas.microsoft.com/office/drawing/2014/main" xmlns="" id="{552BBB0A-405D-419D-8BD5-EC8D9F84B795}"/>
               </a:ext>
             </a:extLst>
           </p:cNvPr>
@@ -20789,7 +20789,7 @@
           <p:cNvPr id="19" name="Retângulo 43">
             <a:extLst>
               <a:ext uri="{FF2B5EF4-FFF2-40B4-BE49-F238E27FC236}">
-                <a16:creationId xmlns="" xmlns:a16="http://schemas.microsoft.com/office/drawing/2014/main" id="{25FC8637-25BD-4C09-AF25-56B4243DAB3D}"/>
+                <a16:creationId xmlns:a16="http://schemas.microsoft.com/office/drawing/2014/main" xmlns="" id="{25FC8637-25BD-4C09-AF25-56B4243DAB3D}"/>
               </a:ext>
             </a:extLst>
           </p:cNvPr>
@@ -20842,7 +20842,7 @@
           <p:cNvPr id="20" name="Conector reto 49">
             <a:extLst>
               <a:ext uri="{FF2B5EF4-FFF2-40B4-BE49-F238E27FC236}">
-                <a16:creationId xmlns="" xmlns:a16="http://schemas.microsoft.com/office/drawing/2014/main" id="{6B6D7F6B-C184-4C2B-8EB7-067E0C1E8DF2}"/>
+                <a16:creationId xmlns:a16="http://schemas.microsoft.com/office/drawing/2014/main" xmlns="" id="{6B6D7F6B-C184-4C2B-8EB7-067E0C1E8DF2}"/>
               </a:ext>
             </a:extLst>
           </p:cNvPr>
@@ -20890,7 +20890,7 @@
             <a:hlinkClick r:id="rId2"/>
             <a:extLst>
               <a:ext uri="{FF2B5EF4-FFF2-40B4-BE49-F238E27FC236}">
-                <a16:creationId xmlns="" xmlns:a16="http://schemas.microsoft.com/office/drawing/2014/main" id="{F376ABD1-4930-42EB-9A73-9A9C7C6BF2D3}"/>
+                <a16:creationId xmlns:a16="http://schemas.microsoft.com/office/drawing/2014/main" xmlns="" id="{F376ABD1-4930-42EB-9A73-9A9C7C6BF2D3}"/>
               </a:ext>
             </a:extLst>
           </p:cNvPr>
@@ -20935,7 +20935,7 @@
           <p:cNvPr id="22" name="Retângulo 43">
             <a:extLst>
               <a:ext uri="{FF2B5EF4-FFF2-40B4-BE49-F238E27FC236}">
-                <a16:creationId xmlns="" xmlns:a16="http://schemas.microsoft.com/office/drawing/2014/main" id="{834ADCB4-BFB1-450D-8F6D-64217F4CD92C}"/>
+                <a16:creationId xmlns:a16="http://schemas.microsoft.com/office/drawing/2014/main" xmlns="" id="{834ADCB4-BFB1-450D-8F6D-64217F4CD92C}"/>
               </a:ext>
             </a:extLst>
           </p:cNvPr>
@@ -21011,7 +21011,7 @@
           <p:cNvPr id="4" name="Rectangle 3">
             <a:extLst>
               <a:ext uri="{FF2B5EF4-FFF2-40B4-BE49-F238E27FC236}">
-                <a16:creationId xmlns="" xmlns:a16="http://schemas.microsoft.com/office/drawing/2014/main" id="{C50C01FB-E2BF-4470-A153-6F7BF3CCF3F9}"/>
+                <a16:creationId xmlns:a16="http://schemas.microsoft.com/office/drawing/2014/main" xmlns="" id="{C50C01FB-E2BF-4470-A153-6F7BF3CCF3F9}"/>
               </a:ext>
             </a:extLst>
           </p:cNvPr>
@@ -21067,7 +21067,7 @@
           <p:cNvPr id="34" name="Text Placeholder 7">
             <a:extLst>
               <a:ext uri="{FF2B5EF4-FFF2-40B4-BE49-F238E27FC236}">
-                <a16:creationId xmlns="" xmlns:a16="http://schemas.microsoft.com/office/drawing/2014/main" id="{A4F8F9B7-22AF-440B-AF0A-78B650932C21}"/>
+                <a16:creationId xmlns:a16="http://schemas.microsoft.com/office/drawing/2014/main" xmlns="" id="{A4F8F9B7-22AF-440B-AF0A-78B650932C21}"/>
               </a:ext>
             </a:extLst>
           </p:cNvPr>
@@ -21144,7 +21144,7 @@
           <p:cNvPr id="14" name="Graphic 13">
             <a:extLst>
               <a:ext uri="{FF2B5EF4-FFF2-40B4-BE49-F238E27FC236}">
-                <a16:creationId xmlns="" xmlns:a16="http://schemas.microsoft.com/office/drawing/2014/main" id="{CBFCF213-9AB8-422B-8F8D-9F6A01ED15F1}"/>
+                <a16:creationId xmlns:a16="http://schemas.microsoft.com/office/drawing/2014/main" xmlns="" id="{CBFCF213-9AB8-422B-8F8D-9F6A01ED15F1}"/>
               </a:ext>
             </a:extLst>
           </p:cNvPr>
@@ -21157,7 +21157,7 @@
           <a:blip r:embed="rId2">
             <a:extLst>
               <a:ext uri="{96DAC541-7B7A-43D3-8B79-37D633B846F1}">
-                <asvg:svgBlip xmlns="" xmlns:asvg="http://schemas.microsoft.com/office/drawing/2016/SVG/main" r:embed="rId3"/>
+                <asvg:svgBlip xmlns:asvg="http://schemas.microsoft.com/office/drawing/2016/SVG/main" xmlns="" r:embed="rId3"/>
               </a:ext>
             </a:extLst>
           </a:blip>
@@ -21240,7 +21240,7 @@
           <p:cNvPr id="40" name="Text Placeholder 7">
             <a:extLst>
               <a:ext uri="{FF2B5EF4-FFF2-40B4-BE49-F238E27FC236}">
-                <a16:creationId xmlns="" xmlns:a16="http://schemas.microsoft.com/office/drawing/2014/main" id="{6343BDF6-D0DB-4726-8EA9-DA3DE0DFDE11}"/>
+                <a16:creationId xmlns:a16="http://schemas.microsoft.com/office/drawing/2014/main" xmlns="" id="{6343BDF6-D0DB-4726-8EA9-DA3DE0DFDE11}"/>
               </a:ext>
             </a:extLst>
           </p:cNvPr>
@@ -21317,7 +21317,7 @@
           <p:cNvPr id="41" name="Text Placeholder 7">
             <a:extLst>
               <a:ext uri="{FF2B5EF4-FFF2-40B4-BE49-F238E27FC236}">
-                <a16:creationId xmlns="" xmlns:a16="http://schemas.microsoft.com/office/drawing/2014/main" id="{3B423489-C448-4223-A3F1-FAB0DF95C7E0}"/>
+                <a16:creationId xmlns:a16="http://schemas.microsoft.com/office/drawing/2014/main" xmlns="" id="{3B423489-C448-4223-A3F1-FAB0DF95C7E0}"/>
               </a:ext>
             </a:extLst>
           </p:cNvPr>
@@ -21394,7 +21394,7 @@
           <p:cNvPr id="42" name="Text Placeholder 7">
             <a:extLst>
               <a:ext uri="{FF2B5EF4-FFF2-40B4-BE49-F238E27FC236}">
-                <a16:creationId xmlns="" xmlns:a16="http://schemas.microsoft.com/office/drawing/2014/main" id="{415D3B99-29BD-4D4A-BD25-28628B5AD295}"/>
+                <a16:creationId xmlns:a16="http://schemas.microsoft.com/office/drawing/2014/main" xmlns="" id="{415D3B99-29BD-4D4A-BD25-28628B5AD295}"/>
               </a:ext>
             </a:extLst>
           </p:cNvPr>
@@ -21471,7 +21471,7 @@
           <p:cNvPr id="43" name="Text Placeholder 7">
             <a:extLst>
               <a:ext uri="{FF2B5EF4-FFF2-40B4-BE49-F238E27FC236}">
-                <a16:creationId xmlns="" xmlns:a16="http://schemas.microsoft.com/office/drawing/2014/main" id="{FB92CCBF-AD9B-4B1F-81E0-1F58CD476991}"/>
+                <a16:creationId xmlns:a16="http://schemas.microsoft.com/office/drawing/2014/main" xmlns="" id="{FB92CCBF-AD9B-4B1F-81E0-1F58CD476991}"/>
               </a:ext>
             </a:extLst>
           </p:cNvPr>
@@ -21548,7 +21548,7 @@
           <p:cNvPr id="44" name="Text Placeholder 7">
             <a:extLst>
               <a:ext uri="{FF2B5EF4-FFF2-40B4-BE49-F238E27FC236}">
-                <a16:creationId xmlns="" xmlns:a16="http://schemas.microsoft.com/office/drawing/2014/main" id="{429263E9-C628-4DAE-AAF4-D4C456E5A7F2}"/>
+                <a16:creationId xmlns:a16="http://schemas.microsoft.com/office/drawing/2014/main" xmlns="" id="{429263E9-C628-4DAE-AAF4-D4C456E5A7F2}"/>
               </a:ext>
             </a:extLst>
           </p:cNvPr>
@@ -21625,7 +21625,7 @@
           <p:cNvPr id="45" name="Text Placeholder 7">
             <a:extLst>
               <a:ext uri="{FF2B5EF4-FFF2-40B4-BE49-F238E27FC236}">
-                <a16:creationId xmlns="" xmlns:a16="http://schemas.microsoft.com/office/drawing/2014/main" id="{266B7D82-19EF-4C8A-8D75-AEA2758E426F}"/>
+                <a16:creationId xmlns:a16="http://schemas.microsoft.com/office/drawing/2014/main" xmlns="" id="{266B7D82-19EF-4C8A-8D75-AEA2758E426F}"/>
               </a:ext>
             </a:extLst>
           </p:cNvPr>
@@ -21699,7 +21699,7 @@
           <p:cNvPr id="15" name="Title Placeholder 1">
             <a:extLst>
               <a:ext uri="{FF2B5EF4-FFF2-40B4-BE49-F238E27FC236}">
-                <a16:creationId xmlns="" xmlns:a16="http://schemas.microsoft.com/office/drawing/2014/main" id="{552BBB0A-405D-419D-8BD5-EC8D9F84B795}"/>
+                <a16:creationId xmlns:a16="http://schemas.microsoft.com/office/drawing/2014/main" xmlns="" id="{552BBB0A-405D-419D-8BD5-EC8D9F84B795}"/>
               </a:ext>
             </a:extLst>
           </p:cNvPr>
@@ -21747,7 +21747,7 @@
           <p:cNvPr id="16" name="Retângulo 43">
             <a:extLst>
               <a:ext uri="{FF2B5EF4-FFF2-40B4-BE49-F238E27FC236}">
-                <a16:creationId xmlns="" xmlns:a16="http://schemas.microsoft.com/office/drawing/2014/main" id="{25FC8637-25BD-4C09-AF25-56B4243DAB3D}"/>
+                <a16:creationId xmlns:a16="http://schemas.microsoft.com/office/drawing/2014/main" xmlns="" id="{25FC8637-25BD-4C09-AF25-56B4243DAB3D}"/>
               </a:ext>
             </a:extLst>
           </p:cNvPr>
@@ -21800,7 +21800,7 @@
           <p:cNvPr id="17" name="Conector reto 49">
             <a:extLst>
               <a:ext uri="{FF2B5EF4-FFF2-40B4-BE49-F238E27FC236}">
-                <a16:creationId xmlns="" xmlns:a16="http://schemas.microsoft.com/office/drawing/2014/main" id="{6B6D7F6B-C184-4C2B-8EB7-067E0C1E8DF2}"/>
+                <a16:creationId xmlns:a16="http://schemas.microsoft.com/office/drawing/2014/main" xmlns="" id="{6B6D7F6B-C184-4C2B-8EB7-067E0C1E8DF2}"/>
               </a:ext>
             </a:extLst>
           </p:cNvPr>
@@ -21848,7 +21848,7 @@
             <a:hlinkClick r:id="rId4"/>
             <a:extLst>
               <a:ext uri="{FF2B5EF4-FFF2-40B4-BE49-F238E27FC236}">
-                <a16:creationId xmlns="" xmlns:a16="http://schemas.microsoft.com/office/drawing/2014/main" id="{F376ABD1-4930-42EB-9A73-9A9C7C6BF2D3}"/>
+                <a16:creationId xmlns:a16="http://schemas.microsoft.com/office/drawing/2014/main" xmlns="" id="{F376ABD1-4930-42EB-9A73-9A9C7C6BF2D3}"/>
               </a:ext>
             </a:extLst>
           </p:cNvPr>
@@ -21893,7 +21893,7 @@
           <p:cNvPr id="19" name="Retângulo 43">
             <a:extLst>
               <a:ext uri="{FF2B5EF4-FFF2-40B4-BE49-F238E27FC236}">
-                <a16:creationId xmlns="" xmlns:a16="http://schemas.microsoft.com/office/drawing/2014/main" id="{834ADCB4-BFB1-450D-8F6D-64217F4CD92C}"/>
+                <a16:creationId xmlns:a16="http://schemas.microsoft.com/office/drawing/2014/main" xmlns="" id="{834ADCB4-BFB1-450D-8F6D-64217F4CD92C}"/>
               </a:ext>
             </a:extLst>
           </p:cNvPr>
@@ -21934,7 +21934,7 @@
           <p:cNvPr id="20" name="Text Placeholder 7">
             <a:extLst>
               <a:ext uri="{FF2B5EF4-FFF2-40B4-BE49-F238E27FC236}">
-                <a16:creationId xmlns="" xmlns:a16="http://schemas.microsoft.com/office/drawing/2014/main" id="{9228FC83-C11D-47F2-8BDE-B10D125E5E87}"/>
+                <a16:creationId xmlns:a16="http://schemas.microsoft.com/office/drawing/2014/main" xmlns="" id="{9228FC83-C11D-47F2-8BDE-B10D125E5E87}"/>
               </a:ext>
             </a:extLst>
           </p:cNvPr>
@@ -22045,7 +22045,7 @@
           <p:cNvPr id="21" name="Text Placeholder 7">
             <a:extLst>
               <a:ext uri="{FF2B5EF4-FFF2-40B4-BE49-F238E27FC236}">
-                <a16:creationId xmlns="" xmlns:a16="http://schemas.microsoft.com/office/drawing/2014/main" id="{9228FC83-C11D-47F2-8BDE-B10D125E5E87}"/>
+                <a16:creationId xmlns:a16="http://schemas.microsoft.com/office/drawing/2014/main" xmlns="" id="{9228FC83-C11D-47F2-8BDE-B10D125E5E87}"/>
               </a:ext>
             </a:extLst>
           </p:cNvPr>
@@ -22156,7 +22156,7 @@
           <p:cNvPr id="22" name="Text Placeholder 7">
             <a:extLst>
               <a:ext uri="{FF2B5EF4-FFF2-40B4-BE49-F238E27FC236}">
-                <a16:creationId xmlns="" xmlns:a16="http://schemas.microsoft.com/office/drawing/2014/main" id="{9228FC83-C11D-47F2-8BDE-B10D125E5E87}"/>
+                <a16:creationId xmlns:a16="http://schemas.microsoft.com/office/drawing/2014/main" xmlns="" id="{9228FC83-C11D-47F2-8BDE-B10D125E5E87}"/>
               </a:ext>
             </a:extLst>
           </p:cNvPr>
@@ -22267,7 +22267,7 @@
           <p:cNvPr id="23" name="Graphic 4">
             <a:extLst>
               <a:ext uri="{FF2B5EF4-FFF2-40B4-BE49-F238E27FC236}">
-                <a16:creationId xmlns="" xmlns:a16="http://schemas.microsoft.com/office/drawing/2014/main" id="{25EEA1D4-3AF7-42D7-AE97-AE404AECFAEB}"/>
+                <a16:creationId xmlns:a16="http://schemas.microsoft.com/office/drawing/2014/main" xmlns="" id="{25EEA1D4-3AF7-42D7-AE97-AE404AECFAEB}"/>
               </a:ext>
             </a:extLst>
           </p:cNvPr>
@@ -22280,7 +22280,7 @@
           <a:blip r:embed="rId5">
             <a:extLst>
               <a:ext uri="{96DAC541-7B7A-43D3-8B79-37D633B846F1}">
-                <asvg:svgBlip xmlns="" xmlns:asvg="http://schemas.microsoft.com/office/drawing/2016/SVG/main" r:embed="rId6"/>
+                <asvg:svgBlip xmlns:asvg="http://schemas.microsoft.com/office/drawing/2016/SVG/main" xmlns="" r:embed="rId6"/>
               </a:ext>
             </a:extLst>
           </a:blip>
@@ -22302,7 +22302,7 @@
           <p:cNvPr id="24" name="Straight Connector 23">
             <a:extLst>
               <a:ext uri="{FF2B5EF4-FFF2-40B4-BE49-F238E27FC236}">
-                <a16:creationId xmlns="" xmlns:a16="http://schemas.microsoft.com/office/drawing/2014/main" id="{0FF5023A-0693-40EF-A144-6A5D8AD8789F}"/>
+                <a16:creationId xmlns:a16="http://schemas.microsoft.com/office/drawing/2014/main" xmlns="" id="{0FF5023A-0693-40EF-A144-6A5D8AD8789F}"/>
               </a:ext>
             </a:extLst>
           </p:cNvPr>
@@ -22386,7 +22386,7 @@
           <p:cNvPr id="42" name="Text Placeholder 7">
             <a:extLst>
               <a:ext uri="{FF2B5EF4-FFF2-40B4-BE49-F238E27FC236}">
-                <a16:creationId xmlns="" xmlns:a16="http://schemas.microsoft.com/office/drawing/2014/main" id="{5889F4BD-9B8F-420C-96FD-C732EE0EE6BD}"/>
+                <a16:creationId xmlns:a16="http://schemas.microsoft.com/office/drawing/2014/main" xmlns="" id="{5889F4BD-9B8F-420C-96FD-C732EE0EE6BD}"/>
               </a:ext>
             </a:extLst>
           </p:cNvPr>
@@ -22465,7 +22465,7 @@
           <p:cNvPr id="43" name="Text Placeholder 7">
             <a:extLst>
               <a:ext uri="{FF2B5EF4-FFF2-40B4-BE49-F238E27FC236}">
-                <a16:creationId xmlns="" xmlns:a16="http://schemas.microsoft.com/office/drawing/2014/main" id="{E26F6CC5-0FBD-4B39-8067-DA4CA3D08DF5}"/>
+                <a16:creationId xmlns:a16="http://schemas.microsoft.com/office/drawing/2014/main" xmlns="" id="{E26F6CC5-0FBD-4B39-8067-DA4CA3D08DF5}"/>
               </a:ext>
             </a:extLst>
           </p:cNvPr>
@@ -22544,7 +22544,7 @@
           <p:cNvPr id="44" name="Text Placeholder 7">
             <a:extLst>
               <a:ext uri="{FF2B5EF4-FFF2-40B4-BE49-F238E27FC236}">
-                <a16:creationId xmlns="" xmlns:a16="http://schemas.microsoft.com/office/drawing/2014/main" id="{6D83DCD9-FC24-4ACE-8B52-269E78EA5154}"/>
+                <a16:creationId xmlns:a16="http://schemas.microsoft.com/office/drawing/2014/main" xmlns="" id="{6D83DCD9-FC24-4ACE-8B52-269E78EA5154}"/>
               </a:ext>
             </a:extLst>
           </p:cNvPr>
@@ -22623,7 +22623,7 @@
           <p:cNvPr id="45" name="Text Placeholder 7">
             <a:extLst>
               <a:ext uri="{FF2B5EF4-FFF2-40B4-BE49-F238E27FC236}">
-                <a16:creationId xmlns="" xmlns:a16="http://schemas.microsoft.com/office/drawing/2014/main" id="{75441542-8C67-4120-B77E-FF0148E22F4B}"/>
+                <a16:creationId xmlns:a16="http://schemas.microsoft.com/office/drawing/2014/main" xmlns="" id="{75441542-8C67-4120-B77E-FF0148E22F4B}"/>
               </a:ext>
             </a:extLst>
           </p:cNvPr>
@@ -22702,7 +22702,7 @@
           <p:cNvPr id="46" name="Text Placeholder 7">
             <a:extLst>
               <a:ext uri="{FF2B5EF4-FFF2-40B4-BE49-F238E27FC236}">
-                <a16:creationId xmlns="" xmlns:a16="http://schemas.microsoft.com/office/drawing/2014/main" id="{B4323275-6F19-499D-9A1B-2C56B8029E99}"/>
+                <a16:creationId xmlns:a16="http://schemas.microsoft.com/office/drawing/2014/main" xmlns="" id="{B4323275-6F19-499D-9A1B-2C56B8029E99}"/>
               </a:ext>
             </a:extLst>
           </p:cNvPr>
@@ -22781,7 +22781,7 @@
           <p:cNvPr id="39" name="Text Placeholder 7">
             <a:extLst>
               <a:ext uri="{FF2B5EF4-FFF2-40B4-BE49-F238E27FC236}">
-                <a16:creationId xmlns="" xmlns:a16="http://schemas.microsoft.com/office/drawing/2014/main" id="{5AAEF36F-2753-4DC6-898C-49B56113E4F4}"/>
+                <a16:creationId xmlns:a16="http://schemas.microsoft.com/office/drawing/2014/main" xmlns="" id="{5AAEF36F-2753-4DC6-898C-49B56113E4F4}"/>
               </a:ext>
             </a:extLst>
           </p:cNvPr>
@@ -22864,7 +22864,7 @@
           <p:cNvPr id="37" name="Text Placeholder 7">
             <a:extLst>
               <a:ext uri="{FF2B5EF4-FFF2-40B4-BE49-F238E27FC236}">
-                <a16:creationId xmlns="" xmlns:a16="http://schemas.microsoft.com/office/drawing/2014/main" id="{AD94FF36-F4B8-4ED6-BB44-FDBFDBFA2A1C}"/>
+                <a16:creationId xmlns:a16="http://schemas.microsoft.com/office/drawing/2014/main" xmlns="" id="{AD94FF36-F4B8-4ED6-BB44-FDBFDBFA2A1C}"/>
               </a:ext>
             </a:extLst>
           </p:cNvPr>
@@ -22947,7 +22947,7 @@
           <p:cNvPr id="8" name="Rectangle 7">
             <a:extLst>
               <a:ext uri="{FF2B5EF4-FFF2-40B4-BE49-F238E27FC236}">
-                <a16:creationId xmlns="" xmlns:a16="http://schemas.microsoft.com/office/drawing/2014/main" id="{404E50B0-1D58-4F15-A351-E3515806816D}"/>
+                <a16:creationId xmlns:a16="http://schemas.microsoft.com/office/drawing/2014/main" xmlns="" id="{404E50B0-1D58-4F15-A351-E3515806816D}"/>
               </a:ext>
             </a:extLst>
           </p:cNvPr>
@@ -23006,7 +23006,7 @@
           <p:cNvPr id="12" name="Rectangle 11">
             <a:extLst>
               <a:ext uri="{FF2B5EF4-FFF2-40B4-BE49-F238E27FC236}">
-                <a16:creationId xmlns="" xmlns:a16="http://schemas.microsoft.com/office/drawing/2014/main" id="{AE59D603-4EF9-47FC-B148-3573A831D791}"/>
+                <a16:creationId xmlns:a16="http://schemas.microsoft.com/office/drawing/2014/main" xmlns="" id="{AE59D603-4EF9-47FC-B148-3573A831D791}"/>
               </a:ext>
             </a:extLst>
           </p:cNvPr>
@@ -23065,7 +23065,7 @@
           <p:cNvPr id="16" name="Rectangle 15">
             <a:extLst>
               <a:ext uri="{FF2B5EF4-FFF2-40B4-BE49-F238E27FC236}">
-                <a16:creationId xmlns="" xmlns:a16="http://schemas.microsoft.com/office/drawing/2014/main" id="{58AC5158-E8A1-44A7-8617-AC56F0DD1719}"/>
+                <a16:creationId xmlns:a16="http://schemas.microsoft.com/office/drawing/2014/main" xmlns="" id="{58AC5158-E8A1-44A7-8617-AC56F0DD1719}"/>
               </a:ext>
             </a:extLst>
           </p:cNvPr>
@@ -23124,7 +23124,7 @@
           <p:cNvPr id="17" name="TextBox 16">
             <a:extLst>
               <a:ext uri="{FF2B5EF4-FFF2-40B4-BE49-F238E27FC236}">
-                <a16:creationId xmlns="" xmlns:a16="http://schemas.microsoft.com/office/drawing/2014/main" id="{C761E736-25EA-4914-A717-28A039625E8C}"/>
+                <a16:creationId xmlns:a16="http://schemas.microsoft.com/office/drawing/2014/main" xmlns="" id="{C761E736-25EA-4914-A717-28A039625E8C}"/>
               </a:ext>
             </a:extLst>
           </p:cNvPr>
@@ -23171,7 +23171,7 @@
           <p:cNvPr id="19" name="Straight Connector 18">
             <a:extLst>
               <a:ext uri="{FF2B5EF4-FFF2-40B4-BE49-F238E27FC236}">
-                <a16:creationId xmlns="" xmlns:a16="http://schemas.microsoft.com/office/drawing/2014/main" id="{A898D83E-9F4A-4269-9BEB-326164B60B7C}"/>
+                <a16:creationId xmlns:a16="http://schemas.microsoft.com/office/drawing/2014/main" xmlns="" id="{A898D83E-9F4A-4269-9BEB-326164B60B7C}"/>
               </a:ext>
             </a:extLst>
           </p:cNvPr>
@@ -23210,7 +23210,7 @@
           <p:cNvPr id="20" name="Straight Connector 19">
             <a:extLst>
               <a:ext uri="{FF2B5EF4-FFF2-40B4-BE49-F238E27FC236}">
-                <a16:creationId xmlns="" xmlns:a16="http://schemas.microsoft.com/office/drawing/2014/main" id="{787D369E-74E6-4DE1-ADB0-EB6EF05664B8}"/>
+                <a16:creationId xmlns:a16="http://schemas.microsoft.com/office/drawing/2014/main" xmlns="" id="{787D369E-74E6-4DE1-ADB0-EB6EF05664B8}"/>
               </a:ext>
             </a:extLst>
           </p:cNvPr>
@@ -23249,7 +23249,7 @@
           <p:cNvPr id="21" name="Straight Connector 20">
             <a:extLst>
               <a:ext uri="{FF2B5EF4-FFF2-40B4-BE49-F238E27FC236}">
-                <a16:creationId xmlns="" xmlns:a16="http://schemas.microsoft.com/office/drawing/2014/main" id="{37AB8857-3B0E-4067-BC64-A4C0AE330199}"/>
+                <a16:creationId xmlns:a16="http://schemas.microsoft.com/office/drawing/2014/main" xmlns="" id="{37AB8857-3B0E-4067-BC64-A4C0AE330199}"/>
               </a:ext>
             </a:extLst>
           </p:cNvPr>
@@ -23288,7 +23288,7 @@
           <p:cNvPr id="22" name="Straight Connector 21">
             <a:extLst>
               <a:ext uri="{FF2B5EF4-FFF2-40B4-BE49-F238E27FC236}">
-                <a16:creationId xmlns="" xmlns:a16="http://schemas.microsoft.com/office/drawing/2014/main" id="{038843B7-B08D-445C-8E69-55E9ADD60136}"/>
+                <a16:creationId xmlns:a16="http://schemas.microsoft.com/office/drawing/2014/main" xmlns="" id="{038843B7-B08D-445C-8E69-55E9ADD60136}"/>
               </a:ext>
             </a:extLst>
           </p:cNvPr>
@@ -23331,7 +23331,7 @@
           <p:cNvPr id="28" name="Straight Connector 27">
             <a:extLst>
               <a:ext uri="{FF2B5EF4-FFF2-40B4-BE49-F238E27FC236}">
-                <a16:creationId xmlns="" xmlns:a16="http://schemas.microsoft.com/office/drawing/2014/main" id="{65716183-FC6B-4383-8EF6-37E5349AAF9A}"/>
+                <a16:creationId xmlns:a16="http://schemas.microsoft.com/office/drawing/2014/main" xmlns="" id="{65716183-FC6B-4383-8EF6-37E5349AAF9A}"/>
               </a:ext>
             </a:extLst>
           </p:cNvPr>
@@ -23374,7 +23374,7 @@
           <p:cNvPr id="29" name="Straight Connector 28">
             <a:extLst>
               <a:ext uri="{FF2B5EF4-FFF2-40B4-BE49-F238E27FC236}">
-                <a16:creationId xmlns="" xmlns:a16="http://schemas.microsoft.com/office/drawing/2014/main" id="{C480400D-CA47-444B-970B-5A484E54E6A1}"/>
+                <a16:creationId xmlns:a16="http://schemas.microsoft.com/office/drawing/2014/main" xmlns="" id="{C480400D-CA47-444B-970B-5A484E54E6A1}"/>
               </a:ext>
             </a:extLst>
           </p:cNvPr>
@@ -23417,7 +23417,7 @@
           <p:cNvPr id="30" name="Straight Connector 29">
             <a:extLst>
               <a:ext uri="{FF2B5EF4-FFF2-40B4-BE49-F238E27FC236}">
-                <a16:creationId xmlns="" xmlns:a16="http://schemas.microsoft.com/office/drawing/2014/main" id="{813536BE-88C6-4525-9D18-D74E0DCB4682}"/>
+                <a16:creationId xmlns:a16="http://schemas.microsoft.com/office/drawing/2014/main" xmlns="" id="{813536BE-88C6-4525-9D18-D74E0DCB4682}"/>
               </a:ext>
             </a:extLst>
           </p:cNvPr>
@@ -23460,7 +23460,7 @@
           <p:cNvPr id="31" name="Straight Connector 30">
             <a:extLst>
               <a:ext uri="{FF2B5EF4-FFF2-40B4-BE49-F238E27FC236}">
-                <a16:creationId xmlns="" xmlns:a16="http://schemas.microsoft.com/office/drawing/2014/main" id="{01B274A1-2898-403F-9A81-C1625F15BF58}"/>
+                <a16:creationId xmlns:a16="http://schemas.microsoft.com/office/drawing/2014/main" xmlns="" id="{01B274A1-2898-403F-9A81-C1625F15BF58}"/>
               </a:ext>
             </a:extLst>
           </p:cNvPr>
@@ -23503,7 +23503,7 @@
           <p:cNvPr id="32" name="Straight Connector 31">
             <a:extLst>
               <a:ext uri="{FF2B5EF4-FFF2-40B4-BE49-F238E27FC236}">
-                <a16:creationId xmlns="" xmlns:a16="http://schemas.microsoft.com/office/drawing/2014/main" id="{CC25A9B7-5673-4E49-ABD6-8D0E06EDD927}"/>
+                <a16:creationId xmlns:a16="http://schemas.microsoft.com/office/drawing/2014/main" xmlns="" id="{CC25A9B7-5673-4E49-ABD6-8D0E06EDD927}"/>
               </a:ext>
             </a:extLst>
           </p:cNvPr>
@@ -23546,7 +23546,7 @@
           <p:cNvPr id="33" name="Straight Connector 32">
             <a:extLst>
               <a:ext uri="{FF2B5EF4-FFF2-40B4-BE49-F238E27FC236}">
-                <a16:creationId xmlns="" xmlns:a16="http://schemas.microsoft.com/office/drawing/2014/main" id="{D026C540-9EA3-4699-A6BC-DF9BDF921E83}"/>
+                <a16:creationId xmlns:a16="http://schemas.microsoft.com/office/drawing/2014/main" xmlns="" id="{D026C540-9EA3-4699-A6BC-DF9BDF921E83}"/>
               </a:ext>
             </a:extLst>
           </p:cNvPr>
@@ -23589,7 +23589,7 @@
           <p:cNvPr id="34" name="Text Placeholder 7">
             <a:extLst>
               <a:ext uri="{FF2B5EF4-FFF2-40B4-BE49-F238E27FC236}">
-                <a16:creationId xmlns="" xmlns:a16="http://schemas.microsoft.com/office/drawing/2014/main" id="{0853CDE9-3036-46C6-AB9B-6C5E6B531E6E}"/>
+                <a16:creationId xmlns:a16="http://schemas.microsoft.com/office/drawing/2014/main" xmlns="" id="{0853CDE9-3036-46C6-AB9B-6C5E6B531E6E}"/>
               </a:ext>
             </a:extLst>
           </p:cNvPr>
@@ -23665,7 +23665,7 @@
           <p:cNvPr id="35" name="Text Placeholder 7">
             <a:extLst>
               <a:ext uri="{FF2B5EF4-FFF2-40B4-BE49-F238E27FC236}">
-                <a16:creationId xmlns="" xmlns:a16="http://schemas.microsoft.com/office/drawing/2014/main" id="{41BEF085-D952-4028-B6B4-18F2CB2BE51E}"/>
+                <a16:creationId xmlns:a16="http://schemas.microsoft.com/office/drawing/2014/main" xmlns="" id="{41BEF085-D952-4028-B6B4-18F2CB2BE51E}"/>
               </a:ext>
             </a:extLst>
           </p:cNvPr>
@@ -23741,7 +23741,7 @@
           <p:cNvPr id="36" name="Text Placeholder 7">
             <a:extLst>
               <a:ext uri="{FF2B5EF4-FFF2-40B4-BE49-F238E27FC236}">
-                <a16:creationId xmlns="" xmlns:a16="http://schemas.microsoft.com/office/drawing/2014/main" id="{25AB3DC5-A8F4-44C0-B0E0-2B42559A081F}"/>
+                <a16:creationId xmlns:a16="http://schemas.microsoft.com/office/drawing/2014/main" xmlns="" id="{25AB3DC5-A8F4-44C0-B0E0-2B42559A081F}"/>
               </a:ext>
             </a:extLst>
           </p:cNvPr>
@@ -23817,7 +23817,7 @@
           <p:cNvPr id="38" name="Text Placeholder 7">
             <a:extLst>
               <a:ext uri="{FF2B5EF4-FFF2-40B4-BE49-F238E27FC236}">
-                <a16:creationId xmlns="" xmlns:a16="http://schemas.microsoft.com/office/drawing/2014/main" id="{C9C72BE0-AF43-4AA8-8142-178566D9F143}"/>
+                <a16:creationId xmlns:a16="http://schemas.microsoft.com/office/drawing/2014/main" xmlns="" id="{C9C72BE0-AF43-4AA8-8142-178566D9F143}"/>
               </a:ext>
             </a:extLst>
           </p:cNvPr>
@@ -23900,7 +23900,7 @@
           <p:cNvPr id="41" name="Title Placeholder 1">
             <a:extLst>
               <a:ext uri="{FF2B5EF4-FFF2-40B4-BE49-F238E27FC236}">
-                <a16:creationId xmlns="" xmlns:a16="http://schemas.microsoft.com/office/drawing/2014/main" id="{552BBB0A-405D-419D-8BD5-EC8D9F84B795}"/>
+                <a16:creationId xmlns:a16="http://schemas.microsoft.com/office/drawing/2014/main" xmlns="" id="{552BBB0A-405D-419D-8BD5-EC8D9F84B795}"/>
               </a:ext>
             </a:extLst>
           </p:cNvPr>
@@ -23948,7 +23948,7 @@
           <p:cNvPr id="47" name="Retângulo 43">
             <a:extLst>
               <a:ext uri="{FF2B5EF4-FFF2-40B4-BE49-F238E27FC236}">
-                <a16:creationId xmlns="" xmlns:a16="http://schemas.microsoft.com/office/drawing/2014/main" id="{25FC8637-25BD-4C09-AF25-56B4243DAB3D}"/>
+                <a16:creationId xmlns:a16="http://schemas.microsoft.com/office/drawing/2014/main" xmlns="" id="{25FC8637-25BD-4C09-AF25-56B4243DAB3D}"/>
               </a:ext>
             </a:extLst>
           </p:cNvPr>
@@ -24001,7 +24001,7 @@
           <p:cNvPr id="48" name="Conector reto 49">
             <a:extLst>
               <a:ext uri="{FF2B5EF4-FFF2-40B4-BE49-F238E27FC236}">
-                <a16:creationId xmlns="" xmlns:a16="http://schemas.microsoft.com/office/drawing/2014/main" id="{6B6D7F6B-C184-4C2B-8EB7-067E0C1E8DF2}"/>
+                <a16:creationId xmlns:a16="http://schemas.microsoft.com/office/drawing/2014/main" xmlns="" id="{6B6D7F6B-C184-4C2B-8EB7-067E0C1E8DF2}"/>
               </a:ext>
             </a:extLst>
           </p:cNvPr>
@@ -24049,7 +24049,7 @@
             <a:hlinkClick r:id="rId2"/>
             <a:extLst>
               <a:ext uri="{FF2B5EF4-FFF2-40B4-BE49-F238E27FC236}">
-                <a16:creationId xmlns="" xmlns:a16="http://schemas.microsoft.com/office/drawing/2014/main" id="{F376ABD1-4930-42EB-9A73-9A9C7C6BF2D3}"/>
+                <a16:creationId xmlns:a16="http://schemas.microsoft.com/office/drawing/2014/main" xmlns="" id="{F376ABD1-4930-42EB-9A73-9A9C7C6BF2D3}"/>
               </a:ext>
             </a:extLst>
           </p:cNvPr>
@@ -24094,7 +24094,7 @@
           <p:cNvPr id="50" name="Retângulo 43">
             <a:extLst>
               <a:ext uri="{FF2B5EF4-FFF2-40B4-BE49-F238E27FC236}">
-                <a16:creationId xmlns="" xmlns:a16="http://schemas.microsoft.com/office/drawing/2014/main" id="{834ADCB4-BFB1-450D-8F6D-64217F4CD92C}"/>
+                <a16:creationId xmlns:a16="http://schemas.microsoft.com/office/drawing/2014/main" xmlns="" id="{834ADCB4-BFB1-450D-8F6D-64217F4CD92C}"/>
               </a:ext>
             </a:extLst>
           </p:cNvPr>
@@ -24165,7 +24165,7 @@
           <p:cNvPr id="2" name="Title 1">
             <a:extLst>
               <a:ext uri="{FF2B5EF4-FFF2-40B4-BE49-F238E27FC236}">
-                <a16:creationId xmlns="" xmlns:a16="http://schemas.microsoft.com/office/drawing/2014/main" id="{6F380048-2DB8-46B7-AF04-F3ACAA5142B0}"/>
+                <a16:creationId xmlns:a16="http://schemas.microsoft.com/office/drawing/2014/main" xmlns="" id="{6F380048-2DB8-46B7-AF04-F3ACAA5142B0}"/>
               </a:ext>
             </a:extLst>
           </p:cNvPr>
@@ -24193,7 +24193,7 @@
           <p:cNvPr id="3" name="Content Placeholder 2">
             <a:extLst>
               <a:ext uri="{FF2B5EF4-FFF2-40B4-BE49-F238E27FC236}">
-                <a16:creationId xmlns="" xmlns:a16="http://schemas.microsoft.com/office/drawing/2014/main" id="{FB61F5A3-74BD-4830-A7D6-DE40C9CA0DA8}"/>
+                <a16:creationId xmlns:a16="http://schemas.microsoft.com/office/drawing/2014/main" xmlns="" id="{FB61F5A3-74BD-4830-A7D6-DE40C9CA0DA8}"/>
               </a:ext>
             </a:extLst>
           </p:cNvPr>
@@ -24250,7 +24250,7 @@
           <p:cNvPr id="4" name="Date Placeholder 3">
             <a:extLst>
               <a:ext uri="{FF2B5EF4-FFF2-40B4-BE49-F238E27FC236}">
-                <a16:creationId xmlns="" xmlns:a16="http://schemas.microsoft.com/office/drawing/2014/main" id="{5C8B6185-4451-4F5C-95CC-98180443204E}"/>
+                <a16:creationId xmlns:a16="http://schemas.microsoft.com/office/drawing/2014/main" xmlns="" id="{5C8B6185-4451-4F5C-95CC-98180443204E}"/>
               </a:ext>
             </a:extLst>
           </p:cNvPr>
@@ -24279,7 +24279,7 @@
           <p:cNvPr id="5" name="Footer Placeholder 4">
             <a:extLst>
               <a:ext uri="{FF2B5EF4-FFF2-40B4-BE49-F238E27FC236}">
-                <a16:creationId xmlns="" xmlns:a16="http://schemas.microsoft.com/office/drawing/2014/main" id="{746A123F-5441-4D29-A8D9-4B2885847A76}"/>
+                <a16:creationId xmlns:a16="http://schemas.microsoft.com/office/drawing/2014/main" xmlns="" id="{746A123F-5441-4D29-A8D9-4B2885847A76}"/>
               </a:ext>
             </a:extLst>
           </p:cNvPr>
@@ -24308,7 +24308,7 @@
           <p:cNvPr id="6" name="Slide Number Placeholder 5">
             <a:extLst>
               <a:ext uri="{FF2B5EF4-FFF2-40B4-BE49-F238E27FC236}">
-                <a16:creationId xmlns="" xmlns:a16="http://schemas.microsoft.com/office/drawing/2014/main" id="{BE51D83F-6199-40AD-8A08-7CF0BB171C93}"/>
+                <a16:creationId xmlns:a16="http://schemas.microsoft.com/office/drawing/2014/main" xmlns="" id="{BE51D83F-6199-40AD-8A08-7CF0BB171C93}"/>
               </a:ext>
             </a:extLst>
           </p:cNvPr>
@@ -24368,7 +24368,7 @@
           <p:cNvPr id="2" name="Title 1">
             <a:extLst>
               <a:ext uri="{FF2B5EF4-FFF2-40B4-BE49-F238E27FC236}">
-                <a16:creationId xmlns="" xmlns:a16="http://schemas.microsoft.com/office/drawing/2014/main" id="{DFFA4E53-AFD8-46FE-94B0-9AF637B41007}"/>
+                <a16:creationId xmlns:a16="http://schemas.microsoft.com/office/drawing/2014/main" xmlns="" id="{DFFA4E53-AFD8-46FE-94B0-9AF637B41007}"/>
               </a:ext>
             </a:extLst>
           </p:cNvPr>
@@ -24396,7 +24396,7 @@
           <p:cNvPr id="3" name="Date Placeholder 2">
             <a:extLst>
               <a:ext uri="{FF2B5EF4-FFF2-40B4-BE49-F238E27FC236}">
-                <a16:creationId xmlns="" xmlns:a16="http://schemas.microsoft.com/office/drawing/2014/main" id="{2B999288-9E03-4B44-8C96-B48B1E313958}"/>
+                <a16:creationId xmlns:a16="http://schemas.microsoft.com/office/drawing/2014/main" xmlns="" id="{2B999288-9E03-4B44-8C96-B48B1E313958}"/>
               </a:ext>
             </a:extLst>
           </p:cNvPr>
@@ -24425,7 +24425,7 @@
           <p:cNvPr id="4" name="Footer Placeholder 3">
             <a:extLst>
               <a:ext uri="{FF2B5EF4-FFF2-40B4-BE49-F238E27FC236}">
-                <a16:creationId xmlns="" xmlns:a16="http://schemas.microsoft.com/office/drawing/2014/main" id="{FC68DFDF-B6FA-4CCB-AFF0-E1E15D8F9B5A}"/>
+                <a16:creationId xmlns:a16="http://schemas.microsoft.com/office/drawing/2014/main" xmlns="" id="{FC68DFDF-B6FA-4CCB-AFF0-E1E15D8F9B5A}"/>
               </a:ext>
             </a:extLst>
           </p:cNvPr>
@@ -24454,7 +24454,7 @@
           <p:cNvPr id="5" name="Slide Number Placeholder 4">
             <a:extLst>
               <a:ext uri="{FF2B5EF4-FFF2-40B4-BE49-F238E27FC236}">
-                <a16:creationId xmlns="" xmlns:a16="http://schemas.microsoft.com/office/drawing/2014/main" id="{C475D360-C92B-4FAF-921E-A3A009A76ECC}"/>
+                <a16:creationId xmlns:a16="http://schemas.microsoft.com/office/drawing/2014/main" xmlns="" id="{C475D360-C92B-4FAF-921E-A3A009A76ECC}"/>
               </a:ext>
             </a:extLst>
           </p:cNvPr>
@@ -26395,7 +26395,7 @@
           <p:cNvPr id="2" name="Title Placeholder 1">
             <a:extLst>
               <a:ext uri="{FF2B5EF4-FFF2-40B4-BE49-F238E27FC236}">
-                <a16:creationId xmlns="" xmlns:a16="http://schemas.microsoft.com/office/drawing/2014/main" id="{F2EB016D-CF9A-4584-982E-40465F70132F}"/>
+                <a16:creationId xmlns:a16="http://schemas.microsoft.com/office/drawing/2014/main" xmlns="" id="{F2EB016D-CF9A-4584-982E-40465F70132F}"/>
               </a:ext>
             </a:extLst>
           </p:cNvPr>
@@ -26439,7 +26439,7 @@
           <p:cNvPr id="9" name="Graphic 4">
             <a:extLst>
               <a:ext uri="{FF2B5EF4-FFF2-40B4-BE49-F238E27FC236}">
-                <a16:creationId xmlns="" xmlns:a16="http://schemas.microsoft.com/office/drawing/2014/main" id="{25EEA1D4-3AF7-42D7-AE97-AE404AECFAEB}"/>
+                <a16:creationId xmlns:a16="http://schemas.microsoft.com/office/drawing/2014/main" xmlns="" id="{25EEA1D4-3AF7-42D7-AE97-AE404AECFAEB}"/>
               </a:ext>
             </a:extLst>
           </p:cNvPr>
@@ -26452,7 +26452,7 @@
           <a:blip r:embed="rId25">
             <a:extLst>
               <a:ext uri="{96DAC541-7B7A-43D3-8B79-37D633B846F1}">
-                <asvg:svgBlip xmlns="" xmlns:asvg="http://schemas.microsoft.com/office/drawing/2016/SVG/main" r:embed="rId26"/>
+                <asvg:svgBlip xmlns:asvg="http://schemas.microsoft.com/office/drawing/2016/SVG/main" xmlns="" r:embed="rId26"/>
               </a:ext>
             </a:extLst>
           </a:blip>
@@ -26474,7 +26474,7 @@
           <p:cNvPr id="13" name="Text Placeholder 2">
             <a:extLst>
               <a:ext uri="{FF2B5EF4-FFF2-40B4-BE49-F238E27FC236}">
-                <a16:creationId xmlns="" xmlns:a16="http://schemas.microsoft.com/office/drawing/2014/main" id="{AF310831-D03E-404B-934F-73B268225B7E}"/>
+                <a16:creationId xmlns:a16="http://schemas.microsoft.com/office/drawing/2014/main" xmlns="" id="{AF310831-D03E-404B-934F-73B268225B7E}"/>
               </a:ext>
             </a:extLst>
           </p:cNvPr>
@@ -28986,7 +28986,7 @@
           <p:cNvPr id="26" name="Title 1">
             <a:extLst>
               <a:ext uri="{FF2B5EF4-FFF2-40B4-BE49-F238E27FC236}">
-                <a16:creationId xmlns="" xmlns:a16="http://schemas.microsoft.com/office/drawing/2014/main" id="{DD284F84-7A4C-4372-95D9-4E5A7B1205A2}"/>
+                <a16:creationId xmlns:a16="http://schemas.microsoft.com/office/drawing/2014/main" xmlns="" id="{DD284F84-7A4C-4372-95D9-4E5A7B1205A2}"/>
               </a:ext>
             </a:extLst>
           </p:cNvPr>
@@ -29027,12 +29027,20 @@
           </a:lstStyle>
           <a:p>
             <a:r>
+              <a:rPr lang="en-US" sz="2400" b="1" dirty="0" smtClean="0">
+                <a:solidFill>
+                  <a:schemeClr val="accent5"/>
+                </a:solidFill>
+              </a:rPr>
+              <a:t>Capstone </a:t>
+            </a:r>
+            <a:r>
               <a:rPr lang="en-US" sz="2400" b="1" dirty="0">
                 <a:solidFill>
                   <a:schemeClr val="accent5"/>
                 </a:solidFill>
               </a:rPr>
-              <a:t>AI Genie Capstone Project  </a:t>
+              <a:t>Project  </a:t>
             </a:r>
           </a:p>
           <a:p>
@@ -29070,7 +29078,7 @@
           <p:cNvPr id="27" name="Text Placeholder 4">
             <a:extLst>
               <a:ext uri="{FF2B5EF4-FFF2-40B4-BE49-F238E27FC236}">
-                <a16:creationId xmlns="" xmlns:a16="http://schemas.microsoft.com/office/drawing/2014/main" id="{5FA3D224-3342-4D5C-963F-16F18F8C3FC4}"/>
+                <a16:creationId xmlns:a16="http://schemas.microsoft.com/office/drawing/2014/main" xmlns="" id="{5FA3D224-3342-4D5C-963F-16F18F8C3FC4}"/>
               </a:ext>
             </a:extLst>
           </p:cNvPr>
@@ -29081,7 +29089,7 @@
         </p:nvSpPr>
         <p:spPr>
           <a:xfrm>
-            <a:off x="673608" y="859536"/>
+            <a:off x="371856" y="859536"/>
             <a:ext cx="11582400" cy="5705856"/>
           </a:xfrm>
           <a:prstGeom prst="rect">
@@ -29398,6 +29406,30 @@
           </a:p>
         </p:txBody>
       </p:sp>
+      <p:pic>
+        <p:nvPicPr>
+          <p:cNvPr id="2" name="Picture 1"/>
+          <p:cNvPicPr>
+            <a:picLocks noChangeAspect="1"/>
+          </p:cNvPicPr>
+          <p:nvPr/>
+        </p:nvPicPr>
+        <p:blipFill>
+          <a:blip r:embed="rId3"/>
+          <a:stretch>
+            <a:fillRect/>
+          </a:stretch>
+        </p:blipFill>
+        <p:spPr>
+          <a:xfrm>
+            <a:off x="2796349" y="6565392"/>
+            <a:ext cx="2447925" cy="257175"/>
+          </a:xfrm>
+          <a:prstGeom prst="rect">
+            <a:avLst/>
+          </a:prstGeom>
+        </p:spPr>
+      </p:pic>
     </p:spTree>
     <p:extLst>
       <p:ext uri="{BB962C8B-B14F-4D97-AF65-F5344CB8AC3E}">
@@ -29433,7 +29465,7 @@
           <p:cNvPr id="26" name="Title 1">
             <a:extLst>
               <a:ext uri="{FF2B5EF4-FFF2-40B4-BE49-F238E27FC236}">
-                <a16:creationId xmlns="" xmlns:a16="http://schemas.microsoft.com/office/drawing/2014/main" id="{DD284F84-7A4C-4372-95D9-4E5A7B1205A2}"/>
+                <a16:creationId xmlns:a16="http://schemas.microsoft.com/office/drawing/2014/main" xmlns="" id="{DD284F84-7A4C-4372-95D9-4E5A7B1205A2}"/>
               </a:ext>
             </a:extLst>
           </p:cNvPr>
@@ -29529,7 +29561,7 @@
           <p:cNvPr id="27" name="Text Placeholder 4">
             <a:extLst>
               <a:ext uri="{FF2B5EF4-FFF2-40B4-BE49-F238E27FC236}">
-                <a16:creationId xmlns="" xmlns:a16="http://schemas.microsoft.com/office/drawing/2014/main" id="{5FA3D224-3342-4D5C-963F-16F18F8C3FC4}"/>
+                <a16:creationId xmlns:a16="http://schemas.microsoft.com/office/drawing/2014/main" xmlns="" id="{5FA3D224-3342-4D5C-963F-16F18F8C3FC4}"/>
               </a:ext>
             </a:extLst>
           </p:cNvPr>
@@ -30099,6 +30131,30 @@
           </a:p>
         </p:txBody>
       </p:sp>
+      <p:pic>
+        <p:nvPicPr>
+          <p:cNvPr id="2" name="Picture 1"/>
+          <p:cNvPicPr>
+            <a:picLocks noChangeAspect="1"/>
+          </p:cNvPicPr>
+          <p:nvPr/>
+        </p:nvPicPr>
+        <p:blipFill>
+          <a:blip r:embed="rId4"/>
+          <a:stretch>
+            <a:fillRect/>
+          </a:stretch>
+        </p:blipFill>
+        <p:spPr>
+          <a:xfrm>
+            <a:off x="3134677" y="6488176"/>
+            <a:ext cx="2447925" cy="257175"/>
+          </a:xfrm>
+          <a:prstGeom prst="rect">
+            <a:avLst/>
+          </a:prstGeom>
+        </p:spPr>
+      </p:pic>
     </p:spTree>
     <p:extLst>
       <p:ext uri="{BB962C8B-B14F-4D97-AF65-F5344CB8AC3E}">
@@ -30134,7 +30190,7 @@
           <p:cNvPr id="26" name="Title 1">
             <a:extLst>
               <a:ext uri="{FF2B5EF4-FFF2-40B4-BE49-F238E27FC236}">
-                <a16:creationId xmlns="" xmlns:a16="http://schemas.microsoft.com/office/drawing/2014/main" id="{DD284F84-7A4C-4372-95D9-4E5A7B1205A2}"/>
+                <a16:creationId xmlns:a16="http://schemas.microsoft.com/office/drawing/2014/main" xmlns="" id="{DD284F84-7A4C-4372-95D9-4E5A7B1205A2}"/>
               </a:ext>
             </a:extLst>
           </p:cNvPr>
@@ -30287,7 +30343,7 @@
           <p:cNvPr id="6" name="Title 1">
             <a:extLst>
               <a:ext uri="{FF2B5EF4-FFF2-40B4-BE49-F238E27FC236}">
-                <a16:creationId xmlns="" xmlns:a16="http://schemas.microsoft.com/office/drawing/2014/main" id="{DD284F84-7A4C-4372-95D9-4E5A7B1205A2}"/>
+                <a16:creationId xmlns:a16="http://schemas.microsoft.com/office/drawing/2014/main" xmlns="" id="{DD284F84-7A4C-4372-95D9-4E5A7B1205A2}"/>
               </a:ext>
             </a:extLst>
           </p:cNvPr>
@@ -30378,6 +30434,30 @@
           </a:p>
         </p:txBody>
       </p:sp>
+      <p:pic>
+        <p:nvPicPr>
+          <p:cNvPr id="4" name="Picture 3"/>
+          <p:cNvPicPr>
+            <a:picLocks noChangeAspect="1"/>
+          </p:cNvPicPr>
+          <p:nvPr/>
+        </p:nvPicPr>
+        <p:blipFill>
+          <a:blip r:embed="rId5"/>
+          <a:stretch>
+            <a:fillRect/>
+          </a:stretch>
+        </p:blipFill>
+        <p:spPr>
+          <a:xfrm>
+            <a:off x="2933128" y="6600825"/>
+            <a:ext cx="2447925" cy="257175"/>
+          </a:xfrm>
+          <a:prstGeom prst="rect">
+            <a:avLst/>
+          </a:prstGeom>
+        </p:spPr>
+      </p:pic>
     </p:spTree>
     <p:extLst>
       <p:ext uri="{BB962C8B-B14F-4D97-AF65-F5344CB8AC3E}">
